--- a/Term Project/기획서/플로우차트 (구조 수정).pptx
+++ b/Term Project/기획서/플로우차트 (구조 수정).pptx
@@ -8,7 +8,6 @@
     <p:sldId id="256" r:id="rId2"/>
     <p:sldId id="258" r:id="rId3"/>
     <p:sldId id="257" r:id="rId4"/>
-    <p:sldId id="260" r:id="rId5"/>
   </p:sldIdLst>
   <p:sldSz cx="6858000" cy="9906000" type="A4"/>
   <p:notesSz cx="6858000" cy="9144000"/>
@@ -250,7 +249,7 @@
           <a:p>
             <a:fld id="{5B5D697C-0950-491F-9CFE-314C23D6A073}" type="datetimeFigureOut">
               <a:rPr lang="ko-KR" altLang="en-US" smtClean="0"/>
-              <a:t>2017-11-23</a:t>
+              <a:t>2017-11-28</a:t>
             </a:fld>
             <a:endParaRPr lang="ko-KR" altLang="en-US"/>
           </a:p>
@@ -420,7 +419,7 @@
           <a:p>
             <a:fld id="{5B5D697C-0950-491F-9CFE-314C23D6A073}" type="datetimeFigureOut">
               <a:rPr lang="ko-KR" altLang="en-US" smtClean="0"/>
-              <a:t>2017-11-23</a:t>
+              <a:t>2017-11-28</a:t>
             </a:fld>
             <a:endParaRPr lang="ko-KR" altLang="en-US"/>
           </a:p>
@@ -600,7 +599,7 @@
           <a:p>
             <a:fld id="{5B5D697C-0950-491F-9CFE-314C23D6A073}" type="datetimeFigureOut">
               <a:rPr lang="ko-KR" altLang="en-US" smtClean="0"/>
-              <a:t>2017-11-23</a:t>
+              <a:t>2017-11-28</a:t>
             </a:fld>
             <a:endParaRPr lang="ko-KR" altLang="en-US"/>
           </a:p>
@@ -770,7 +769,7 @@
           <a:p>
             <a:fld id="{5B5D697C-0950-491F-9CFE-314C23D6A073}" type="datetimeFigureOut">
               <a:rPr lang="ko-KR" altLang="en-US" smtClean="0"/>
-              <a:t>2017-11-23</a:t>
+              <a:t>2017-11-28</a:t>
             </a:fld>
             <a:endParaRPr lang="ko-KR" altLang="en-US"/>
           </a:p>
@@ -1014,7 +1013,7 @@
           <a:p>
             <a:fld id="{5B5D697C-0950-491F-9CFE-314C23D6A073}" type="datetimeFigureOut">
               <a:rPr lang="ko-KR" altLang="en-US" smtClean="0"/>
-              <a:t>2017-11-23</a:t>
+              <a:t>2017-11-28</a:t>
             </a:fld>
             <a:endParaRPr lang="ko-KR" altLang="en-US"/>
           </a:p>
@@ -1246,7 +1245,7 @@
           <a:p>
             <a:fld id="{5B5D697C-0950-491F-9CFE-314C23D6A073}" type="datetimeFigureOut">
               <a:rPr lang="ko-KR" altLang="en-US" smtClean="0"/>
-              <a:t>2017-11-23</a:t>
+              <a:t>2017-11-28</a:t>
             </a:fld>
             <a:endParaRPr lang="ko-KR" altLang="en-US"/>
           </a:p>
@@ -1613,7 +1612,7 @@
           <a:p>
             <a:fld id="{5B5D697C-0950-491F-9CFE-314C23D6A073}" type="datetimeFigureOut">
               <a:rPr lang="ko-KR" altLang="en-US" smtClean="0"/>
-              <a:t>2017-11-23</a:t>
+              <a:t>2017-11-28</a:t>
             </a:fld>
             <a:endParaRPr lang="ko-KR" altLang="en-US"/>
           </a:p>
@@ -1731,7 +1730,7 @@
           <a:p>
             <a:fld id="{5B5D697C-0950-491F-9CFE-314C23D6A073}" type="datetimeFigureOut">
               <a:rPr lang="ko-KR" altLang="en-US" smtClean="0"/>
-              <a:t>2017-11-23</a:t>
+              <a:t>2017-11-28</a:t>
             </a:fld>
             <a:endParaRPr lang="ko-KR" altLang="en-US"/>
           </a:p>
@@ -1826,7 +1825,7 @@
           <a:p>
             <a:fld id="{5B5D697C-0950-491F-9CFE-314C23D6A073}" type="datetimeFigureOut">
               <a:rPr lang="ko-KR" altLang="en-US" smtClean="0"/>
-              <a:t>2017-11-23</a:t>
+              <a:t>2017-11-28</a:t>
             </a:fld>
             <a:endParaRPr lang="ko-KR" altLang="en-US"/>
           </a:p>
@@ -2103,7 +2102,7 @@
           <a:p>
             <a:fld id="{5B5D697C-0950-491F-9CFE-314C23D6A073}" type="datetimeFigureOut">
               <a:rPr lang="ko-KR" altLang="en-US" smtClean="0"/>
-              <a:t>2017-11-23</a:t>
+              <a:t>2017-11-28</a:t>
             </a:fld>
             <a:endParaRPr lang="ko-KR" altLang="en-US"/>
           </a:p>
@@ -2360,7 +2359,7 @@
           <a:p>
             <a:fld id="{5B5D697C-0950-491F-9CFE-314C23D6A073}" type="datetimeFigureOut">
               <a:rPr lang="ko-KR" altLang="en-US" smtClean="0"/>
-              <a:t>2017-11-23</a:t>
+              <a:t>2017-11-28</a:t>
             </a:fld>
             <a:endParaRPr lang="ko-KR" altLang="en-US"/>
           </a:p>
@@ -2573,7 +2572,7 @@
           <a:p>
             <a:fld id="{5B5D697C-0950-491F-9CFE-314C23D6A073}" type="datetimeFigureOut">
               <a:rPr lang="ko-KR" altLang="en-US" smtClean="0"/>
-              <a:t>2017-11-23</a:t>
+              <a:t>2017-11-28</a:t>
             </a:fld>
             <a:endParaRPr lang="ko-KR" altLang="en-US"/>
           </a:p>
@@ -4072,14 +4071,7 @@
             <a:pPr algn="ctr"/>
             <a:r>
               <a:rPr lang="en-US" altLang="ko-KR" sz="1013" dirty="0"/>
-              <a:t>Start</a:t>
-            </a:r>
-          </a:p>
-          <a:p>
-            <a:pPr algn="ctr"/>
-            <a:r>
-              <a:rPr lang="en-US" altLang="ko-KR" sz="1013" dirty="0"/>
-              <a:t>Message()</a:t>
+              <a:t>Start()</a:t>
             </a:r>
           </a:p>
         </p:txBody>
@@ -4945,10 +4937,10 @@
       </p:grpSpPr>
       <p:sp>
         <p:nvSpPr>
-          <p:cNvPr id="5" name="다이아몬드 4">
-            <a:extLst>
-              <a:ext uri="{FF2B5EF4-FFF2-40B4-BE49-F238E27FC236}">
-                <a16:creationId xmlns:a16="http://schemas.microsoft.com/office/drawing/2014/main" id="{A2789050-BD48-41BD-B15A-F2928ABF76D0}"/>
+          <p:cNvPr id="6" name="직사각형 5">
+            <a:extLst>
+              <a:ext uri="{FF2B5EF4-FFF2-40B4-BE49-F238E27FC236}">
+                <a16:creationId xmlns:a16="http://schemas.microsoft.com/office/drawing/2014/main" id="{F64210B3-E855-48BC-9F8D-BE19FE65882A}"/>
               </a:ext>
             </a:extLst>
           </p:cNvPr>
@@ -4957,10 +4949,10 @@
         </p:nvSpPr>
         <p:spPr>
           <a:xfrm>
-            <a:off x="1464913" y="1049767"/>
-            <a:ext cx="1191127" cy="631658"/>
-          </a:xfrm>
-          <a:prstGeom prst="diamond">
+            <a:off x="2527400" y="2736567"/>
+            <a:ext cx="1806131" cy="712243"/>
+          </a:xfrm>
+          <a:prstGeom prst="rect">
             <a:avLst/>
           </a:prstGeom>
         </p:spPr>
@@ -4991,19 +4983,33 @@
           <a:p>
             <a:pPr algn="ctr"/>
             <a:r>
-              <a:rPr lang="ko-KR" altLang="en-US" sz="1013" dirty="0"/>
-              <a:t>메시지 여부 확인</a:t>
-            </a:r>
-            <a:endParaRPr lang="en-US" altLang="ko-KR" sz="1013" dirty="0"/>
-          </a:p>
-        </p:txBody>
-      </p:sp>
-      <p:sp>
-        <p:nvSpPr>
-          <p:cNvPr id="6" name="직사각형 5">
-            <a:extLst>
-              <a:ext uri="{FF2B5EF4-FFF2-40B4-BE49-F238E27FC236}">
-                <a16:creationId xmlns:a16="http://schemas.microsoft.com/office/drawing/2014/main" id="{F64210B3-E855-48BC-9F8D-BE19FE65882A}"/>
+              <a:rPr lang="en-US" altLang="ko-KR" sz="1600" dirty="0"/>
+              <a:t>Is</a:t>
+            </a:r>
+          </a:p>
+          <a:p>
+            <a:pPr algn="ctr"/>
+            <a:r>
+              <a:rPr lang="en-US" altLang="ko-KR" sz="1600" dirty="0" err="1"/>
+              <a:t>inavalid</a:t>
+            </a:r>
+            <a:endParaRPr lang="en-US" altLang="ko-KR" sz="1600" dirty="0"/>
+          </a:p>
+          <a:p>
+            <a:pPr algn="ctr"/>
+            <a:r>
+              <a:rPr lang="en-US" altLang="ko-KR" sz="1600" dirty="0"/>
+              <a:t>Message()</a:t>
+            </a:r>
+          </a:p>
+        </p:txBody>
+      </p:sp>
+      <p:sp>
+        <p:nvSpPr>
+          <p:cNvPr id="7" name="다이아몬드 6">
+            <a:extLst>
+              <a:ext uri="{FF2B5EF4-FFF2-40B4-BE49-F238E27FC236}">
+                <a16:creationId xmlns:a16="http://schemas.microsoft.com/office/drawing/2014/main" id="{52CDB1BE-4497-4A65-8D7C-5991BB804793}"/>
               </a:ext>
             </a:extLst>
           </p:cNvPr>
@@ -5012,10 +5018,10 @@
         </p:nvSpPr>
         <p:spPr>
           <a:xfrm>
-            <a:off x="1586732" y="1834718"/>
-            <a:ext cx="947487" cy="484748"/>
-          </a:xfrm>
-          <a:prstGeom prst="rect">
+            <a:off x="2297330" y="3829106"/>
+            <a:ext cx="2252153" cy="919513"/>
+          </a:xfrm>
+          <a:prstGeom prst="diamond">
             <a:avLst/>
           </a:prstGeom>
         </p:spPr>
@@ -5046,33 +5052,18 @@
           <a:p>
             <a:pPr algn="ctr"/>
             <a:r>
-              <a:rPr lang="en-US" altLang="ko-KR" sz="1013" dirty="0"/>
-              <a:t>Is</a:t>
-            </a:r>
-          </a:p>
-          <a:p>
-            <a:pPr algn="ctr"/>
-            <a:r>
-              <a:rPr lang="en-US" altLang="ko-KR" sz="1013" dirty="0" err="1"/>
-              <a:t>inavalid</a:t>
-            </a:r>
-            <a:endParaRPr lang="en-US" altLang="ko-KR" sz="1013" dirty="0"/>
-          </a:p>
-          <a:p>
-            <a:pPr algn="ctr"/>
-            <a:r>
-              <a:rPr lang="en-US" altLang="ko-KR" sz="1013" dirty="0"/>
-              <a:t>Message()</a:t>
-            </a:r>
-          </a:p>
-        </p:txBody>
-      </p:sp>
-      <p:sp>
-        <p:nvSpPr>
-          <p:cNvPr id="7" name="다이아몬드 6">
-            <a:extLst>
-              <a:ext uri="{FF2B5EF4-FFF2-40B4-BE49-F238E27FC236}">
-                <a16:creationId xmlns:a16="http://schemas.microsoft.com/office/drawing/2014/main" id="{52CDB1BE-4497-4A65-8D7C-5991BB804793}"/>
+              <a:rPr lang="en-US" altLang="ko-KR" dirty="0"/>
+              <a:t>Info Check</a:t>
+            </a:r>
+          </a:p>
+        </p:txBody>
+      </p:sp>
+      <p:sp>
+        <p:nvSpPr>
+          <p:cNvPr id="11" name="직사각형 10">
+            <a:extLst>
+              <a:ext uri="{FF2B5EF4-FFF2-40B4-BE49-F238E27FC236}">
+                <a16:creationId xmlns:a16="http://schemas.microsoft.com/office/drawing/2014/main" id="{BB589CDB-E827-4D4A-8350-D20FB82B6FD6}"/>
               </a:ext>
             </a:extLst>
           </p:cNvPr>
@@ -5081,10 +5072,10 @@
         </p:nvSpPr>
         <p:spPr>
           <a:xfrm>
-            <a:off x="1464913" y="2453709"/>
-            <a:ext cx="1191127" cy="631658"/>
-          </a:xfrm>
-          <a:prstGeom prst="diamond">
+            <a:off x="2545301" y="5280060"/>
+            <a:ext cx="1770328" cy="473501"/>
+          </a:xfrm>
+          <a:prstGeom prst="rect">
             <a:avLst/>
           </a:prstGeom>
         </p:spPr>
@@ -5115,18 +5106,18 @@
           <a:p>
             <a:pPr algn="ctr"/>
             <a:r>
-              <a:rPr lang="en-US" altLang="ko-KR" sz="1013" dirty="0"/>
-              <a:t>Info Check</a:t>
-            </a:r>
-          </a:p>
-        </p:txBody>
-      </p:sp>
-      <p:sp>
-        <p:nvSpPr>
-          <p:cNvPr id="11" name="직사각형 10">
-            <a:extLst>
-              <a:ext uri="{FF2B5EF4-FFF2-40B4-BE49-F238E27FC236}">
-                <a16:creationId xmlns:a16="http://schemas.microsoft.com/office/drawing/2014/main" id="{BB589CDB-E827-4D4A-8350-D20FB82B6FD6}"/>
+              <a:rPr lang="en-US" altLang="ko-KR" sz="2400" dirty="0"/>
+              <a:t>Update()</a:t>
+            </a:r>
+          </a:p>
+        </p:txBody>
+      </p:sp>
+      <p:sp>
+        <p:nvSpPr>
+          <p:cNvPr id="15" name="다이아몬드 14">
+            <a:extLst>
+              <a:ext uri="{FF2B5EF4-FFF2-40B4-BE49-F238E27FC236}">
+                <a16:creationId xmlns:a16="http://schemas.microsoft.com/office/drawing/2014/main" id="{BFA88919-CD1D-4788-8E06-8CE1BE57AD9F}"/>
               </a:ext>
             </a:extLst>
           </p:cNvPr>
@@ -5135,10 +5126,10 @@
         </p:nvSpPr>
         <p:spPr>
           <a:xfrm>
-            <a:off x="1586727" y="3800554"/>
-            <a:ext cx="947487" cy="484748"/>
-          </a:xfrm>
-          <a:prstGeom prst="rect">
+            <a:off x="2181252" y="6382283"/>
+            <a:ext cx="2484308" cy="1178187"/>
+          </a:xfrm>
+          <a:prstGeom prst="diamond">
             <a:avLst/>
           </a:prstGeom>
         </p:spPr>
@@ -5169,527 +5160,31 @@
           <a:p>
             <a:pPr algn="ctr"/>
             <a:r>
-              <a:rPr lang="en-US" altLang="ko-KR" sz="1013" dirty="0"/>
-              <a:t>Update()</a:t>
-            </a:r>
-          </a:p>
-        </p:txBody>
-      </p:sp>
-      <p:sp>
-        <p:nvSpPr>
-          <p:cNvPr id="15" name="다이아몬드 14">
-            <a:extLst>
-              <a:ext uri="{FF2B5EF4-FFF2-40B4-BE49-F238E27FC236}">
-                <a16:creationId xmlns:a16="http://schemas.microsoft.com/office/drawing/2014/main" id="{BFA88919-CD1D-4788-8E06-8CE1BE57AD9F}"/>
-              </a:ext>
-            </a:extLst>
-          </p:cNvPr>
-          <p:cNvSpPr/>
-          <p:nvPr/>
-        </p:nvSpPr>
-        <p:spPr>
-          <a:xfrm>
-            <a:off x="1464908" y="4916960"/>
-            <a:ext cx="1191127" cy="631658"/>
-          </a:xfrm>
-          <a:prstGeom prst="diamond">
-            <a:avLst/>
-          </a:prstGeom>
-        </p:spPr>
-        <p:style>
-          <a:lnRef idx="2">
-            <a:schemeClr val="accent1">
-              <a:shade val="50000"/>
-            </a:schemeClr>
-          </a:lnRef>
-          <a:fillRef idx="1">
-            <a:schemeClr val="accent1"/>
-          </a:fillRef>
-          <a:effectRef idx="0">
-            <a:schemeClr val="accent1"/>
-          </a:effectRef>
-          <a:fontRef idx="minor">
-            <a:schemeClr val="lt1"/>
-          </a:fontRef>
-        </p:style>
-        <p:txBody>
-          <a:bodyPr rot="0" spcFirstLastPara="0" vertOverflow="overflow" horzOverflow="overflow" vert="horz" wrap="square" lIns="51435" tIns="25718" rIns="51435" bIns="25718" numCol="1" spcCol="0" rtlCol="0" fromWordArt="0" anchor="ctr" anchorCtr="0" forceAA="0" compatLnSpc="1">
-            <a:prstTxWarp prst="textNoShape">
-              <a:avLst/>
-            </a:prstTxWarp>
-            <a:noAutofit/>
-          </a:bodyPr>
-          <a:lstStyle/>
+              <a:rPr lang="en-US" altLang="ko-KR" dirty="0"/>
+              <a:t>Make</a:t>
+            </a:r>
+          </a:p>
           <a:p>
             <a:pPr algn="ctr"/>
             <a:r>
-              <a:rPr lang="en-US" altLang="ko-KR" sz="1013" dirty="0"/>
-              <a:t>Waiting</a:t>
-            </a:r>
-          </a:p>
-          <a:p>
-            <a:pPr algn="ctr"/>
-            <a:r>
-              <a:rPr lang="en-US" altLang="ko-KR" sz="1013" dirty="0" err="1"/>
-              <a:t>ForSingleObject</a:t>
-            </a:r>
-            <a:r>
-              <a:rPr lang="en-US" altLang="ko-KR" sz="1013" dirty="0"/>
-              <a:t>()</a:t>
-            </a:r>
-          </a:p>
-        </p:txBody>
-      </p:sp>
-      <p:sp>
-        <p:nvSpPr>
-          <p:cNvPr id="16" name="직사각형 15">
-            <a:extLst>
-              <a:ext uri="{FF2B5EF4-FFF2-40B4-BE49-F238E27FC236}">
-                <a16:creationId xmlns:a16="http://schemas.microsoft.com/office/drawing/2014/main" id="{0E946D41-1D67-4A68-AF8A-A834D7584FBE}"/>
-              </a:ext>
-            </a:extLst>
-          </p:cNvPr>
-          <p:cNvSpPr/>
-          <p:nvPr/>
-        </p:nvSpPr>
-        <p:spPr>
-          <a:xfrm>
-            <a:off x="1593949" y="7452291"/>
-            <a:ext cx="947487" cy="484748"/>
-          </a:xfrm>
-          <a:prstGeom prst="rect">
-            <a:avLst/>
-          </a:prstGeom>
-        </p:spPr>
-        <p:style>
-          <a:lnRef idx="2">
-            <a:schemeClr val="accent1">
-              <a:shade val="50000"/>
-            </a:schemeClr>
-          </a:lnRef>
-          <a:fillRef idx="1">
-            <a:schemeClr val="accent1"/>
-          </a:fillRef>
-          <a:effectRef idx="0">
-            <a:schemeClr val="accent1"/>
-          </a:effectRef>
-          <a:fontRef idx="minor">
-            <a:schemeClr val="lt1"/>
-          </a:fontRef>
-        </p:style>
-        <p:txBody>
-          <a:bodyPr rot="0" spcFirstLastPara="0" vertOverflow="overflow" horzOverflow="overflow" vert="horz" wrap="square" lIns="51435" tIns="25718" rIns="51435" bIns="25718" numCol="1" spcCol="0" rtlCol="0" fromWordArt="0" anchor="ctr" anchorCtr="0" forceAA="0" compatLnSpc="1">
-            <a:prstTxWarp prst="textNoShape">
-              <a:avLst/>
-            </a:prstTxWarp>
-            <a:noAutofit/>
-          </a:bodyPr>
-          <a:lstStyle/>
-          <a:p>
-            <a:pPr algn="ctr"/>
-            <a:r>
-              <a:rPr lang="en-US" altLang="ko-KR" sz="1013" dirty="0" err="1"/>
-              <a:t>CheckSendMsg</a:t>
-            </a:r>
-            <a:endParaRPr lang="en-US" altLang="ko-KR" sz="1013" dirty="0"/>
-          </a:p>
-          <a:p>
-            <a:pPr algn="ctr"/>
-            <a:r>
-              <a:rPr lang="en-US" altLang="ko-KR" sz="1013" dirty="0"/>
-              <a:t>Queue</a:t>
-            </a:r>
-          </a:p>
-        </p:txBody>
-      </p:sp>
-      <p:sp>
-        <p:nvSpPr>
-          <p:cNvPr id="17" name="다이아몬드 16">
-            <a:extLst>
-              <a:ext uri="{FF2B5EF4-FFF2-40B4-BE49-F238E27FC236}">
-                <a16:creationId xmlns:a16="http://schemas.microsoft.com/office/drawing/2014/main" id="{FB273279-4631-4755-BBA8-6E42D56871F1}"/>
-              </a:ext>
-            </a:extLst>
-          </p:cNvPr>
-          <p:cNvSpPr/>
-          <p:nvPr/>
-        </p:nvSpPr>
-        <p:spPr>
-          <a:xfrm>
-            <a:off x="1472126" y="8192234"/>
-            <a:ext cx="1191127" cy="631658"/>
-          </a:xfrm>
-          <a:prstGeom prst="diamond">
-            <a:avLst/>
-          </a:prstGeom>
-        </p:spPr>
-        <p:style>
-          <a:lnRef idx="2">
-            <a:schemeClr val="accent1">
-              <a:shade val="50000"/>
-            </a:schemeClr>
-          </a:lnRef>
-          <a:fillRef idx="1">
-            <a:schemeClr val="accent1"/>
-          </a:fillRef>
-          <a:effectRef idx="0">
-            <a:schemeClr val="accent1"/>
-          </a:effectRef>
-          <a:fontRef idx="minor">
-            <a:schemeClr val="lt1"/>
-          </a:fontRef>
-        </p:style>
-        <p:txBody>
-          <a:bodyPr rot="0" spcFirstLastPara="0" vertOverflow="overflow" horzOverflow="overflow" vert="horz" wrap="square" lIns="51435" tIns="25718" rIns="51435" bIns="25718" numCol="1" spcCol="0" rtlCol="0" fromWordArt="0" anchor="ctr" anchorCtr="0" forceAA="0" compatLnSpc="1">
-            <a:prstTxWarp prst="textNoShape">
-              <a:avLst/>
-            </a:prstTxWarp>
-            <a:noAutofit/>
-          </a:bodyPr>
-          <a:lstStyle/>
-          <a:p>
-            <a:pPr algn="ctr"/>
-            <a:r>
-              <a:rPr lang="ko-KR" altLang="en-US" sz="1013" dirty="0"/>
-              <a:t>메시지 여부 확인</a:t>
-            </a:r>
-            <a:endParaRPr lang="en-US" altLang="ko-KR" sz="1013" dirty="0"/>
-          </a:p>
-        </p:txBody>
-      </p:sp>
-      <p:cxnSp>
-        <p:nvCxnSpPr>
-          <p:cNvPr id="18" name="직선 화살표 연결선 17">
-            <a:extLst>
-              <a:ext uri="{FF2B5EF4-FFF2-40B4-BE49-F238E27FC236}">
-                <a16:creationId xmlns:a16="http://schemas.microsoft.com/office/drawing/2014/main" id="{9AB31428-FF46-4A10-B8AB-F48DC3F2B1F5}"/>
-              </a:ext>
-            </a:extLst>
-          </p:cNvPr>
-          <p:cNvCxnSpPr>
-            <a:cxnSpLocks/>
-            <a:stCxn id="16" idx="2"/>
-            <a:endCxn id="17" idx="0"/>
-          </p:cNvCxnSpPr>
-          <p:nvPr/>
-        </p:nvCxnSpPr>
-        <p:spPr>
-          <a:xfrm flipH="1">
-            <a:off x="2067690" y="7937039"/>
-            <a:ext cx="3" cy="255195"/>
-          </a:xfrm>
-          <a:prstGeom prst="straightConnector1">
-            <a:avLst/>
-          </a:prstGeom>
-          <a:ln>
-            <a:tailEnd type="triangle"/>
-          </a:ln>
-        </p:spPr>
-        <p:style>
-          <a:lnRef idx="1">
-            <a:schemeClr val="accent1"/>
-          </a:lnRef>
-          <a:fillRef idx="0">
-            <a:schemeClr val="accent1"/>
-          </a:fillRef>
-          <a:effectRef idx="0">
-            <a:schemeClr val="accent1"/>
-          </a:effectRef>
-          <a:fontRef idx="minor">
-            <a:schemeClr val="tx1"/>
-          </a:fontRef>
-        </p:style>
-      </p:cxnSp>
-      <p:cxnSp>
-        <p:nvCxnSpPr>
-          <p:cNvPr id="19" name="직선 화살표 연결선 18">
-            <a:extLst>
-              <a:ext uri="{FF2B5EF4-FFF2-40B4-BE49-F238E27FC236}">
-                <a16:creationId xmlns:a16="http://schemas.microsoft.com/office/drawing/2014/main" id="{1F474E2B-5072-4C37-B0BD-06F38238CC1A}"/>
-              </a:ext>
-            </a:extLst>
-          </p:cNvPr>
-          <p:cNvCxnSpPr>
-            <a:cxnSpLocks/>
-            <a:stCxn id="17" idx="2"/>
-            <a:endCxn id="74" idx="0"/>
-          </p:cNvCxnSpPr>
-          <p:nvPr/>
-        </p:nvCxnSpPr>
-        <p:spPr>
-          <a:xfrm>
-            <a:off x="2067690" y="8823892"/>
-            <a:ext cx="0" cy="194935"/>
-          </a:xfrm>
-          <a:prstGeom prst="straightConnector1">
-            <a:avLst/>
-          </a:prstGeom>
-          <a:ln>
-            <a:tailEnd type="triangle"/>
-          </a:ln>
-        </p:spPr>
-        <p:style>
-          <a:lnRef idx="1">
-            <a:schemeClr val="accent1"/>
-          </a:lnRef>
-          <a:fillRef idx="0">
-            <a:schemeClr val="accent1"/>
-          </a:fillRef>
-          <a:effectRef idx="0">
-            <a:schemeClr val="accent1"/>
-          </a:effectRef>
-          <a:fontRef idx="minor">
-            <a:schemeClr val="tx1"/>
-          </a:fontRef>
-        </p:style>
-      </p:cxnSp>
-      <p:cxnSp>
-        <p:nvCxnSpPr>
-          <p:cNvPr id="20" name="연결선: 꺾임 19">
-            <a:extLst>
-              <a:ext uri="{FF2B5EF4-FFF2-40B4-BE49-F238E27FC236}">
-                <a16:creationId xmlns:a16="http://schemas.microsoft.com/office/drawing/2014/main" id="{243E9CEB-F53C-4F88-BCC8-95489118A59A}"/>
-              </a:ext>
-            </a:extLst>
-          </p:cNvPr>
-          <p:cNvCxnSpPr>
-            <a:stCxn id="17" idx="3"/>
-            <a:endCxn id="16" idx="3"/>
-          </p:cNvCxnSpPr>
-          <p:nvPr/>
-        </p:nvCxnSpPr>
-        <p:spPr>
-          <a:xfrm flipH="1" flipV="1">
-            <a:off x="2541436" y="7694665"/>
-            <a:ext cx="121817" cy="813398"/>
-          </a:xfrm>
-          <a:prstGeom prst="bentConnector3">
-            <a:avLst>
-              <a:gd name="adj1" fmla="val -187659"/>
-            </a:avLst>
-          </a:prstGeom>
-          <a:ln>
-            <a:tailEnd type="triangle"/>
-          </a:ln>
-        </p:spPr>
-        <p:style>
-          <a:lnRef idx="1">
-            <a:schemeClr val="accent1"/>
-          </a:lnRef>
-          <a:fillRef idx="0">
-            <a:schemeClr val="accent1"/>
-          </a:fillRef>
-          <a:effectRef idx="0">
-            <a:schemeClr val="accent1"/>
-          </a:effectRef>
-          <a:fontRef idx="minor">
-            <a:schemeClr val="tx1"/>
-          </a:fontRef>
-        </p:style>
-      </p:cxnSp>
-      <p:sp>
-        <p:nvSpPr>
-          <p:cNvPr id="21" name="TextBox 20">
-            <a:extLst>
-              <a:ext uri="{FF2B5EF4-FFF2-40B4-BE49-F238E27FC236}">
-                <a16:creationId xmlns:a16="http://schemas.microsoft.com/office/drawing/2014/main" id="{67376205-22A3-4F5A-A7B5-C0EEBBFEC48D}"/>
-              </a:ext>
-            </a:extLst>
-          </p:cNvPr>
-          <p:cNvSpPr txBox="1"/>
-          <p:nvPr/>
-        </p:nvSpPr>
-        <p:spPr>
-          <a:xfrm>
-            <a:off x="1385545" y="8760874"/>
-            <a:ext cx="573829" cy="307777"/>
-          </a:xfrm>
-          <a:prstGeom prst="rect">
-            <a:avLst/>
-          </a:prstGeom>
-          <a:noFill/>
-        </p:spPr>
-        <p:txBody>
-          <a:bodyPr wrap="square" rtlCol="0">
-            <a:spAutoFit/>
-          </a:bodyPr>
-          <a:lstStyle/>
-          <a:p>
-            <a:pPr algn="ctr"/>
-            <a:r>
-              <a:rPr lang="ko-KR" altLang="en-US" sz="1400" dirty="0"/>
-              <a:t>있음</a:t>
-            </a:r>
-          </a:p>
-        </p:txBody>
-      </p:sp>
-      <p:sp>
-        <p:nvSpPr>
-          <p:cNvPr id="22" name="TextBox 21">
-            <a:extLst>
-              <a:ext uri="{FF2B5EF4-FFF2-40B4-BE49-F238E27FC236}">
-                <a16:creationId xmlns:a16="http://schemas.microsoft.com/office/drawing/2014/main" id="{C00E6FDB-E04F-465B-B0C3-10E447D07E4E}"/>
-              </a:ext>
-            </a:extLst>
-          </p:cNvPr>
-          <p:cNvSpPr txBox="1"/>
-          <p:nvPr/>
-        </p:nvSpPr>
-        <p:spPr>
-          <a:xfrm>
-            <a:off x="2850077" y="7629262"/>
-            <a:ext cx="573838" cy="307777"/>
-          </a:xfrm>
-          <a:prstGeom prst="rect">
-            <a:avLst/>
-          </a:prstGeom>
-          <a:noFill/>
-        </p:spPr>
-        <p:txBody>
-          <a:bodyPr wrap="square" rtlCol="0">
-            <a:spAutoFit/>
-          </a:bodyPr>
-          <a:lstStyle/>
-          <a:p>
-            <a:pPr algn="ctr"/>
-            <a:r>
-              <a:rPr lang="ko-KR" altLang="en-US" sz="1400" dirty="0"/>
-              <a:t>없음</a:t>
-            </a:r>
-          </a:p>
-        </p:txBody>
-      </p:sp>
-      <p:cxnSp>
-        <p:nvCxnSpPr>
-          <p:cNvPr id="24" name="직선 화살표 연결선 23">
-            <a:extLst>
-              <a:ext uri="{FF2B5EF4-FFF2-40B4-BE49-F238E27FC236}">
-                <a16:creationId xmlns:a16="http://schemas.microsoft.com/office/drawing/2014/main" id="{7828EA99-8E8B-45C8-8D24-A4FB95A77962}"/>
-              </a:ext>
-            </a:extLst>
-          </p:cNvPr>
-          <p:cNvCxnSpPr>
-            <a:cxnSpLocks/>
-            <a:stCxn id="133" idx="2"/>
-            <a:endCxn id="5" idx="0"/>
-          </p:cNvCxnSpPr>
-          <p:nvPr/>
-        </p:nvCxnSpPr>
-        <p:spPr>
-          <a:xfrm>
-            <a:off x="2060473" y="814999"/>
-            <a:ext cx="4" cy="234768"/>
-          </a:xfrm>
-          <a:prstGeom prst="straightConnector1">
-            <a:avLst/>
-          </a:prstGeom>
-          <a:ln>
-            <a:tailEnd type="triangle"/>
-          </a:ln>
-        </p:spPr>
-        <p:style>
-          <a:lnRef idx="1">
-            <a:schemeClr val="accent1"/>
-          </a:lnRef>
-          <a:fillRef idx="0">
-            <a:schemeClr val="accent1"/>
-          </a:fillRef>
-          <a:effectRef idx="0">
-            <a:schemeClr val="accent1"/>
-          </a:effectRef>
-          <a:fontRef idx="minor">
-            <a:schemeClr val="tx1"/>
-          </a:fontRef>
-        </p:style>
-      </p:cxnSp>
-      <p:cxnSp>
-        <p:nvCxnSpPr>
-          <p:cNvPr id="25" name="직선 화살표 연결선 24">
-            <a:extLst>
-              <a:ext uri="{FF2B5EF4-FFF2-40B4-BE49-F238E27FC236}">
-                <a16:creationId xmlns:a16="http://schemas.microsoft.com/office/drawing/2014/main" id="{FA7C6E8B-A591-4711-B27A-74523C170296}"/>
-              </a:ext>
-            </a:extLst>
-          </p:cNvPr>
-          <p:cNvCxnSpPr>
-            <a:cxnSpLocks/>
-            <a:stCxn id="5" idx="2"/>
-            <a:endCxn id="6" idx="0"/>
-          </p:cNvCxnSpPr>
-          <p:nvPr/>
-        </p:nvCxnSpPr>
-        <p:spPr>
-          <a:xfrm flipH="1">
-            <a:off x="2060476" y="1681425"/>
-            <a:ext cx="1" cy="153293"/>
-          </a:xfrm>
-          <a:prstGeom prst="straightConnector1">
-            <a:avLst/>
-          </a:prstGeom>
-          <a:ln>
-            <a:tailEnd type="triangle"/>
-          </a:ln>
-        </p:spPr>
-        <p:style>
-          <a:lnRef idx="1">
-            <a:schemeClr val="accent1"/>
-          </a:lnRef>
-          <a:fillRef idx="0">
-            <a:schemeClr val="accent1"/>
-          </a:fillRef>
-          <a:effectRef idx="0">
-            <a:schemeClr val="accent1"/>
-          </a:effectRef>
-          <a:fontRef idx="minor">
-            <a:schemeClr val="tx1"/>
-          </a:fontRef>
-        </p:style>
-      </p:cxnSp>
-      <p:cxnSp>
-        <p:nvCxnSpPr>
-          <p:cNvPr id="29" name="연결선: 꺾임 28">
-            <a:extLst>
-              <a:ext uri="{FF2B5EF4-FFF2-40B4-BE49-F238E27FC236}">
-                <a16:creationId xmlns:a16="http://schemas.microsoft.com/office/drawing/2014/main" id="{72243245-A50F-423C-AA49-4040595B9A49}"/>
-              </a:ext>
-            </a:extLst>
-          </p:cNvPr>
-          <p:cNvCxnSpPr>
-            <a:cxnSpLocks/>
-            <a:stCxn id="5" idx="1"/>
-            <a:endCxn id="133" idx="1"/>
-          </p:cNvCxnSpPr>
-          <p:nvPr/>
-        </p:nvCxnSpPr>
-        <p:spPr>
-          <a:xfrm rot="10800000" flipH="1">
-            <a:off x="1464913" y="572626"/>
-            <a:ext cx="121816" cy="792971"/>
-          </a:xfrm>
-          <a:prstGeom prst="bentConnector3">
-            <a:avLst>
-              <a:gd name="adj1" fmla="val -187660"/>
-            </a:avLst>
-          </a:prstGeom>
-          <a:ln>
-            <a:tailEnd type="triangle"/>
-          </a:ln>
-        </p:spPr>
-        <p:style>
-          <a:lnRef idx="1">
-            <a:schemeClr val="accent1"/>
-          </a:lnRef>
-          <a:fillRef idx="0">
-            <a:schemeClr val="accent1"/>
-          </a:fillRef>
-          <a:effectRef idx="0">
-            <a:schemeClr val="accent1"/>
-          </a:effectRef>
-          <a:fontRef idx="minor">
-            <a:schemeClr val="tx1"/>
-          </a:fontRef>
-        </p:style>
-      </p:cxnSp>
+              <a:rPr lang="en-US" altLang="ko-KR" dirty="0" err="1"/>
+              <a:t>Msg</a:t>
+            </a:r>
+            <a:r>
+              <a:rPr lang="en-US" altLang="ko-KR" dirty="0"/>
+              <a:t>(float </a:t>
+            </a:r>
+            <a:r>
+              <a:rPr lang="en-US" altLang="ko-KR" dirty="0" err="1"/>
+              <a:t>fTimeElapsed</a:t>
+            </a:r>
+            <a:r>
+              <a:rPr lang="en-US" altLang="ko-KR" dirty="0"/>
+              <a:t>)</a:t>
+            </a:r>
+          </a:p>
+        </p:txBody>
+      </p:sp>
       <p:cxnSp>
         <p:nvCxnSpPr>
           <p:cNvPr id="30" name="직선 화살표 연결선 29">
@@ -5707,9 +5202,9 @@
           <p:nvPr/>
         </p:nvCxnSpPr>
         <p:spPr>
-          <a:xfrm>
-            <a:off x="2060476" y="2319466"/>
-            <a:ext cx="1" cy="134243"/>
+          <a:xfrm flipH="1">
+            <a:off x="3423407" y="3448810"/>
+            <a:ext cx="7059" cy="380296"/>
           </a:xfrm>
           <a:prstGeom prst="straightConnector1">
             <a:avLst/>
@@ -5745,560 +5240,14 @@
           <p:cNvCxnSpPr>
             <a:cxnSpLocks/>
             <a:stCxn id="15" idx="2"/>
-            <a:endCxn id="61" idx="0"/>
+            <a:endCxn id="122" idx="0"/>
           </p:cNvCxnSpPr>
           <p:nvPr/>
         </p:nvCxnSpPr>
         <p:spPr>
           <a:xfrm>
-            <a:off x="2060472" y="5548618"/>
-            <a:ext cx="7221" cy="474499"/>
-          </a:xfrm>
-          <a:prstGeom prst="straightConnector1">
-            <a:avLst/>
-          </a:prstGeom>
-          <a:ln>
-            <a:tailEnd type="triangle"/>
-          </a:ln>
-        </p:spPr>
-        <p:style>
-          <a:lnRef idx="1">
-            <a:schemeClr val="accent1"/>
-          </a:lnRef>
-          <a:fillRef idx="0">
-            <a:schemeClr val="accent1"/>
-          </a:fillRef>
-          <a:effectRef idx="0">
-            <a:schemeClr val="accent1"/>
-          </a:effectRef>
-          <a:fontRef idx="minor">
-            <a:schemeClr val="tx1"/>
-          </a:fontRef>
-        </p:style>
-      </p:cxnSp>
-      <p:sp>
-        <p:nvSpPr>
-          <p:cNvPr id="74" name="다이아몬드 73">
-            <a:extLst>
-              <a:ext uri="{FF2B5EF4-FFF2-40B4-BE49-F238E27FC236}">
-                <a16:creationId xmlns:a16="http://schemas.microsoft.com/office/drawing/2014/main" id="{FC1ED4AA-C157-4350-9160-B84F24138298}"/>
-              </a:ext>
-            </a:extLst>
-          </p:cNvPr>
-          <p:cNvSpPr/>
-          <p:nvPr/>
-        </p:nvSpPr>
-        <p:spPr>
-          <a:xfrm>
-            <a:off x="1472126" y="9018827"/>
-            <a:ext cx="1191127" cy="631658"/>
-          </a:xfrm>
-          <a:prstGeom prst="diamond">
-            <a:avLst/>
-          </a:prstGeom>
-        </p:spPr>
-        <p:style>
-          <a:lnRef idx="2">
-            <a:schemeClr val="accent1">
-              <a:shade val="50000"/>
-            </a:schemeClr>
-          </a:lnRef>
-          <a:fillRef idx="1">
-            <a:schemeClr val="accent1"/>
-          </a:fillRef>
-          <a:effectRef idx="0">
-            <a:schemeClr val="accent1"/>
-          </a:effectRef>
-          <a:fontRef idx="minor">
-            <a:schemeClr val="lt1"/>
-          </a:fontRef>
-        </p:style>
-        <p:txBody>
-          <a:bodyPr rot="0" spcFirstLastPara="0" vertOverflow="overflow" horzOverflow="overflow" vert="horz" wrap="square" lIns="51435" tIns="25718" rIns="51435" bIns="25718" numCol="1" spcCol="0" rtlCol="0" fromWordArt="0" anchor="ctr" anchorCtr="0" forceAA="0" compatLnSpc="1">
-            <a:prstTxWarp prst="textNoShape">
-              <a:avLst/>
-            </a:prstTxWarp>
-            <a:noAutofit/>
-          </a:bodyPr>
-          <a:lstStyle/>
-          <a:p>
-            <a:pPr algn="ctr"/>
-            <a:r>
-              <a:rPr lang="en-US" altLang="ko-KR" sz="1013" dirty="0"/>
-              <a:t>Check</a:t>
-            </a:r>
-          </a:p>
-          <a:p>
-            <a:pPr algn="ctr"/>
-            <a:r>
-              <a:rPr lang="en-US" altLang="ko-KR" sz="1013" dirty="0" err="1"/>
-              <a:t>ClientID</a:t>
-            </a:r>
-            <a:endParaRPr lang="en-US" altLang="ko-KR" sz="1013" dirty="0"/>
-          </a:p>
-        </p:txBody>
-      </p:sp>
-      <p:cxnSp>
-        <p:nvCxnSpPr>
-          <p:cNvPr id="118" name="직선 화살표 연결선 117">
-            <a:extLst>
-              <a:ext uri="{FF2B5EF4-FFF2-40B4-BE49-F238E27FC236}">
-                <a16:creationId xmlns:a16="http://schemas.microsoft.com/office/drawing/2014/main" id="{105B0469-3DAD-4539-9164-A4055D9EA4D9}"/>
-              </a:ext>
-            </a:extLst>
-          </p:cNvPr>
-          <p:cNvCxnSpPr>
-            <a:cxnSpLocks/>
-            <a:stCxn id="7" idx="2"/>
-            <a:endCxn id="11" idx="0"/>
-          </p:cNvCxnSpPr>
-          <p:nvPr/>
-        </p:nvCxnSpPr>
-        <p:spPr>
-          <a:xfrm flipH="1">
-            <a:off x="2060471" y="3085367"/>
-            <a:ext cx="6" cy="715187"/>
-          </a:xfrm>
-          <a:prstGeom prst="straightConnector1">
-            <a:avLst/>
-          </a:prstGeom>
-          <a:ln>
-            <a:tailEnd type="triangle"/>
-          </a:ln>
-        </p:spPr>
-        <p:style>
-          <a:lnRef idx="1">
-            <a:schemeClr val="accent1"/>
-          </a:lnRef>
-          <a:fillRef idx="0">
-            <a:schemeClr val="accent1"/>
-          </a:fillRef>
-          <a:effectRef idx="0">
-            <a:schemeClr val="accent1"/>
-          </a:effectRef>
-          <a:fontRef idx="minor">
-            <a:schemeClr val="tx1"/>
-          </a:fontRef>
-        </p:style>
-      </p:cxnSp>
-      <p:sp>
-        <p:nvSpPr>
-          <p:cNvPr id="122" name="타원 121">
-            <a:extLst>
-              <a:ext uri="{FF2B5EF4-FFF2-40B4-BE49-F238E27FC236}">
-                <a16:creationId xmlns:a16="http://schemas.microsoft.com/office/drawing/2014/main" id="{D6C8B57D-280B-4915-8DA9-737B346CA248}"/>
-              </a:ext>
-            </a:extLst>
-          </p:cNvPr>
-          <p:cNvSpPr/>
-          <p:nvPr/>
-        </p:nvSpPr>
-        <p:spPr>
-          <a:xfrm>
-            <a:off x="3649723" y="9018827"/>
-            <a:ext cx="1118936" cy="631658"/>
-          </a:xfrm>
-          <a:prstGeom prst="ellipse">
-            <a:avLst/>
-          </a:prstGeom>
-        </p:spPr>
-        <p:style>
-          <a:lnRef idx="2">
-            <a:schemeClr val="accent1">
-              <a:shade val="50000"/>
-            </a:schemeClr>
-          </a:lnRef>
-          <a:fillRef idx="1">
-            <a:schemeClr val="accent1"/>
-          </a:fillRef>
-          <a:effectRef idx="0">
-            <a:schemeClr val="accent1"/>
-          </a:effectRef>
-          <a:fontRef idx="minor">
-            <a:schemeClr val="lt1"/>
-          </a:fontRef>
-        </p:style>
-        <p:txBody>
-          <a:bodyPr rot="0" spcFirstLastPara="0" vertOverflow="overflow" horzOverflow="overflow" vert="horz" wrap="square" lIns="51435" tIns="25718" rIns="51435" bIns="25718" numCol="1" spcCol="0" rtlCol="0" fromWordArt="0" anchor="ctr" anchorCtr="0" forceAA="0" compatLnSpc="1">
-            <a:prstTxWarp prst="textNoShape">
-              <a:avLst/>
-            </a:prstTxWarp>
-            <a:noAutofit/>
-          </a:bodyPr>
-          <a:lstStyle/>
-          <a:p>
-            <a:pPr algn="ctr"/>
-            <a:r>
-              <a:rPr lang="en-US" altLang="ko-KR" sz="1013" dirty="0"/>
-              <a:t>Message</a:t>
-            </a:r>
-          </a:p>
-          <a:p>
-            <a:pPr algn="ctr"/>
-            <a:r>
-              <a:rPr lang="en-US" altLang="ko-KR" sz="1013" dirty="0"/>
-              <a:t>Sender()</a:t>
-            </a:r>
-          </a:p>
-        </p:txBody>
-      </p:sp>
-      <p:cxnSp>
-        <p:nvCxnSpPr>
-          <p:cNvPr id="123" name="직선 화살표 연결선 122">
-            <a:extLst>
-              <a:ext uri="{FF2B5EF4-FFF2-40B4-BE49-F238E27FC236}">
-                <a16:creationId xmlns:a16="http://schemas.microsoft.com/office/drawing/2014/main" id="{BED4BE1D-BD94-41B6-A14C-850B49F5F97B}"/>
-              </a:ext>
-            </a:extLst>
-          </p:cNvPr>
-          <p:cNvCxnSpPr>
-            <a:cxnSpLocks/>
-            <a:stCxn id="61" idx="2"/>
-            <a:endCxn id="16" idx="0"/>
-          </p:cNvCxnSpPr>
-          <p:nvPr/>
-        </p:nvCxnSpPr>
-        <p:spPr>
-          <a:xfrm>
-            <a:off x="2067693" y="6507865"/>
-            <a:ext cx="0" cy="944426"/>
-          </a:xfrm>
-          <a:prstGeom prst="straightConnector1">
-            <a:avLst/>
-          </a:prstGeom>
-          <a:ln>
-            <a:tailEnd type="triangle"/>
-          </a:ln>
-        </p:spPr>
-        <p:style>
-          <a:lnRef idx="1">
-            <a:schemeClr val="accent1"/>
-          </a:lnRef>
-          <a:fillRef idx="0">
-            <a:schemeClr val="accent1"/>
-          </a:fillRef>
-          <a:effectRef idx="0">
-            <a:schemeClr val="accent1"/>
-          </a:effectRef>
-          <a:fontRef idx="minor">
-            <a:schemeClr val="tx1"/>
-          </a:fontRef>
-        </p:style>
-      </p:cxnSp>
-      <p:sp>
-        <p:nvSpPr>
-          <p:cNvPr id="126" name="TextBox 125">
-            <a:extLst>
-              <a:ext uri="{FF2B5EF4-FFF2-40B4-BE49-F238E27FC236}">
-                <a16:creationId xmlns:a16="http://schemas.microsoft.com/office/drawing/2014/main" id="{CACE76AB-B512-44A3-AA24-C3CB24D5797E}"/>
-              </a:ext>
-            </a:extLst>
-          </p:cNvPr>
-          <p:cNvSpPr txBox="1"/>
-          <p:nvPr/>
-        </p:nvSpPr>
-        <p:spPr>
-          <a:xfrm>
-            <a:off x="4763302" y="3389510"/>
-            <a:ext cx="2094698" cy="958083"/>
-          </a:xfrm>
-          <a:prstGeom prst="rect">
-            <a:avLst/>
-          </a:prstGeom>
-          <a:noFill/>
-        </p:spPr>
-        <p:txBody>
-          <a:bodyPr wrap="square" rtlCol="0">
-            <a:spAutoFit/>
-          </a:bodyPr>
-          <a:lstStyle/>
-          <a:p>
-            <a:pPr algn="ctr"/>
-            <a:r>
-              <a:rPr lang="ko-KR" altLang="en-US" sz="2813" dirty="0"/>
-              <a:t>서버</a:t>
-            </a:r>
-            <a:endParaRPr lang="en-US" altLang="ko-KR" sz="2813" dirty="0"/>
-          </a:p>
-          <a:p>
-            <a:pPr algn="ctr"/>
-            <a:r>
-              <a:rPr lang="ko-KR" altLang="en-US" sz="2813" dirty="0"/>
-              <a:t>메시지 처리</a:t>
-            </a:r>
-            <a:endParaRPr lang="en-US" altLang="ko-KR" sz="2813" dirty="0"/>
-          </a:p>
-        </p:txBody>
-      </p:sp>
-      <p:sp>
-        <p:nvSpPr>
-          <p:cNvPr id="128" name="타원 127">
-            <a:extLst>
-              <a:ext uri="{FF2B5EF4-FFF2-40B4-BE49-F238E27FC236}">
-                <a16:creationId xmlns:a16="http://schemas.microsoft.com/office/drawing/2014/main" id="{3B8AE8B8-AC4A-4A08-A14C-666A576769D2}"/>
-              </a:ext>
-            </a:extLst>
-          </p:cNvPr>
-          <p:cNvSpPr/>
-          <p:nvPr/>
-        </p:nvSpPr>
-        <p:spPr>
-          <a:xfrm>
-            <a:off x="4526085" y="149343"/>
-            <a:ext cx="1118936" cy="631658"/>
-          </a:xfrm>
-          <a:prstGeom prst="ellipse">
-            <a:avLst/>
-          </a:prstGeom>
-        </p:spPr>
-        <p:style>
-          <a:lnRef idx="2">
-            <a:schemeClr val="accent1">
-              <a:shade val="50000"/>
-            </a:schemeClr>
-          </a:lnRef>
-          <a:fillRef idx="1">
-            <a:schemeClr val="accent1"/>
-          </a:fillRef>
-          <a:effectRef idx="0">
-            <a:schemeClr val="accent1"/>
-          </a:effectRef>
-          <a:fontRef idx="minor">
-            <a:schemeClr val="lt1"/>
-          </a:fontRef>
-        </p:style>
-        <p:txBody>
-          <a:bodyPr rot="0" spcFirstLastPara="0" vertOverflow="overflow" horzOverflow="overflow" vert="horz" wrap="square" lIns="51435" tIns="25718" rIns="51435" bIns="25718" numCol="1" spcCol="0" rtlCol="0" fromWordArt="0" anchor="ctr" anchorCtr="0" forceAA="0" compatLnSpc="1">
-            <a:prstTxWarp prst="textNoShape">
-              <a:avLst/>
-            </a:prstTxWarp>
-            <a:noAutofit/>
-          </a:bodyPr>
-          <a:lstStyle/>
-          <a:p>
-            <a:pPr algn="ctr"/>
-            <a:r>
-              <a:rPr lang="en-US" altLang="ko-KR" sz="1013" dirty="0"/>
-              <a:t>Message</a:t>
-            </a:r>
-          </a:p>
-          <a:p>
-            <a:pPr algn="ctr"/>
-            <a:r>
-              <a:rPr lang="en-US" altLang="ko-KR" sz="1013" dirty="0" err="1"/>
-              <a:t>Reciver</a:t>
-            </a:r>
-            <a:endParaRPr lang="en-US" altLang="ko-KR" sz="1013" dirty="0"/>
-          </a:p>
-        </p:txBody>
-      </p:sp>
-      <p:sp>
-        <p:nvSpPr>
-          <p:cNvPr id="130" name="직사각형 129">
-            <a:extLst>
-              <a:ext uri="{FF2B5EF4-FFF2-40B4-BE49-F238E27FC236}">
-                <a16:creationId xmlns:a16="http://schemas.microsoft.com/office/drawing/2014/main" id="{DD718CA2-0CF3-4E89-B76C-04E2279887D9}"/>
-              </a:ext>
-            </a:extLst>
-          </p:cNvPr>
-          <p:cNvSpPr/>
-          <p:nvPr/>
-        </p:nvSpPr>
-        <p:spPr>
-          <a:xfrm>
-            <a:off x="4611809" y="1019357"/>
-            <a:ext cx="947487" cy="484748"/>
-          </a:xfrm>
-          <a:prstGeom prst="rect">
-            <a:avLst/>
-          </a:prstGeom>
-        </p:spPr>
-        <p:style>
-          <a:lnRef idx="2">
-            <a:schemeClr val="accent1">
-              <a:shade val="50000"/>
-            </a:schemeClr>
-          </a:lnRef>
-          <a:fillRef idx="1">
-            <a:schemeClr val="accent1"/>
-          </a:fillRef>
-          <a:effectRef idx="0">
-            <a:schemeClr val="accent1"/>
-          </a:effectRef>
-          <a:fontRef idx="minor">
-            <a:schemeClr val="lt1"/>
-          </a:fontRef>
-        </p:style>
-        <p:txBody>
-          <a:bodyPr rot="0" spcFirstLastPara="0" vertOverflow="overflow" horzOverflow="overflow" vert="horz" wrap="square" lIns="51435" tIns="25718" rIns="51435" bIns="25718" numCol="1" spcCol="0" rtlCol="0" fromWordArt="0" anchor="ctr" anchorCtr="0" forceAA="0" compatLnSpc="1">
-            <a:prstTxWarp prst="textNoShape">
-              <a:avLst/>
-            </a:prstTxWarp>
-            <a:noAutofit/>
-          </a:bodyPr>
-          <a:lstStyle/>
-          <a:p>
-            <a:pPr algn="ctr"/>
-            <a:r>
-              <a:rPr lang="ko-KR" altLang="en-US" sz="1013" dirty="0"/>
-              <a:t>메시지 수신</a:t>
-            </a:r>
-            <a:endParaRPr lang="en-US" altLang="ko-KR" sz="1013" dirty="0"/>
-          </a:p>
-        </p:txBody>
-      </p:sp>
-      <p:sp>
-        <p:nvSpPr>
-          <p:cNvPr id="131" name="직사각형 130">
-            <a:extLst>
-              <a:ext uri="{FF2B5EF4-FFF2-40B4-BE49-F238E27FC236}">
-                <a16:creationId xmlns:a16="http://schemas.microsoft.com/office/drawing/2014/main" id="{F8EA2E2F-BDAC-436B-82F3-EE2748E057D7}"/>
-              </a:ext>
-            </a:extLst>
-          </p:cNvPr>
-          <p:cNvSpPr/>
-          <p:nvPr/>
-        </p:nvSpPr>
-        <p:spPr>
-          <a:xfrm>
-            <a:off x="4611809" y="2689854"/>
-            <a:ext cx="947487" cy="484748"/>
-          </a:xfrm>
-          <a:prstGeom prst="rect">
-            <a:avLst/>
-          </a:prstGeom>
-        </p:spPr>
-        <p:style>
-          <a:lnRef idx="2">
-            <a:schemeClr val="accent1">
-              <a:shade val="50000"/>
-            </a:schemeClr>
-          </a:lnRef>
-          <a:fillRef idx="1">
-            <a:schemeClr val="accent1"/>
-          </a:fillRef>
-          <a:effectRef idx="0">
-            <a:schemeClr val="accent1"/>
-          </a:effectRef>
-          <a:fontRef idx="minor">
-            <a:schemeClr val="lt1"/>
-          </a:fontRef>
-        </p:style>
-        <p:txBody>
-          <a:bodyPr rot="0" spcFirstLastPara="0" vertOverflow="overflow" horzOverflow="overflow" vert="horz" wrap="square" lIns="51435" tIns="25718" rIns="51435" bIns="25718" numCol="1" spcCol="0" rtlCol="0" fromWordArt="0" anchor="ctr" anchorCtr="0" forceAA="0" compatLnSpc="1">
-            <a:prstTxWarp prst="textNoShape">
-              <a:avLst/>
-            </a:prstTxWarp>
-            <a:noAutofit/>
-          </a:bodyPr>
-          <a:lstStyle/>
-          <a:p>
-            <a:pPr algn="ctr"/>
-            <a:r>
-              <a:rPr lang="en-US" altLang="ko-KR" sz="1013" dirty="0" err="1"/>
-              <a:t>SetRecv</a:t>
-            </a:r>
-            <a:endParaRPr lang="en-US" altLang="ko-KR" sz="1013" dirty="0"/>
-          </a:p>
-          <a:p>
-            <a:pPr algn="ctr"/>
-            <a:r>
-              <a:rPr lang="en-US" altLang="ko-KR" sz="1013" dirty="0" err="1"/>
-              <a:t>Msg</a:t>
-            </a:r>
-            <a:endParaRPr lang="en-US" altLang="ko-KR" sz="1013" dirty="0"/>
-          </a:p>
-          <a:p>
-            <a:pPr algn="ctr"/>
-            <a:r>
-              <a:rPr lang="en-US" altLang="ko-KR" sz="1013" dirty="0"/>
-              <a:t>Queue()</a:t>
-            </a:r>
-          </a:p>
-        </p:txBody>
-      </p:sp>
-      <p:sp>
-        <p:nvSpPr>
-          <p:cNvPr id="133" name="직사각형 132">
-            <a:extLst>
-              <a:ext uri="{FF2B5EF4-FFF2-40B4-BE49-F238E27FC236}">
-                <a16:creationId xmlns:a16="http://schemas.microsoft.com/office/drawing/2014/main" id="{1AC45DD4-C77B-464E-B1B3-639D44EC8004}"/>
-              </a:ext>
-            </a:extLst>
-          </p:cNvPr>
-          <p:cNvSpPr/>
-          <p:nvPr/>
-        </p:nvSpPr>
-        <p:spPr>
-          <a:xfrm>
-            <a:off x="1586729" y="330251"/>
-            <a:ext cx="947487" cy="484748"/>
-          </a:xfrm>
-          <a:prstGeom prst="rect">
-            <a:avLst/>
-          </a:prstGeom>
-        </p:spPr>
-        <p:style>
-          <a:lnRef idx="2">
-            <a:schemeClr val="accent1">
-              <a:shade val="50000"/>
-            </a:schemeClr>
-          </a:lnRef>
-          <a:fillRef idx="1">
-            <a:schemeClr val="accent1"/>
-          </a:fillRef>
-          <a:effectRef idx="0">
-            <a:schemeClr val="accent1"/>
-          </a:effectRef>
-          <a:fontRef idx="minor">
-            <a:schemeClr val="lt1"/>
-          </a:fontRef>
-        </p:style>
-        <p:txBody>
-          <a:bodyPr rot="0" spcFirstLastPara="0" vertOverflow="overflow" horzOverflow="overflow" vert="horz" wrap="square" lIns="51435" tIns="25718" rIns="51435" bIns="25718" numCol="1" spcCol="0" rtlCol="0" fromWordArt="0" anchor="ctr" anchorCtr="0" forceAA="0" compatLnSpc="1">
-            <a:prstTxWarp prst="textNoShape">
-              <a:avLst/>
-            </a:prstTxWarp>
-            <a:noAutofit/>
-          </a:bodyPr>
-          <a:lstStyle/>
-          <a:p>
-            <a:pPr algn="ctr"/>
-            <a:r>
-              <a:rPr lang="en-US" altLang="ko-KR" sz="1013" dirty="0" err="1"/>
-              <a:t>CheckRecv</a:t>
-            </a:r>
-            <a:endParaRPr lang="en-US" altLang="ko-KR" sz="1013" dirty="0"/>
-          </a:p>
-          <a:p>
-            <a:pPr algn="ctr"/>
-            <a:r>
-              <a:rPr lang="en-US" altLang="ko-KR" sz="1013" dirty="0"/>
-              <a:t>Message()</a:t>
-            </a:r>
-          </a:p>
-        </p:txBody>
-      </p:sp>
-      <p:cxnSp>
-        <p:nvCxnSpPr>
-          <p:cNvPr id="138" name="직선 화살표 연결선 137">
-            <a:extLst>
-              <a:ext uri="{FF2B5EF4-FFF2-40B4-BE49-F238E27FC236}">
-                <a16:creationId xmlns:a16="http://schemas.microsoft.com/office/drawing/2014/main" id="{2D5E9B90-1F13-4ABA-BC53-E731033DD3FE}"/>
-              </a:ext>
-            </a:extLst>
-          </p:cNvPr>
-          <p:cNvCxnSpPr>
-            <a:cxnSpLocks/>
-            <a:stCxn id="128" idx="4"/>
-            <a:endCxn id="130" idx="0"/>
-          </p:cNvCxnSpPr>
-          <p:nvPr/>
-        </p:nvCxnSpPr>
-        <p:spPr>
-          <a:xfrm>
-            <a:off x="5085553" y="781001"/>
-            <a:ext cx="0" cy="238356"/>
+            <a:off x="3423406" y="7560470"/>
+            <a:ext cx="7060" cy="796659"/>
           </a:xfrm>
           <a:prstGeom prst="straightConnector1">
             <a:avLst/>
@@ -6324,29 +5273,27 @@
       </p:cxnSp>
       <p:cxnSp>
         <p:nvCxnSpPr>
-          <p:cNvPr id="148" name="연결선: 꺾임 147">
-            <a:extLst>
-              <a:ext uri="{FF2B5EF4-FFF2-40B4-BE49-F238E27FC236}">
-                <a16:creationId xmlns:a16="http://schemas.microsoft.com/office/drawing/2014/main" id="{D646530D-8DB1-4249-BB30-793AF6907198}"/>
+          <p:cNvPr id="118" name="직선 화살표 연결선 117">
+            <a:extLst>
+              <a:ext uri="{FF2B5EF4-FFF2-40B4-BE49-F238E27FC236}">
+                <a16:creationId xmlns:a16="http://schemas.microsoft.com/office/drawing/2014/main" id="{105B0469-3DAD-4539-9164-A4055D9EA4D9}"/>
               </a:ext>
             </a:extLst>
           </p:cNvPr>
           <p:cNvCxnSpPr>
             <a:cxnSpLocks/>
-            <a:stCxn id="131" idx="1"/>
-            <a:endCxn id="133" idx="3"/>
+            <a:stCxn id="7" idx="2"/>
+            <a:endCxn id="11" idx="0"/>
           </p:cNvCxnSpPr>
           <p:nvPr/>
         </p:nvCxnSpPr>
         <p:spPr>
-          <a:xfrm rot="10800000">
-            <a:off x="2534217" y="572626"/>
-            <a:ext cx="2077593" cy="2359603"/>
-          </a:xfrm>
-          <a:prstGeom prst="bentConnector3">
-            <a:avLst>
-              <a:gd name="adj1" fmla="val 50000"/>
-            </a:avLst>
+          <a:xfrm>
+            <a:off x="3423407" y="4748619"/>
+            <a:ext cx="7058" cy="531441"/>
+          </a:xfrm>
+          <a:prstGeom prst="straightConnector1">
+            <a:avLst/>
           </a:prstGeom>
           <a:ln>
             <a:tailEnd type="triangle"/>
@@ -6369,10 +5316,10 @@
       </p:cxnSp>
       <p:sp>
         <p:nvSpPr>
-          <p:cNvPr id="61" name="직사각형 60">
-            <a:extLst>
-              <a:ext uri="{FF2B5EF4-FFF2-40B4-BE49-F238E27FC236}">
-                <a16:creationId xmlns:a16="http://schemas.microsoft.com/office/drawing/2014/main" id="{B00D7676-9D69-4678-8F71-E6DDFE8D0831}"/>
+          <p:cNvPr id="122" name="타원 121">
+            <a:extLst>
+              <a:ext uri="{FF2B5EF4-FFF2-40B4-BE49-F238E27FC236}">
+                <a16:creationId xmlns:a16="http://schemas.microsoft.com/office/drawing/2014/main" id="{D6C8B57D-280B-4915-8DA9-737B346CA248}"/>
               </a:ext>
             </a:extLst>
           </p:cNvPr>
@@ -6381,10 +5328,10 @@
         </p:nvSpPr>
         <p:spPr>
           <a:xfrm>
-            <a:off x="1593949" y="6023117"/>
-            <a:ext cx="947487" cy="484748"/>
-          </a:xfrm>
-          <a:prstGeom prst="rect">
+            <a:off x="2379587" y="8357129"/>
+            <a:ext cx="2101757" cy="1068903"/>
+          </a:xfrm>
+          <a:prstGeom prst="ellipse">
             <a:avLst/>
           </a:prstGeom>
         </p:spPr>
@@ -6415,68 +5362,70 @@
           <a:p>
             <a:pPr algn="ctr"/>
             <a:r>
-              <a:rPr lang="en-US" altLang="ko-KR" sz="1013" dirty="0" err="1"/>
-              <a:t>SetSendMsg</a:t>
-            </a:r>
-            <a:endParaRPr lang="en-US" altLang="ko-KR" sz="1013" dirty="0"/>
+              <a:rPr lang="en-US" altLang="ko-KR" sz="2000" dirty="0"/>
+              <a:t>Message</a:t>
+            </a:r>
           </a:p>
           <a:p>
             <a:pPr algn="ctr"/>
             <a:r>
-              <a:rPr lang="en-US" altLang="ko-KR" sz="1013" dirty="0"/>
-              <a:t>Queue()</a:t>
-            </a:r>
-          </a:p>
-        </p:txBody>
-      </p:sp>
-      <p:cxnSp>
-        <p:nvCxnSpPr>
-          <p:cNvPr id="43" name="직선 화살표 연결선 42">
-            <a:extLst>
-              <a:ext uri="{FF2B5EF4-FFF2-40B4-BE49-F238E27FC236}">
-                <a16:creationId xmlns:a16="http://schemas.microsoft.com/office/drawing/2014/main" id="{746ADA5D-DE77-4333-9E16-F14D0FF90B91}"/>
-              </a:ext>
-            </a:extLst>
-          </p:cNvPr>
-          <p:cNvCxnSpPr>
-            <a:stCxn id="74" idx="3"/>
-            <a:endCxn id="122" idx="2"/>
-          </p:cNvCxnSpPr>
-          <p:nvPr/>
-        </p:nvCxnSpPr>
-        <p:spPr>
-          <a:xfrm>
-            <a:off x="2663253" y="9334656"/>
-            <a:ext cx="986470" cy="0"/>
-          </a:xfrm>
-          <a:prstGeom prst="straightConnector1">
-            <a:avLst/>
-          </a:prstGeom>
-          <a:ln>
-            <a:tailEnd type="triangle"/>
-          </a:ln>
-        </p:spPr>
-        <p:style>
-          <a:lnRef idx="1">
-            <a:schemeClr val="accent1"/>
-          </a:lnRef>
-          <a:fillRef idx="0">
-            <a:schemeClr val="accent1"/>
-          </a:fillRef>
-          <a:effectRef idx="0">
-            <a:schemeClr val="accent1"/>
-          </a:effectRef>
-          <a:fontRef idx="minor">
-            <a:schemeClr val="tx1"/>
-          </a:fontRef>
-        </p:style>
-      </p:cxnSp>
-      <p:sp>
-        <p:nvSpPr>
-          <p:cNvPr id="70" name="다이아몬드 69">
-            <a:extLst>
-              <a:ext uri="{FF2B5EF4-FFF2-40B4-BE49-F238E27FC236}">
-                <a16:creationId xmlns:a16="http://schemas.microsoft.com/office/drawing/2014/main" id="{993588DA-8FE7-4895-A664-6F5E750E1F0B}"/>
+              <a:rPr lang="en-US" altLang="ko-KR" sz="2000" dirty="0"/>
+              <a:t>Sender()</a:t>
+            </a:r>
+          </a:p>
+        </p:txBody>
+      </p:sp>
+      <p:sp>
+        <p:nvSpPr>
+          <p:cNvPr id="126" name="TextBox 125">
+            <a:extLst>
+              <a:ext uri="{FF2B5EF4-FFF2-40B4-BE49-F238E27FC236}">
+                <a16:creationId xmlns:a16="http://schemas.microsoft.com/office/drawing/2014/main" id="{CACE76AB-B512-44A3-AA24-C3CB24D5797E}"/>
+              </a:ext>
+            </a:extLst>
+          </p:cNvPr>
+          <p:cNvSpPr txBox="1"/>
+          <p:nvPr/>
+        </p:nvSpPr>
+        <p:spPr>
+          <a:xfrm>
+            <a:off x="4410786" y="403242"/>
+            <a:ext cx="2094698" cy="958083"/>
+          </a:xfrm>
+          <a:prstGeom prst="rect">
+            <a:avLst/>
+          </a:prstGeom>
+          <a:noFill/>
+        </p:spPr>
+        <p:txBody>
+          <a:bodyPr wrap="square" rtlCol="0">
+            <a:spAutoFit/>
+          </a:bodyPr>
+          <a:lstStyle/>
+          <a:p>
+            <a:pPr algn="ctr"/>
+            <a:r>
+              <a:rPr lang="ko-KR" altLang="en-US" sz="2813" dirty="0"/>
+              <a:t>서버</a:t>
+            </a:r>
+            <a:endParaRPr lang="en-US" altLang="ko-KR" sz="2813" dirty="0"/>
+          </a:p>
+          <a:p>
+            <a:pPr algn="ctr"/>
+            <a:r>
+              <a:rPr lang="ko-KR" altLang="en-US" sz="2813" dirty="0"/>
+              <a:t>메시지 처리</a:t>
+            </a:r>
+            <a:endParaRPr lang="en-US" altLang="ko-KR" sz="2813" dirty="0"/>
+          </a:p>
+        </p:txBody>
+      </p:sp>
+      <p:sp>
+        <p:nvSpPr>
+          <p:cNvPr id="128" name="타원 127">
+            <a:extLst>
+              <a:ext uri="{FF2B5EF4-FFF2-40B4-BE49-F238E27FC236}">
+                <a16:creationId xmlns:a16="http://schemas.microsoft.com/office/drawing/2014/main" id="{3B8AE8B8-AC4A-4A08-A14C-666A576769D2}"/>
               </a:ext>
             </a:extLst>
           </p:cNvPr>
@@ -6485,10 +5434,10 @@
         </p:nvSpPr>
         <p:spPr>
           <a:xfrm>
-            <a:off x="4489987" y="1794652"/>
-            <a:ext cx="1191127" cy="631658"/>
-          </a:xfrm>
-          <a:prstGeom prst="diamond">
+            <a:off x="352516" y="252512"/>
+            <a:ext cx="1712659" cy="958083"/>
+          </a:xfrm>
+          <a:prstGeom prst="ellipse">
             <a:avLst/>
           </a:prstGeom>
         </p:spPr>
@@ -6519,20 +5468,72 @@
           <a:p>
             <a:pPr algn="ctr"/>
             <a:r>
-              <a:rPr lang="en-US" altLang="ko-KR" sz="1013" dirty="0"/>
-              <a:t>Waiting</a:t>
+              <a:rPr lang="en-US" altLang="ko-KR" dirty="0"/>
+              <a:t>Message</a:t>
             </a:r>
           </a:p>
           <a:p>
             <a:pPr algn="ctr"/>
             <a:r>
-              <a:rPr lang="en-US" altLang="ko-KR" sz="1013" dirty="0" err="1"/>
-              <a:t>ForSingleObject</a:t>
-            </a:r>
-            <a:r>
-              <a:rPr lang="en-US" altLang="ko-KR" sz="1013" dirty="0"/>
-              <a:t>()</a:t>
-            </a:r>
+              <a:rPr lang="en-US" altLang="ko-KR" dirty="0" err="1"/>
+              <a:t>Reciver</a:t>
+            </a:r>
+            <a:endParaRPr lang="en-US" altLang="ko-KR" dirty="0"/>
+          </a:p>
+        </p:txBody>
+      </p:sp>
+      <p:sp>
+        <p:nvSpPr>
+          <p:cNvPr id="130" name="직사각형 129">
+            <a:extLst>
+              <a:ext uri="{FF2B5EF4-FFF2-40B4-BE49-F238E27FC236}">
+                <a16:creationId xmlns:a16="http://schemas.microsoft.com/office/drawing/2014/main" id="{DD718CA2-0CF3-4E89-B76C-04E2279887D9}"/>
+              </a:ext>
+            </a:extLst>
+          </p:cNvPr>
+          <p:cNvSpPr/>
+          <p:nvPr/>
+        </p:nvSpPr>
+        <p:spPr>
+          <a:xfrm>
+            <a:off x="2668154" y="1675500"/>
+            <a:ext cx="1517564" cy="670030"/>
+          </a:xfrm>
+          <a:prstGeom prst="rect">
+            <a:avLst/>
+          </a:prstGeom>
+        </p:spPr>
+        <p:style>
+          <a:lnRef idx="2">
+            <a:schemeClr val="accent1">
+              <a:shade val="50000"/>
+            </a:schemeClr>
+          </a:lnRef>
+          <a:fillRef idx="1">
+            <a:schemeClr val="accent1"/>
+          </a:fillRef>
+          <a:effectRef idx="0">
+            <a:schemeClr val="accent1"/>
+          </a:effectRef>
+          <a:fontRef idx="minor">
+            <a:schemeClr val="lt1"/>
+          </a:fontRef>
+        </p:style>
+        <p:txBody>
+          <a:bodyPr rot="0" spcFirstLastPara="0" vertOverflow="overflow" horzOverflow="overflow" vert="horz" wrap="square" lIns="51435" tIns="25718" rIns="51435" bIns="25718" numCol="1" spcCol="0" rtlCol="0" fromWordArt="0" anchor="ctr" anchorCtr="0" forceAA="0" compatLnSpc="1">
+            <a:prstTxWarp prst="textNoShape">
+              <a:avLst/>
+            </a:prstTxWarp>
+            <a:noAutofit/>
+          </a:bodyPr>
+          <a:lstStyle/>
+          <a:p>
+            <a:pPr algn="ctr"/>
+            <a:r>
+              <a:rPr lang="ko-KR" altLang="en-US" sz="1600" dirty="0"/>
+              <a:t>메시지 수신</a:t>
+            </a:r>
+            <a:endParaRPr lang="en-US" altLang="ko-KR" sz="1600" dirty="0"/>
           </a:p>
         </p:txBody>
       </p:sp>
@@ -6546,57 +5547,16 @@
             </a:extLst>
           </p:cNvPr>
           <p:cNvCxnSpPr>
+            <a:cxnSpLocks/>
             <a:stCxn id="130" idx="2"/>
-            <a:endCxn id="70" idx="0"/>
+            <a:endCxn id="6" idx="0"/>
           </p:cNvCxnSpPr>
           <p:nvPr/>
         </p:nvCxnSpPr>
         <p:spPr>
-          <a:xfrm flipH="1">
-            <a:off x="5085551" y="1504105"/>
-            <a:ext cx="2" cy="290547"/>
-          </a:xfrm>
-          <a:prstGeom prst="straightConnector1">
-            <a:avLst/>
-          </a:prstGeom>
-          <a:ln>
-            <a:tailEnd type="triangle"/>
-          </a:ln>
-        </p:spPr>
-        <p:style>
-          <a:lnRef idx="1">
-            <a:schemeClr val="accent1"/>
-          </a:lnRef>
-          <a:fillRef idx="0">
-            <a:schemeClr val="accent1"/>
-          </a:fillRef>
-          <a:effectRef idx="0">
-            <a:schemeClr val="accent1"/>
-          </a:effectRef>
-          <a:fontRef idx="minor">
-            <a:schemeClr val="tx1"/>
-          </a:fontRef>
-        </p:style>
-      </p:cxnSp>
-      <p:cxnSp>
-        <p:nvCxnSpPr>
-          <p:cNvPr id="58" name="직선 화살표 연결선 57">
-            <a:extLst>
-              <a:ext uri="{FF2B5EF4-FFF2-40B4-BE49-F238E27FC236}">
-                <a16:creationId xmlns:a16="http://schemas.microsoft.com/office/drawing/2014/main" id="{12B02935-6F55-44CE-87B4-DC2C9C4EC737}"/>
-              </a:ext>
-            </a:extLst>
-          </p:cNvPr>
-          <p:cNvCxnSpPr>
-            <a:stCxn id="70" idx="2"/>
-            <a:endCxn id="131" idx="0"/>
-          </p:cNvCxnSpPr>
-          <p:nvPr/>
-        </p:nvCxnSpPr>
-        <p:spPr>
-          <a:xfrm>
-            <a:off x="5085551" y="2426310"/>
-            <a:ext cx="2" cy="263544"/>
+          <a:xfrm>
+            <a:off x="3426936" y="2345530"/>
+            <a:ext cx="3530" cy="391037"/>
           </a:xfrm>
           <a:prstGeom prst="straightConnector1">
             <a:avLst/>
@@ -6637,11 +5597,102 @@
           <p:nvPr/>
         </p:nvCxnSpPr>
         <p:spPr>
-          <a:xfrm>
-            <a:off x="2060471" y="4285302"/>
-            <a:ext cx="1" cy="631658"/>
+          <a:xfrm flipH="1">
+            <a:off x="3423406" y="5753561"/>
+            <a:ext cx="7059" cy="628722"/>
           </a:xfrm>
           <a:prstGeom prst="straightConnector1">
+            <a:avLst/>
+          </a:prstGeom>
+          <a:ln>
+            <a:tailEnd type="triangle"/>
+          </a:ln>
+        </p:spPr>
+        <p:style>
+          <a:lnRef idx="1">
+            <a:schemeClr val="accent1"/>
+          </a:lnRef>
+          <a:fillRef idx="0">
+            <a:schemeClr val="accent1"/>
+          </a:fillRef>
+          <a:effectRef idx="0">
+            <a:schemeClr val="accent1"/>
+          </a:effectRef>
+          <a:fontRef idx="minor">
+            <a:schemeClr val="tx1"/>
+          </a:fontRef>
+        </p:style>
+      </p:cxnSp>
+      <p:sp>
+        <p:nvSpPr>
+          <p:cNvPr id="52" name="TextBox 51">
+            <a:extLst>
+              <a:ext uri="{FF2B5EF4-FFF2-40B4-BE49-F238E27FC236}">
+                <a16:creationId xmlns:a16="http://schemas.microsoft.com/office/drawing/2014/main" id="{32245B06-D2BD-431E-9549-C4C7AF057E8F}"/>
+              </a:ext>
+            </a:extLst>
+          </p:cNvPr>
+          <p:cNvSpPr txBox="1"/>
+          <p:nvPr/>
+        </p:nvSpPr>
+        <p:spPr>
+          <a:xfrm>
+            <a:off x="3632201" y="7988300"/>
+            <a:ext cx="1333500" cy="368300"/>
+          </a:xfrm>
+          <a:prstGeom prst="rect">
+            <a:avLst/>
+          </a:prstGeom>
+          <a:noFill/>
+        </p:spPr>
+        <p:txBody>
+          <a:bodyPr wrap="square" rtlCol="0">
+            <a:spAutoFit/>
+          </a:bodyPr>
+          <a:lstStyle/>
+          <a:p>
+            <a:pPr algn="ctr"/>
+            <a:r>
+              <a:rPr lang="en-US" altLang="ko-KR" dirty="0"/>
+              <a:t>1</a:t>
+            </a:r>
+            <a:r>
+              <a:rPr lang="ko-KR" altLang="en-US" dirty="0"/>
+              <a:t>초에 </a:t>
+            </a:r>
+            <a:r>
+              <a:rPr lang="en-US" altLang="ko-KR" dirty="0"/>
+              <a:t>30</a:t>
+            </a:r>
+            <a:r>
+              <a:rPr lang="ko-KR" altLang="en-US" dirty="0"/>
+              <a:t>번</a:t>
+            </a:r>
+          </a:p>
+        </p:txBody>
+      </p:sp>
+      <p:cxnSp>
+        <p:nvCxnSpPr>
+          <p:cNvPr id="78" name="연결선: 꺾임 77">
+            <a:extLst>
+              <a:ext uri="{FF2B5EF4-FFF2-40B4-BE49-F238E27FC236}">
+                <a16:creationId xmlns:a16="http://schemas.microsoft.com/office/drawing/2014/main" id="{175BD8F5-836B-41BA-888D-518F7DD92FD6}"/>
+              </a:ext>
+            </a:extLst>
+          </p:cNvPr>
+          <p:cNvCxnSpPr>
+            <a:cxnSpLocks/>
+            <a:stCxn id="128" idx="6"/>
+            <a:endCxn id="130" idx="0"/>
+          </p:cNvCxnSpPr>
+          <p:nvPr/>
+        </p:nvCxnSpPr>
+        <p:spPr>
+          <a:xfrm>
+            <a:off x="2065175" y="731554"/>
+            <a:ext cx="1361761" cy="943946"/>
+          </a:xfrm>
+          <a:prstGeom prst="bentConnector2">
             <a:avLst/>
           </a:prstGeom>
           <a:ln>
@@ -6707,7 +5758,7 @@
         </p:nvSpPr>
         <p:spPr>
           <a:xfrm>
-            <a:off x="2143356" y="245766"/>
+            <a:off x="4343127" y="1555574"/>
             <a:ext cx="1118936" cy="631658"/>
           </a:xfrm>
           <a:prstGeom prst="ellipse">
@@ -6762,7 +5813,7 @@
         </p:nvSpPr>
         <p:spPr>
           <a:xfrm>
-            <a:off x="2107264" y="1183027"/>
+            <a:off x="4305027" y="2730387"/>
             <a:ext cx="1191127" cy="631658"/>
           </a:xfrm>
           <a:prstGeom prst="diamond">
@@ -6819,271 +5870,11 @@
           <p:nvPr/>
         </p:nvCxnSpPr>
         <p:spPr>
-          <a:xfrm>
-            <a:off x="2702824" y="877424"/>
-            <a:ext cx="4" cy="305603"/>
+          <a:xfrm flipH="1">
+            <a:off x="4900591" y="2187232"/>
+            <a:ext cx="2004" cy="543155"/>
           </a:xfrm>
           <a:prstGeom prst="straightConnector1">
-            <a:avLst/>
-          </a:prstGeom>
-          <a:ln>
-            <a:tailEnd type="triangle"/>
-          </a:ln>
-        </p:spPr>
-        <p:style>
-          <a:lnRef idx="1">
-            <a:schemeClr val="accent1"/>
-          </a:lnRef>
-          <a:fillRef idx="0">
-            <a:schemeClr val="accent1"/>
-          </a:fillRef>
-          <a:effectRef idx="0">
-            <a:schemeClr val="accent1"/>
-          </a:effectRef>
-          <a:fontRef idx="minor">
-            <a:schemeClr val="tx1"/>
-          </a:fontRef>
-        </p:style>
-      </p:cxnSp>
-      <p:sp>
-        <p:nvSpPr>
-          <p:cNvPr id="16" name="직사각형 15">
-            <a:extLst>
-              <a:ext uri="{FF2B5EF4-FFF2-40B4-BE49-F238E27FC236}">
-                <a16:creationId xmlns:a16="http://schemas.microsoft.com/office/drawing/2014/main" id="{A1E90DEC-61B7-4ED5-A958-24CFEF3A1A97}"/>
-              </a:ext>
-            </a:extLst>
-          </p:cNvPr>
-          <p:cNvSpPr/>
-          <p:nvPr/>
-        </p:nvSpPr>
-        <p:spPr>
-          <a:xfrm>
-            <a:off x="807853" y="4106800"/>
-            <a:ext cx="947487" cy="484748"/>
-          </a:xfrm>
-          <a:prstGeom prst="rect">
-            <a:avLst/>
-          </a:prstGeom>
-        </p:spPr>
-        <p:style>
-          <a:lnRef idx="2">
-            <a:schemeClr val="accent1">
-              <a:shade val="50000"/>
-            </a:schemeClr>
-          </a:lnRef>
-          <a:fillRef idx="1">
-            <a:schemeClr val="accent1"/>
-          </a:fillRef>
-          <a:effectRef idx="0">
-            <a:schemeClr val="accent1"/>
-          </a:effectRef>
-          <a:fontRef idx="minor">
-            <a:schemeClr val="lt1"/>
-          </a:fontRef>
-        </p:style>
-        <p:txBody>
-          <a:bodyPr rot="0" spcFirstLastPara="0" vertOverflow="overflow" horzOverflow="overflow" vert="horz" wrap="square" lIns="51435" tIns="25718" rIns="51435" bIns="25718" numCol="1" spcCol="0" rtlCol="0" fromWordArt="0" anchor="ctr" anchorCtr="0" forceAA="0" compatLnSpc="1">
-            <a:prstTxWarp prst="textNoShape">
-              <a:avLst/>
-            </a:prstTxWarp>
-            <a:noAutofit/>
-          </a:bodyPr>
-          <a:lstStyle/>
-          <a:p>
-            <a:pPr algn="ctr"/>
-            <a:r>
-              <a:rPr lang="en-US" altLang="ko-KR" sz="1013" dirty="0" err="1"/>
-              <a:t>SetBombInfo</a:t>
-            </a:r>
-            <a:r>
-              <a:rPr lang="en-US" altLang="ko-KR" sz="1013" dirty="0"/>
-              <a:t>()</a:t>
-            </a:r>
-          </a:p>
-        </p:txBody>
-      </p:sp>
-      <p:cxnSp>
-        <p:nvCxnSpPr>
-          <p:cNvPr id="21" name="직선 화살표 연결선 20">
-            <a:extLst>
-              <a:ext uri="{FF2B5EF4-FFF2-40B4-BE49-F238E27FC236}">
-                <a16:creationId xmlns:a16="http://schemas.microsoft.com/office/drawing/2014/main" id="{B98F6793-F1DF-4EC1-AA0B-EDA989BBD3DE}"/>
-              </a:ext>
-            </a:extLst>
-          </p:cNvPr>
-          <p:cNvCxnSpPr>
-            <a:cxnSpLocks/>
-            <a:stCxn id="10" idx="2"/>
-            <a:endCxn id="96" idx="0"/>
-          </p:cNvCxnSpPr>
-          <p:nvPr/>
-        </p:nvCxnSpPr>
-        <p:spPr>
-          <a:xfrm>
-            <a:off x="2702828" y="1814685"/>
-            <a:ext cx="0" cy="410069"/>
-          </a:xfrm>
-          <a:prstGeom prst="straightConnector1">
-            <a:avLst/>
-          </a:prstGeom>
-          <a:ln>
-            <a:tailEnd type="triangle"/>
-          </a:ln>
-        </p:spPr>
-        <p:style>
-          <a:lnRef idx="1">
-            <a:schemeClr val="accent1"/>
-          </a:lnRef>
-          <a:fillRef idx="0">
-            <a:schemeClr val="accent1"/>
-          </a:fillRef>
-          <a:effectRef idx="0">
-            <a:schemeClr val="accent1"/>
-          </a:effectRef>
-          <a:fontRef idx="minor">
-            <a:schemeClr val="tx1"/>
-          </a:fontRef>
-        </p:style>
-      </p:cxnSp>
-      <p:sp>
-        <p:nvSpPr>
-          <p:cNvPr id="34" name="직사각형 33">
-            <a:extLst>
-              <a:ext uri="{FF2B5EF4-FFF2-40B4-BE49-F238E27FC236}">
-                <a16:creationId xmlns:a16="http://schemas.microsoft.com/office/drawing/2014/main" id="{917788B0-8782-43F0-A77B-E6E60BBD1B1B}"/>
-              </a:ext>
-            </a:extLst>
-          </p:cNvPr>
-          <p:cNvSpPr/>
-          <p:nvPr/>
-        </p:nvSpPr>
-        <p:spPr>
-          <a:xfrm>
-            <a:off x="2229084" y="4106800"/>
-            <a:ext cx="947487" cy="484748"/>
-          </a:xfrm>
-          <a:prstGeom prst="rect">
-            <a:avLst/>
-          </a:prstGeom>
-        </p:spPr>
-        <p:style>
-          <a:lnRef idx="2">
-            <a:schemeClr val="accent1">
-              <a:shade val="50000"/>
-            </a:schemeClr>
-          </a:lnRef>
-          <a:fillRef idx="1">
-            <a:schemeClr val="accent1"/>
-          </a:fillRef>
-          <a:effectRef idx="0">
-            <a:schemeClr val="accent1"/>
-          </a:effectRef>
-          <a:fontRef idx="minor">
-            <a:schemeClr val="lt1"/>
-          </a:fontRef>
-        </p:style>
-        <p:txBody>
-          <a:bodyPr rot="0" spcFirstLastPara="0" vertOverflow="overflow" horzOverflow="overflow" vert="horz" wrap="square" lIns="51435" tIns="25718" rIns="51435" bIns="25718" numCol="1" spcCol="0" rtlCol="0" fromWordArt="0" anchor="ctr" anchorCtr="0" forceAA="0" compatLnSpc="1">
-            <a:prstTxWarp prst="textNoShape">
-              <a:avLst/>
-            </a:prstTxWarp>
-            <a:noAutofit/>
-          </a:bodyPr>
-          <a:lstStyle/>
-          <a:p>
-            <a:pPr algn="ctr"/>
-            <a:r>
-              <a:rPr lang="en-US" altLang="ko-KR" sz="1013" dirty="0" err="1"/>
-              <a:t>SetClientInfo</a:t>
-            </a:r>
-            <a:r>
-              <a:rPr lang="en-US" altLang="ko-KR" sz="1013" dirty="0"/>
-              <a:t>()</a:t>
-            </a:r>
-          </a:p>
-        </p:txBody>
-      </p:sp>
-      <p:sp>
-        <p:nvSpPr>
-          <p:cNvPr id="40" name="직사각형 39">
-            <a:extLst>
-              <a:ext uri="{FF2B5EF4-FFF2-40B4-BE49-F238E27FC236}">
-                <a16:creationId xmlns:a16="http://schemas.microsoft.com/office/drawing/2014/main" id="{CFCA38B9-5791-4C38-AB15-8C83A40E4B10}"/>
-              </a:ext>
-            </a:extLst>
-          </p:cNvPr>
-          <p:cNvSpPr/>
-          <p:nvPr/>
-        </p:nvSpPr>
-        <p:spPr>
-          <a:xfrm>
-            <a:off x="3650315" y="4106800"/>
-            <a:ext cx="947487" cy="484748"/>
-          </a:xfrm>
-          <a:prstGeom prst="rect">
-            <a:avLst/>
-          </a:prstGeom>
-        </p:spPr>
-        <p:style>
-          <a:lnRef idx="2">
-            <a:schemeClr val="accent1">
-              <a:shade val="50000"/>
-            </a:schemeClr>
-          </a:lnRef>
-          <a:fillRef idx="1">
-            <a:schemeClr val="accent1"/>
-          </a:fillRef>
-          <a:effectRef idx="0">
-            <a:schemeClr val="accent1"/>
-          </a:effectRef>
-          <a:fontRef idx="minor">
-            <a:schemeClr val="lt1"/>
-          </a:fontRef>
-        </p:style>
-        <p:txBody>
-          <a:bodyPr rot="0" spcFirstLastPara="0" vertOverflow="overflow" horzOverflow="overflow" vert="horz" wrap="square" lIns="51435" tIns="25718" rIns="51435" bIns="25718" numCol="1" spcCol="0" rtlCol="0" fromWordArt="0" anchor="ctr" anchorCtr="0" forceAA="0" compatLnSpc="1">
-            <a:prstTxWarp prst="textNoShape">
-              <a:avLst/>
-            </a:prstTxWarp>
-            <a:noAutofit/>
-          </a:bodyPr>
-          <a:lstStyle/>
-          <a:p>
-            <a:pPr algn="ctr"/>
-            <a:r>
-              <a:rPr lang="en-US" altLang="ko-KR" sz="1013" dirty="0" err="1"/>
-              <a:t>SetMapInfo</a:t>
-            </a:r>
-            <a:r>
-              <a:rPr lang="en-US" altLang="ko-KR" sz="1013" dirty="0"/>
-              <a:t>()</a:t>
-            </a:r>
-          </a:p>
-        </p:txBody>
-      </p:sp>
-      <p:cxnSp>
-        <p:nvCxnSpPr>
-          <p:cNvPr id="44" name="연결선: 꺾임 43">
-            <a:extLst>
-              <a:ext uri="{FF2B5EF4-FFF2-40B4-BE49-F238E27FC236}">
-                <a16:creationId xmlns:a16="http://schemas.microsoft.com/office/drawing/2014/main" id="{DE8DC9DD-93D4-4899-B04E-28C8C5DF7502}"/>
-              </a:ext>
-            </a:extLst>
-          </p:cNvPr>
-          <p:cNvCxnSpPr>
-            <a:cxnSpLocks/>
-            <a:stCxn id="113" idx="3"/>
-            <a:endCxn id="40" idx="0"/>
-          </p:cNvCxnSpPr>
-          <p:nvPr/>
-        </p:nvCxnSpPr>
-        <p:spPr>
-          <a:xfrm>
-            <a:off x="3298388" y="3483956"/>
-            <a:ext cx="825671" cy="622844"/>
-          </a:xfrm>
-          <a:prstGeom prst="bentConnector2">
             <a:avLst/>
           </a:prstGeom>
           <a:ln>
@@ -7107,26 +5898,442 @@
       </p:cxnSp>
       <p:cxnSp>
         <p:nvCxnSpPr>
-          <p:cNvPr id="46" name="연결선: 꺾임 45">
-            <a:extLst>
-              <a:ext uri="{FF2B5EF4-FFF2-40B4-BE49-F238E27FC236}">
-                <a16:creationId xmlns:a16="http://schemas.microsoft.com/office/drawing/2014/main" id="{88ADABDC-D71B-437C-8F9E-9C66352DA31A}"/>
+          <p:cNvPr id="105" name="직선 화살표 연결선 104">
+            <a:extLst>
+              <a:ext uri="{FF2B5EF4-FFF2-40B4-BE49-F238E27FC236}">
+                <a16:creationId xmlns:a16="http://schemas.microsoft.com/office/drawing/2014/main" id="{176CC98A-46E8-40AD-A6BD-6CEFF030F7E5}"/>
               </a:ext>
             </a:extLst>
           </p:cNvPr>
           <p:cNvCxnSpPr>
             <a:cxnSpLocks/>
-            <a:stCxn id="113" idx="1"/>
-            <a:endCxn id="16" idx="0"/>
+            <a:stCxn id="10" idx="2"/>
+            <a:endCxn id="33" idx="0"/>
           </p:cNvCxnSpPr>
           <p:nvPr/>
         </p:nvCxnSpPr>
         <p:spPr>
-          <a:xfrm rot="10800000" flipV="1">
-            <a:off x="1281597" y="3483956"/>
-            <a:ext cx="825664" cy="622844"/>
-          </a:xfrm>
-          <a:prstGeom prst="bentConnector2">
+          <a:xfrm>
+            <a:off x="4900591" y="3362045"/>
+            <a:ext cx="1" cy="768285"/>
+          </a:xfrm>
+          <a:prstGeom prst="straightConnector1">
+            <a:avLst/>
+          </a:prstGeom>
+          <a:ln>
+            <a:tailEnd type="triangle"/>
+          </a:ln>
+        </p:spPr>
+        <p:style>
+          <a:lnRef idx="1">
+            <a:schemeClr val="accent1"/>
+          </a:lnRef>
+          <a:fillRef idx="0">
+            <a:schemeClr val="accent1"/>
+          </a:fillRef>
+          <a:effectRef idx="0">
+            <a:schemeClr val="accent1"/>
+          </a:effectRef>
+          <a:fontRef idx="minor">
+            <a:schemeClr val="tx1"/>
+          </a:fontRef>
+        </p:style>
+      </p:cxnSp>
+      <p:sp>
+        <p:nvSpPr>
+          <p:cNvPr id="127" name="타원 126">
+            <a:extLst>
+              <a:ext uri="{FF2B5EF4-FFF2-40B4-BE49-F238E27FC236}">
+                <a16:creationId xmlns:a16="http://schemas.microsoft.com/office/drawing/2014/main" id="{CFB4FF42-F5D5-4EB1-8403-A32D2880C9A4}"/>
+              </a:ext>
+            </a:extLst>
+          </p:cNvPr>
+          <p:cNvSpPr/>
+          <p:nvPr/>
+        </p:nvSpPr>
+        <p:spPr>
+          <a:xfrm>
+            <a:off x="4341122" y="5405348"/>
+            <a:ext cx="1118936" cy="631658"/>
+          </a:xfrm>
+          <a:prstGeom prst="ellipse">
+            <a:avLst/>
+          </a:prstGeom>
+        </p:spPr>
+        <p:style>
+          <a:lnRef idx="2">
+            <a:schemeClr val="accent1">
+              <a:shade val="50000"/>
+            </a:schemeClr>
+          </a:lnRef>
+          <a:fillRef idx="1">
+            <a:schemeClr val="accent1"/>
+          </a:fillRef>
+          <a:effectRef idx="0">
+            <a:schemeClr val="accent1"/>
+          </a:effectRef>
+          <a:fontRef idx="minor">
+            <a:schemeClr val="lt1"/>
+          </a:fontRef>
+        </p:style>
+        <p:txBody>
+          <a:bodyPr rot="0" spcFirstLastPara="0" vertOverflow="overflow" horzOverflow="overflow" vert="horz" wrap="square" lIns="51435" tIns="25718" rIns="51435" bIns="25718" numCol="1" spcCol="0" rtlCol="0" fromWordArt="0" anchor="ctr" anchorCtr="0" forceAA="0" compatLnSpc="1">
+            <a:prstTxWarp prst="textNoShape">
+              <a:avLst/>
+            </a:prstTxWarp>
+            <a:noAutofit/>
+          </a:bodyPr>
+          <a:lstStyle/>
+          <a:p>
+            <a:pPr algn="ctr"/>
+            <a:r>
+              <a:rPr lang="en-US" altLang="ko-KR" sz="1013" dirty="0"/>
+              <a:t>Message</a:t>
+            </a:r>
+          </a:p>
+          <a:p>
+            <a:pPr algn="ctr"/>
+            <a:r>
+              <a:rPr lang="en-US" altLang="ko-KR" sz="1013" dirty="0"/>
+              <a:t>Sender()</a:t>
+            </a:r>
+          </a:p>
+        </p:txBody>
+      </p:sp>
+      <p:sp>
+        <p:nvSpPr>
+          <p:cNvPr id="140" name="TextBox 139">
+            <a:extLst>
+              <a:ext uri="{FF2B5EF4-FFF2-40B4-BE49-F238E27FC236}">
+                <a16:creationId xmlns:a16="http://schemas.microsoft.com/office/drawing/2014/main" id="{F984EC78-CE40-4DED-A18D-5152052AC30D}"/>
+              </a:ext>
+            </a:extLst>
+          </p:cNvPr>
+          <p:cNvSpPr txBox="1"/>
+          <p:nvPr/>
+        </p:nvSpPr>
+        <p:spPr>
+          <a:xfrm>
+            <a:off x="3848502" y="321966"/>
+            <a:ext cx="2094698" cy="958083"/>
+          </a:xfrm>
+          <a:prstGeom prst="rect">
+            <a:avLst/>
+          </a:prstGeom>
+          <a:noFill/>
+        </p:spPr>
+        <p:txBody>
+          <a:bodyPr wrap="square" rtlCol="0">
+            <a:spAutoFit/>
+          </a:bodyPr>
+          <a:lstStyle/>
+          <a:p>
+            <a:pPr algn="ctr"/>
+            <a:r>
+              <a:rPr lang="ko-KR" altLang="en-US" sz="2813" dirty="0"/>
+              <a:t>클라이언트</a:t>
+            </a:r>
+            <a:endParaRPr lang="en-US" altLang="ko-KR" sz="2813" dirty="0"/>
+          </a:p>
+          <a:p>
+            <a:pPr algn="ctr"/>
+            <a:r>
+              <a:rPr lang="ko-KR" altLang="en-US" sz="2813" dirty="0"/>
+              <a:t>조작 처리</a:t>
+            </a:r>
+            <a:endParaRPr lang="en-US" altLang="ko-KR" sz="2813" dirty="0"/>
+          </a:p>
+        </p:txBody>
+      </p:sp>
+      <p:sp>
+        <p:nvSpPr>
+          <p:cNvPr id="33" name="다이아몬드 32">
+            <a:extLst>
+              <a:ext uri="{FF2B5EF4-FFF2-40B4-BE49-F238E27FC236}">
+                <a16:creationId xmlns:a16="http://schemas.microsoft.com/office/drawing/2014/main" id="{75B10EAC-A01B-4C1A-8CD3-736BCC9D9DCB}"/>
+              </a:ext>
+            </a:extLst>
+          </p:cNvPr>
+          <p:cNvSpPr/>
+          <p:nvPr/>
+        </p:nvSpPr>
+        <p:spPr>
+          <a:xfrm>
+            <a:off x="4305028" y="4130330"/>
+            <a:ext cx="1191127" cy="631658"/>
+          </a:xfrm>
+          <a:prstGeom prst="diamond">
+            <a:avLst/>
+          </a:prstGeom>
+        </p:spPr>
+        <p:style>
+          <a:lnRef idx="2">
+            <a:schemeClr val="accent1">
+              <a:shade val="50000"/>
+            </a:schemeClr>
+          </a:lnRef>
+          <a:fillRef idx="1">
+            <a:schemeClr val="accent1"/>
+          </a:fillRef>
+          <a:effectRef idx="0">
+            <a:schemeClr val="accent1"/>
+          </a:effectRef>
+          <a:fontRef idx="minor">
+            <a:schemeClr val="lt1"/>
+          </a:fontRef>
+        </p:style>
+        <p:txBody>
+          <a:bodyPr rot="0" spcFirstLastPara="0" vertOverflow="overflow" horzOverflow="overflow" vert="horz" wrap="square" lIns="51435" tIns="25718" rIns="51435" bIns="25718" numCol="1" spcCol="0" rtlCol="0" fromWordArt="0" anchor="ctr" anchorCtr="0" forceAA="0" compatLnSpc="1">
+            <a:prstTxWarp prst="textNoShape">
+              <a:avLst/>
+            </a:prstTxWarp>
+            <a:noAutofit/>
+          </a:bodyPr>
+          <a:lstStyle/>
+          <a:p>
+            <a:pPr algn="ctr"/>
+            <a:r>
+              <a:rPr lang="en-US" altLang="ko-KR" sz="1013" dirty="0"/>
+              <a:t>Make</a:t>
+            </a:r>
+          </a:p>
+          <a:p>
+            <a:pPr algn="ctr"/>
+            <a:r>
+              <a:rPr lang="en-US" altLang="ko-KR" sz="1013" dirty="0" err="1"/>
+              <a:t>Msg</a:t>
+            </a:r>
+            <a:endParaRPr lang="en-US" altLang="ko-KR" sz="1013" dirty="0"/>
+          </a:p>
+        </p:txBody>
+      </p:sp>
+      <p:cxnSp>
+        <p:nvCxnSpPr>
+          <p:cNvPr id="12" name="직선 화살표 연결선 11">
+            <a:extLst>
+              <a:ext uri="{FF2B5EF4-FFF2-40B4-BE49-F238E27FC236}">
+                <a16:creationId xmlns:a16="http://schemas.microsoft.com/office/drawing/2014/main" id="{F6152CEE-BBED-4669-8D6E-B9641F48C65D}"/>
+              </a:ext>
+            </a:extLst>
+          </p:cNvPr>
+          <p:cNvCxnSpPr>
+            <a:cxnSpLocks/>
+            <a:stCxn id="33" idx="2"/>
+            <a:endCxn id="127" idx="0"/>
+          </p:cNvCxnSpPr>
+          <p:nvPr/>
+        </p:nvCxnSpPr>
+        <p:spPr>
+          <a:xfrm flipH="1">
+            <a:off x="4900590" y="4761988"/>
+            <a:ext cx="2" cy="643360"/>
+          </a:xfrm>
+          <a:prstGeom prst="straightConnector1">
+            <a:avLst/>
+          </a:prstGeom>
+          <a:ln>
+            <a:tailEnd type="triangle"/>
+          </a:ln>
+        </p:spPr>
+        <p:style>
+          <a:lnRef idx="1">
+            <a:schemeClr val="accent1"/>
+          </a:lnRef>
+          <a:fillRef idx="0">
+            <a:schemeClr val="accent1"/>
+          </a:fillRef>
+          <a:effectRef idx="0">
+            <a:schemeClr val="accent1"/>
+          </a:effectRef>
+          <a:fontRef idx="minor">
+            <a:schemeClr val="tx1"/>
+          </a:fontRef>
+        </p:style>
+      </p:cxnSp>
+      <p:sp>
+        <p:nvSpPr>
+          <p:cNvPr id="66" name="TextBox 65">
+            <a:extLst>
+              <a:ext uri="{FF2B5EF4-FFF2-40B4-BE49-F238E27FC236}">
+                <a16:creationId xmlns:a16="http://schemas.microsoft.com/office/drawing/2014/main" id="{B4DFE34D-190B-4E99-94CA-8C5262B5601F}"/>
+              </a:ext>
+            </a:extLst>
+          </p:cNvPr>
+          <p:cNvSpPr txBox="1"/>
+          <p:nvPr/>
+        </p:nvSpPr>
+        <p:spPr>
+          <a:xfrm>
+            <a:off x="825901" y="334665"/>
+            <a:ext cx="2094698" cy="958083"/>
+          </a:xfrm>
+          <a:prstGeom prst="rect">
+            <a:avLst/>
+          </a:prstGeom>
+          <a:noFill/>
+        </p:spPr>
+        <p:txBody>
+          <a:bodyPr wrap="square" rtlCol="0">
+            <a:spAutoFit/>
+          </a:bodyPr>
+          <a:lstStyle/>
+          <a:p>
+            <a:pPr algn="ctr"/>
+            <a:r>
+              <a:rPr lang="ko-KR" altLang="en-US" sz="2813" dirty="0"/>
+              <a:t>클라이언트</a:t>
+            </a:r>
+            <a:endParaRPr lang="en-US" altLang="ko-KR" sz="2813" dirty="0"/>
+          </a:p>
+          <a:p>
+            <a:pPr algn="ctr"/>
+            <a:r>
+              <a:rPr lang="ko-KR" altLang="en-US" sz="2813" dirty="0"/>
+              <a:t>메시지 처리</a:t>
+            </a:r>
+            <a:endParaRPr lang="en-US" altLang="ko-KR" sz="2813" dirty="0"/>
+          </a:p>
+        </p:txBody>
+      </p:sp>
+      <p:sp>
+        <p:nvSpPr>
+          <p:cNvPr id="68" name="타원 67">
+            <a:extLst>
+              <a:ext uri="{FF2B5EF4-FFF2-40B4-BE49-F238E27FC236}">
+                <a16:creationId xmlns:a16="http://schemas.microsoft.com/office/drawing/2014/main" id="{509B2001-F0CD-42BB-AECD-B1CBB78AA154}"/>
+              </a:ext>
+            </a:extLst>
+          </p:cNvPr>
+          <p:cNvSpPr/>
+          <p:nvPr/>
+        </p:nvSpPr>
+        <p:spPr>
+          <a:xfrm>
+            <a:off x="1370537" y="1555574"/>
+            <a:ext cx="1118936" cy="631658"/>
+          </a:xfrm>
+          <a:prstGeom prst="ellipse">
+            <a:avLst/>
+          </a:prstGeom>
+        </p:spPr>
+        <p:style>
+          <a:lnRef idx="2">
+            <a:schemeClr val="accent1">
+              <a:shade val="50000"/>
+            </a:schemeClr>
+          </a:lnRef>
+          <a:fillRef idx="1">
+            <a:schemeClr val="accent1"/>
+          </a:fillRef>
+          <a:effectRef idx="0">
+            <a:schemeClr val="accent1"/>
+          </a:effectRef>
+          <a:fontRef idx="minor">
+            <a:schemeClr val="lt1"/>
+          </a:fontRef>
+        </p:style>
+        <p:txBody>
+          <a:bodyPr rot="0" spcFirstLastPara="0" vertOverflow="overflow" horzOverflow="overflow" vert="horz" wrap="square" lIns="51435" tIns="25718" rIns="51435" bIns="25718" numCol="1" spcCol="0" rtlCol="0" fromWordArt="0" anchor="ctr" anchorCtr="0" forceAA="0" compatLnSpc="1">
+            <a:prstTxWarp prst="textNoShape">
+              <a:avLst/>
+            </a:prstTxWarp>
+            <a:noAutofit/>
+          </a:bodyPr>
+          <a:lstStyle/>
+          <a:p>
+            <a:pPr algn="ctr"/>
+            <a:r>
+              <a:rPr lang="en-US" altLang="ko-KR" sz="1013" dirty="0"/>
+              <a:t>Message</a:t>
+            </a:r>
+          </a:p>
+          <a:p>
+            <a:pPr algn="ctr"/>
+            <a:r>
+              <a:rPr lang="en-US" altLang="ko-KR" sz="1013" dirty="0" err="1"/>
+              <a:t>Reciver</a:t>
+            </a:r>
+            <a:endParaRPr lang="en-US" altLang="ko-KR" sz="1013" dirty="0"/>
+          </a:p>
+        </p:txBody>
+      </p:sp>
+      <p:sp>
+        <p:nvSpPr>
+          <p:cNvPr id="70" name="직사각형 69">
+            <a:extLst>
+              <a:ext uri="{FF2B5EF4-FFF2-40B4-BE49-F238E27FC236}">
+                <a16:creationId xmlns:a16="http://schemas.microsoft.com/office/drawing/2014/main" id="{AB3CDAE6-C081-4EB6-9A30-43CABFD1AFE7}"/>
+              </a:ext>
+            </a:extLst>
+          </p:cNvPr>
+          <p:cNvSpPr/>
+          <p:nvPr/>
+        </p:nvSpPr>
+        <p:spPr>
+          <a:xfrm>
+            <a:off x="1456260" y="2378581"/>
+            <a:ext cx="947487" cy="484748"/>
+          </a:xfrm>
+          <a:prstGeom prst="rect">
+            <a:avLst/>
+          </a:prstGeom>
+        </p:spPr>
+        <p:style>
+          <a:lnRef idx="2">
+            <a:schemeClr val="accent1">
+              <a:shade val="50000"/>
+            </a:schemeClr>
+          </a:lnRef>
+          <a:fillRef idx="1">
+            <a:schemeClr val="accent1"/>
+          </a:fillRef>
+          <a:effectRef idx="0">
+            <a:schemeClr val="accent1"/>
+          </a:effectRef>
+          <a:fontRef idx="minor">
+            <a:schemeClr val="lt1"/>
+          </a:fontRef>
+        </p:style>
+        <p:txBody>
+          <a:bodyPr rot="0" spcFirstLastPara="0" vertOverflow="overflow" horzOverflow="overflow" vert="horz" wrap="square" lIns="51435" tIns="25718" rIns="51435" bIns="25718" numCol="1" spcCol="0" rtlCol="0" fromWordArt="0" anchor="ctr" anchorCtr="0" forceAA="0" compatLnSpc="1">
+            <a:prstTxWarp prst="textNoShape">
+              <a:avLst/>
+            </a:prstTxWarp>
+            <a:noAutofit/>
+          </a:bodyPr>
+          <a:lstStyle/>
+          <a:p>
+            <a:pPr algn="ctr"/>
+            <a:r>
+              <a:rPr lang="ko-KR" altLang="en-US" sz="1013" dirty="0"/>
+              <a:t>메시지 수신</a:t>
+            </a:r>
+            <a:endParaRPr lang="en-US" altLang="ko-KR" sz="1013" dirty="0"/>
+          </a:p>
+        </p:txBody>
+      </p:sp>
+      <p:cxnSp>
+        <p:nvCxnSpPr>
+          <p:cNvPr id="71" name="직선 화살표 연결선 70">
+            <a:extLst>
+              <a:ext uri="{FF2B5EF4-FFF2-40B4-BE49-F238E27FC236}">
+                <a16:creationId xmlns:a16="http://schemas.microsoft.com/office/drawing/2014/main" id="{0FA20625-B462-4FFA-BC31-564EE964A27D}"/>
+              </a:ext>
+            </a:extLst>
+          </p:cNvPr>
+          <p:cNvCxnSpPr>
+            <a:cxnSpLocks/>
+            <a:stCxn id="68" idx="4"/>
+            <a:endCxn id="70" idx="0"/>
+          </p:cNvCxnSpPr>
+          <p:nvPr/>
+        </p:nvCxnSpPr>
+        <p:spPr>
+          <a:xfrm flipH="1">
+            <a:off x="1930004" y="2187232"/>
+            <a:ext cx="1" cy="191349"/>
+          </a:xfrm>
+          <a:prstGeom prst="straightConnector1">
             <a:avLst/>
           </a:prstGeom>
           <a:ln>
@@ -7150,25 +6357,26 @@
       </p:cxnSp>
       <p:cxnSp>
         <p:nvCxnSpPr>
-          <p:cNvPr id="61" name="연결선: 꺾임 60">
-            <a:extLst>
-              <a:ext uri="{FF2B5EF4-FFF2-40B4-BE49-F238E27FC236}">
-                <a16:creationId xmlns:a16="http://schemas.microsoft.com/office/drawing/2014/main" id="{CA8DF656-98A4-4262-B636-510D46667599}"/>
+          <p:cNvPr id="72" name="직선 화살표 연결선 71">
+            <a:extLst>
+              <a:ext uri="{FF2B5EF4-FFF2-40B4-BE49-F238E27FC236}">
+                <a16:creationId xmlns:a16="http://schemas.microsoft.com/office/drawing/2014/main" id="{DA956E88-B55B-4C17-989C-B72A8F0A9711}"/>
               </a:ext>
             </a:extLst>
           </p:cNvPr>
           <p:cNvCxnSpPr>
             <a:cxnSpLocks/>
-            <a:stCxn id="16" idx="2"/>
+            <a:stCxn id="70" idx="2"/>
+            <a:endCxn id="76" idx="0"/>
           </p:cNvCxnSpPr>
           <p:nvPr/>
         </p:nvCxnSpPr>
         <p:spPr>
-          <a:xfrm rot="16200000" flipH="1">
-            <a:off x="1359444" y="4513701"/>
-            <a:ext cx="669972" cy="825666"/>
-          </a:xfrm>
-          <a:prstGeom prst="bentConnector2">
+          <a:xfrm flipH="1">
+            <a:off x="1930003" y="2863329"/>
+            <a:ext cx="1" cy="386379"/>
+          </a:xfrm>
+          <a:prstGeom prst="straightConnector1">
             <a:avLst/>
           </a:prstGeom>
           <a:ln>
@@ -7190,250 +6398,12 @@
           </a:fontRef>
         </p:style>
       </p:cxnSp>
-      <p:cxnSp>
-        <p:nvCxnSpPr>
-          <p:cNvPr id="63" name="직선 화살표 연결선 62">
-            <a:extLst>
-              <a:ext uri="{FF2B5EF4-FFF2-40B4-BE49-F238E27FC236}">
-                <a16:creationId xmlns:a16="http://schemas.microsoft.com/office/drawing/2014/main" id="{C26A38A2-DDBD-43BA-83E2-3B0FA4A4ED98}"/>
-              </a:ext>
-            </a:extLst>
-          </p:cNvPr>
-          <p:cNvCxnSpPr>
-            <a:cxnSpLocks/>
-            <a:stCxn id="34" idx="2"/>
-            <a:endCxn id="33" idx="0"/>
-          </p:cNvCxnSpPr>
-          <p:nvPr/>
-        </p:nvCxnSpPr>
-        <p:spPr>
-          <a:xfrm flipH="1">
-            <a:off x="2702822" y="4591548"/>
-            <a:ext cx="6" cy="361452"/>
-          </a:xfrm>
-          <a:prstGeom prst="straightConnector1">
-            <a:avLst/>
-          </a:prstGeom>
-          <a:ln>
-            <a:tailEnd type="triangle"/>
-          </a:ln>
-        </p:spPr>
-        <p:style>
-          <a:lnRef idx="1">
-            <a:schemeClr val="accent1"/>
-          </a:lnRef>
-          <a:fillRef idx="0">
-            <a:schemeClr val="accent1"/>
-          </a:fillRef>
-          <a:effectRef idx="0">
-            <a:schemeClr val="accent1"/>
-          </a:effectRef>
-          <a:fontRef idx="minor">
-            <a:schemeClr val="tx1"/>
-          </a:fontRef>
-        </p:style>
-      </p:cxnSp>
-      <p:cxnSp>
-        <p:nvCxnSpPr>
-          <p:cNvPr id="67" name="연결선: 꺾임 66">
-            <a:extLst>
-              <a:ext uri="{FF2B5EF4-FFF2-40B4-BE49-F238E27FC236}">
-                <a16:creationId xmlns:a16="http://schemas.microsoft.com/office/drawing/2014/main" id="{CDD08FC5-08C4-431A-AC05-86824FDD1201}"/>
-              </a:ext>
-            </a:extLst>
-          </p:cNvPr>
-          <p:cNvCxnSpPr>
-            <a:stCxn id="40" idx="2"/>
-          </p:cNvCxnSpPr>
-          <p:nvPr/>
-        </p:nvCxnSpPr>
-        <p:spPr>
-          <a:xfrm rot="5400000">
-            <a:off x="3376239" y="4513700"/>
-            <a:ext cx="669972" cy="825669"/>
-          </a:xfrm>
-          <a:prstGeom prst="bentConnector2">
-            <a:avLst/>
-          </a:prstGeom>
-          <a:ln>
-            <a:tailEnd type="triangle"/>
-          </a:ln>
-        </p:spPr>
-        <p:style>
-          <a:lnRef idx="1">
-            <a:schemeClr val="accent1"/>
-          </a:lnRef>
-          <a:fillRef idx="0">
-            <a:schemeClr val="accent1"/>
-          </a:fillRef>
-          <a:effectRef idx="0">
-            <a:schemeClr val="accent1"/>
-          </a:effectRef>
-          <a:fontRef idx="minor">
-            <a:schemeClr val="tx1"/>
-          </a:fontRef>
-        </p:style>
-      </p:cxnSp>
-      <p:cxnSp>
-        <p:nvCxnSpPr>
-          <p:cNvPr id="69" name="직선 화살표 연결선 68">
-            <a:extLst>
-              <a:ext uri="{FF2B5EF4-FFF2-40B4-BE49-F238E27FC236}">
-                <a16:creationId xmlns:a16="http://schemas.microsoft.com/office/drawing/2014/main" id="{DE02C65F-6073-42D8-90D3-E95579956149}"/>
-              </a:ext>
-            </a:extLst>
-          </p:cNvPr>
-          <p:cNvCxnSpPr>
-            <a:cxnSpLocks/>
-            <a:stCxn id="38" idx="2"/>
-            <a:endCxn id="51" idx="0"/>
-          </p:cNvCxnSpPr>
-          <p:nvPr/>
-        </p:nvCxnSpPr>
-        <p:spPr>
-          <a:xfrm>
-            <a:off x="2702821" y="6241807"/>
-            <a:ext cx="1" cy="195938"/>
-          </a:xfrm>
-          <a:prstGeom prst="straightConnector1">
-            <a:avLst/>
-          </a:prstGeom>
-          <a:ln>
-            <a:tailEnd type="triangle"/>
-          </a:ln>
-        </p:spPr>
-        <p:style>
-          <a:lnRef idx="1">
-            <a:schemeClr val="accent1"/>
-          </a:lnRef>
-          <a:fillRef idx="0">
-            <a:schemeClr val="accent1"/>
-          </a:fillRef>
-          <a:effectRef idx="0">
-            <a:schemeClr val="accent1"/>
-          </a:effectRef>
-          <a:fontRef idx="minor">
-            <a:schemeClr val="tx1"/>
-          </a:fontRef>
-        </p:style>
-      </p:cxnSp>
-      <p:sp>
-        <p:nvSpPr>
-          <p:cNvPr id="85" name="TextBox 84">
-            <a:extLst>
-              <a:ext uri="{FF2B5EF4-FFF2-40B4-BE49-F238E27FC236}">
-                <a16:creationId xmlns:a16="http://schemas.microsoft.com/office/drawing/2014/main" id="{F9C303D5-2885-4B92-8D9B-B7E55A521210}"/>
-              </a:ext>
-            </a:extLst>
-          </p:cNvPr>
-          <p:cNvSpPr txBox="1"/>
-          <p:nvPr/>
-        </p:nvSpPr>
-        <p:spPr>
-          <a:xfrm>
-            <a:off x="1159776" y="3165741"/>
-            <a:ext cx="947485" cy="307777"/>
-          </a:xfrm>
-          <a:prstGeom prst="rect">
-            <a:avLst/>
-          </a:prstGeom>
-          <a:noFill/>
-        </p:spPr>
-        <p:txBody>
-          <a:bodyPr wrap="square" rtlCol="0">
-            <a:spAutoFit/>
-          </a:bodyPr>
-          <a:lstStyle/>
-          <a:p>
-            <a:pPr algn="ctr"/>
-            <a:r>
-              <a:rPr lang="en-US" altLang="ko-KR" sz="1400" dirty="0" err="1"/>
-              <a:t>bombInfo</a:t>
-            </a:r>
-            <a:endParaRPr lang="ko-KR" altLang="en-US" sz="1400" dirty="0"/>
-          </a:p>
-        </p:txBody>
-      </p:sp>
-      <p:sp>
-        <p:nvSpPr>
-          <p:cNvPr id="86" name="TextBox 85">
-            <a:extLst>
-              <a:ext uri="{FF2B5EF4-FFF2-40B4-BE49-F238E27FC236}">
-                <a16:creationId xmlns:a16="http://schemas.microsoft.com/office/drawing/2014/main" id="{6B2B88C3-4F68-485D-BB9C-14DDC44BAFF7}"/>
-              </a:ext>
-            </a:extLst>
-          </p:cNvPr>
-          <p:cNvSpPr txBox="1"/>
-          <p:nvPr/>
-        </p:nvSpPr>
-        <p:spPr>
-          <a:xfrm>
-            <a:off x="1777071" y="3763897"/>
-            <a:ext cx="947485" cy="307777"/>
-          </a:xfrm>
-          <a:prstGeom prst="rect">
-            <a:avLst/>
-          </a:prstGeom>
-          <a:noFill/>
-        </p:spPr>
-        <p:txBody>
-          <a:bodyPr wrap="square" rtlCol="0">
-            <a:spAutoFit/>
-          </a:bodyPr>
-          <a:lstStyle/>
-          <a:p>
-            <a:pPr algn="ctr"/>
-            <a:r>
-              <a:rPr lang="en-US" altLang="ko-KR" sz="1400" dirty="0" err="1"/>
-              <a:t>ClientInfo</a:t>
-            </a:r>
-            <a:endParaRPr lang="ko-KR" altLang="en-US" sz="1400" dirty="0"/>
-          </a:p>
-        </p:txBody>
-      </p:sp>
-      <p:sp>
-        <p:nvSpPr>
-          <p:cNvPr id="87" name="TextBox 86">
-            <a:extLst>
-              <a:ext uri="{FF2B5EF4-FFF2-40B4-BE49-F238E27FC236}">
-                <a16:creationId xmlns:a16="http://schemas.microsoft.com/office/drawing/2014/main" id="{DBF01786-023C-41CE-B53F-486B8F232AD5}"/>
-              </a:ext>
-            </a:extLst>
-          </p:cNvPr>
-          <p:cNvSpPr txBox="1"/>
-          <p:nvPr/>
-        </p:nvSpPr>
-        <p:spPr>
-          <a:xfrm>
-            <a:off x="3298388" y="3119571"/>
-            <a:ext cx="947485" cy="307777"/>
-          </a:xfrm>
-          <a:prstGeom prst="rect">
-            <a:avLst/>
-          </a:prstGeom>
-          <a:noFill/>
-        </p:spPr>
-        <p:txBody>
-          <a:bodyPr wrap="square" rtlCol="0">
-            <a:spAutoFit/>
-          </a:bodyPr>
-          <a:lstStyle/>
-          <a:p>
-            <a:pPr algn="ctr"/>
-            <a:r>
-              <a:rPr lang="en-US" altLang="ko-KR" sz="1400" dirty="0"/>
-              <a:t>MapInfo</a:t>
-            </a:r>
-            <a:endParaRPr lang="ko-KR" altLang="en-US" sz="1400" dirty="0"/>
-          </a:p>
-        </p:txBody>
-      </p:sp>
-      <p:sp>
-        <p:nvSpPr>
-          <p:cNvPr id="96" name="직사각형 95">
-            <a:extLst>
-              <a:ext uri="{FF2B5EF4-FFF2-40B4-BE49-F238E27FC236}">
-                <a16:creationId xmlns:a16="http://schemas.microsoft.com/office/drawing/2014/main" id="{888EDE07-15A7-41B7-86BD-B9397CF57F30}"/>
+      <p:sp>
+        <p:nvSpPr>
+          <p:cNvPr id="73" name="직사각형 72">
+            <a:extLst>
+              <a:ext uri="{FF2B5EF4-FFF2-40B4-BE49-F238E27FC236}">
+                <a16:creationId xmlns:a16="http://schemas.microsoft.com/office/drawing/2014/main" id="{0BFCEC4D-A4AA-4697-A992-43E457299038}"/>
               </a:ext>
             </a:extLst>
           </p:cNvPr>
@@ -7442,7 +6412,7 @@
         </p:nvSpPr>
         <p:spPr>
           <a:xfrm>
-            <a:off x="2229084" y="2224754"/>
+            <a:off x="1456259" y="4226414"/>
             <a:ext cx="947487" cy="484748"/>
           </a:xfrm>
           <a:prstGeom prst="rect">
@@ -7484,24 +6454,24 @@
       </p:sp>
       <p:cxnSp>
         <p:nvCxnSpPr>
-          <p:cNvPr id="105" name="직선 화살표 연결선 104">
-            <a:extLst>
-              <a:ext uri="{FF2B5EF4-FFF2-40B4-BE49-F238E27FC236}">
-                <a16:creationId xmlns:a16="http://schemas.microsoft.com/office/drawing/2014/main" id="{176CC98A-46E8-40AD-A6BD-6CEFF030F7E5}"/>
+          <p:cNvPr id="74" name="직선 화살표 연결선 73">
+            <a:extLst>
+              <a:ext uri="{FF2B5EF4-FFF2-40B4-BE49-F238E27FC236}">
+                <a16:creationId xmlns:a16="http://schemas.microsoft.com/office/drawing/2014/main" id="{145690ED-A8A1-43A1-89ED-1C2244A6CFE0}"/>
               </a:ext>
             </a:extLst>
           </p:cNvPr>
           <p:cNvCxnSpPr>
             <a:cxnSpLocks/>
-            <a:stCxn id="96" idx="2"/>
-            <a:endCxn id="113" idx="0"/>
+            <a:stCxn id="73" idx="2"/>
+            <a:endCxn id="75" idx="0"/>
           </p:cNvCxnSpPr>
           <p:nvPr/>
         </p:nvCxnSpPr>
         <p:spPr>
-          <a:xfrm flipH="1">
-            <a:off x="2702825" y="2709502"/>
-            <a:ext cx="3" cy="458625"/>
+          <a:xfrm>
+            <a:off x="1930003" y="4711162"/>
+            <a:ext cx="5" cy="704356"/>
           </a:xfrm>
           <a:prstGeom prst="straightConnector1">
             <a:avLst/>
@@ -7527,10 +6497,10 @@
       </p:cxnSp>
       <p:sp>
         <p:nvSpPr>
-          <p:cNvPr id="113" name="다이아몬드 112">
-            <a:extLst>
-              <a:ext uri="{FF2B5EF4-FFF2-40B4-BE49-F238E27FC236}">
-                <a16:creationId xmlns:a16="http://schemas.microsoft.com/office/drawing/2014/main" id="{AF6F5EB1-1CD1-4E94-A5BE-AC88E4A91DA9}"/>
+          <p:cNvPr id="75" name="타원 74">
+            <a:extLst>
+              <a:ext uri="{FF2B5EF4-FFF2-40B4-BE49-F238E27FC236}">
+                <a16:creationId xmlns:a16="http://schemas.microsoft.com/office/drawing/2014/main" id="{9F167DFF-AE21-4F71-971D-9B331D1F103E}"/>
               </a:ext>
             </a:extLst>
           </p:cNvPr>
@@ -7539,10 +6509,10 @@
         </p:nvSpPr>
         <p:spPr>
           <a:xfrm>
-            <a:off x="2107261" y="3168127"/>
-            <a:ext cx="1191127" cy="631658"/>
-          </a:xfrm>
-          <a:prstGeom prst="diamond">
+            <a:off x="1370540" y="5415518"/>
+            <a:ext cx="1118936" cy="631658"/>
+          </a:xfrm>
+          <a:prstGeom prst="ellipse">
             <a:avLst/>
           </a:prstGeom>
         </p:spPr>
@@ -7574,60 +6544,17 @@
             <a:pPr algn="ctr"/>
             <a:r>
               <a:rPr lang="en-US" altLang="ko-KR" sz="1013" dirty="0"/>
-              <a:t>Info Check</a:t>
-            </a:r>
-          </a:p>
-        </p:txBody>
-      </p:sp>
-      <p:cxnSp>
-        <p:nvCxnSpPr>
-          <p:cNvPr id="118" name="직선 화살표 연결선 117">
-            <a:extLst>
-              <a:ext uri="{FF2B5EF4-FFF2-40B4-BE49-F238E27FC236}">
-                <a16:creationId xmlns:a16="http://schemas.microsoft.com/office/drawing/2014/main" id="{786FDCBF-106C-4E78-A734-F997542ED168}"/>
-              </a:ext>
-            </a:extLst>
-          </p:cNvPr>
-          <p:cNvCxnSpPr>
-            <a:cxnSpLocks/>
-            <a:stCxn id="113" idx="2"/>
-            <a:endCxn id="34" idx="0"/>
-          </p:cNvCxnSpPr>
-          <p:nvPr/>
-        </p:nvCxnSpPr>
-        <p:spPr>
-          <a:xfrm>
-            <a:off x="2702825" y="3799785"/>
-            <a:ext cx="3" cy="307015"/>
-          </a:xfrm>
-          <a:prstGeom prst="straightConnector1">
-            <a:avLst/>
-          </a:prstGeom>
-          <a:ln>
-            <a:tailEnd type="triangle"/>
-          </a:ln>
-        </p:spPr>
-        <p:style>
-          <a:lnRef idx="1">
-            <a:schemeClr val="accent1"/>
-          </a:lnRef>
-          <a:fillRef idx="0">
-            <a:schemeClr val="accent1"/>
-          </a:fillRef>
-          <a:effectRef idx="0">
-            <a:schemeClr val="accent1"/>
-          </a:effectRef>
-          <a:fontRef idx="minor">
-            <a:schemeClr val="tx1"/>
-          </a:fontRef>
-        </p:style>
-      </p:cxnSp>
-      <p:sp>
-        <p:nvSpPr>
-          <p:cNvPr id="122" name="직사각형 121">
-            <a:extLst>
-              <a:ext uri="{FF2B5EF4-FFF2-40B4-BE49-F238E27FC236}">
-                <a16:creationId xmlns:a16="http://schemas.microsoft.com/office/drawing/2014/main" id="{D3D477FB-8C00-4880-B68A-509CB30ED4D2}"/>
+              <a:t>Draw()</a:t>
+            </a:r>
+          </a:p>
+        </p:txBody>
+      </p:sp>
+      <p:sp>
+        <p:nvSpPr>
+          <p:cNvPr id="76" name="직사각형 75">
+            <a:extLst>
+              <a:ext uri="{FF2B5EF4-FFF2-40B4-BE49-F238E27FC236}">
+                <a16:creationId xmlns:a16="http://schemas.microsoft.com/office/drawing/2014/main" id="{B9A0C70A-3DFE-4A9F-AF2A-854F7DE31A0F}"/>
               </a:ext>
             </a:extLst>
           </p:cNvPr>
@@ -7636,7 +6563,7 @@
         </p:nvSpPr>
         <p:spPr>
           <a:xfrm>
-            <a:off x="2229084" y="7257781"/>
+            <a:off x="1456259" y="3249708"/>
             <a:ext cx="947487" cy="484748"/>
           </a:xfrm>
           <a:prstGeom prst="rect">
@@ -7670,636 +6597,32 @@
           <a:p>
             <a:pPr algn="ctr"/>
             <a:r>
-              <a:rPr lang="en-US" altLang="ko-KR" sz="1013" dirty="0" err="1"/>
-              <a:t>CheckSendMsg</a:t>
-            </a:r>
-            <a:endParaRPr lang="en-US" altLang="ko-KR" sz="1013" dirty="0"/>
-          </a:p>
-          <a:p>
-            <a:pPr algn="ctr"/>
-            <a:r>
               <a:rPr lang="en-US" altLang="ko-KR" sz="1013" dirty="0"/>
-              <a:t>Queue</a:t>
-            </a:r>
-          </a:p>
-        </p:txBody>
-      </p:sp>
-      <p:sp>
-        <p:nvSpPr>
-          <p:cNvPr id="125" name="다이아몬드 124">
-            <a:extLst>
-              <a:ext uri="{FF2B5EF4-FFF2-40B4-BE49-F238E27FC236}">
-                <a16:creationId xmlns:a16="http://schemas.microsoft.com/office/drawing/2014/main" id="{AA13BC9F-71DD-4A21-8AD3-149DD15FFD66}"/>
-              </a:ext>
-            </a:extLst>
-          </p:cNvPr>
-          <p:cNvSpPr/>
-          <p:nvPr/>
-        </p:nvSpPr>
-        <p:spPr>
-          <a:xfrm>
-            <a:off x="2107261" y="8058358"/>
-            <a:ext cx="1191127" cy="631658"/>
-          </a:xfrm>
-          <a:prstGeom prst="diamond">
-            <a:avLst/>
-          </a:prstGeom>
-        </p:spPr>
-        <p:style>
-          <a:lnRef idx="2">
-            <a:schemeClr val="accent1">
-              <a:shade val="50000"/>
-            </a:schemeClr>
-          </a:lnRef>
-          <a:fillRef idx="1">
-            <a:schemeClr val="accent1"/>
-          </a:fillRef>
-          <a:effectRef idx="0">
-            <a:schemeClr val="accent1"/>
-          </a:effectRef>
-          <a:fontRef idx="minor">
-            <a:schemeClr val="lt1"/>
-          </a:fontRef>
-        </p:style>
-        <p:txBody>
-          <a:bodyPr rot="0" spcFirstLastPara="0" vertOverflow="overflow" horzOverflow="overflow" vert="horz" wrap="square" lIns="51435" tIns="25718" rIns="51435" bIns="25718" numCol="1" spcCol="0" rtlCol="0" fromWordArt="0" anchor="ctr" anchorCtr="0" forceAA="0" compatLnSpc="1">
-            <a:prstTxWarp prst="textNoShape">
-              <a:avLst/>
-            </a:prstTxWarp>
-            <a:noAutofit/>
-          </a:bodyPr>
-          <a:lstStyle/>
-          <a:p>
-            <a:pPr algn="ctr"/>
-            <a:r>
-              <a:rPr lang="ko-KR" altLang="en-US" sz="1013" dirty="0"/>
-              <a:t>메시지 여부 확인</a:t>
-            </a:r>
-            <a:endParaRPr lang="en-US" altLang="ko-KR" sz="1013" dirty="0"/>
-          </a:p>
-        </p:txBody>
-      </p:sp>
-      <p:sp>
-        <p:nvSpPr>
-          <p:cNvPr id="127" name="타원 126">
-            <a:extLst>
-              <a:ext uri="{FF2B5EF4-FFF2-40B4-BE49-F238E27FC236}">
-                <a16:creationId xmlns:a16="http://schemas.microsoft.com/office/drawing/2014/main" id="{CFB4FF42-F5D5-4EB1-8403-A32D2880C9A4}"/>
-              </a:ext>
-            </a:extLst>
-          </p:cNvPr>
-          <p:cNvSpPr/>
-          <p:nvPr/>
-        </p:nvSpPr>
-        <p:spPr>
-          <a:xfrm>
-            <a:off x="2143356" y="9051468"/>
-            <a:ext cx="1118936" cy="631658"/>
-          </a:xfrm>
-          <a:prstGeom prst="ellipse">
-            <a:avLst/>
-          </a:prstGeom>
-        </p:spPr>
-        <p:style>
-          <a:lnRef idx="2">
-            <a:schemeClr val="accent1">
-              <a:shade val="50000"/>
-            </a:schemeClr>
-          </a:lnRef>
-          <a:fillRef idx="1">
-            <a:schemeClr val="accent1"/>
-          </a:fillRef>
-          <a:effectRef idx="0">
-            <a:schemeClr val="accent1"/>
-          </a:effectRef>
-          <a:fontRef idx="minor">
-            <a:schemeClr val="lt1"/>
-          </a:fontRef>
-        </p:style>
-        <p:txBody>
-          <a:bodyPr rot="0" spcFirstLastPara="0" vertOverflow="overflow" horzOverflow="overflow" vert="horz" wrap="square" lIns="51435" tIns="25718" rIns="51435" bIns="25718" numCol="1" spcCol="0" rtlCol="0" fromWordArt="0" anchor="ctr" anchorCtr="0" forceAA="0" compatLnSpc="1">
-            <a:prstTxWarp prst="textNoShape">
-              <a:avLst/>
-            </a:prstTxWarp>
-            <a:noAutofit/>
-          </a:bodyPr>
-          <a:lstStyle/>
-          <a:p>
-            <a:pPr algn="ctr"/>
-            <a:r>
-              <a:rPr lang="en-US" altLang="ko-KR" sz="1013" dirty="0"/>
-              <a:t>Message</a:t>
-            </a:r>
-          </a:p>
-          <a:p>
-            <a:pPr algn="ctr"/>
-            <a:r>
-              <a:rPr lang="en-US" altLang="ko-KR" sz="1013" dirty="0"/>
-              <a:t>Sender()</a:t>
+              <a:t>Decoding()</a:t>
             </a:r>
           </a:p>
         </p:txBody>
       </p:sp>
       <p:cxnSp>
         <p:nvCxnSpPr>
-          <p:cNvPr id="128" name="직선 화살표 연결선 127">
-            <a:extLst>
-              <a:ext uri="{FF2B5EF4-FFF2-40B4-BE49-F238E27FC236}">
-                <a16:creationId xmlns:a16="http://schemas.microsoft.com/office/drawing/2014/main" id="{BA2E21DA-F7A7-42E1-B0F7-821816A99058}"/>
+          <p:cNvPr id="77" name="직선 화살표 연결선 76">
+            <a:extLst>
+              <a:ext uri="{FF2B5EF4-FFF2-40B4-BE49-F238E27FC236}">
+                <a16:creationId xmlns:a16="http://schemas.microsoft.com/office/drawing/2014/main" id="{96B6785B-4DAE-469E-B32F-3EF08894F796}"/>
               </a:ext>
             </a:extLst>
           </p:cNvPr>
           <p:cNvCxnSpPr>
             <a:cxnSpLocks/>
-            <a:stCxn id="122" idx="2"/>
-            <a:endCxn id="125" idx="0"/>
+            <a:stCxn id="76" idx="2"/>
+            <a:endCxn id="73" idx="0"/>
           </p:cNvCxnSpPr>
           <p:nvPr/>
         </p:nvCxnSpPr>
         <p:spPr>
-          <a:xfrm flipH="1">
-            <a:off x="2702825" y="7742529"/>
-            <a:ext cx="3" cy="315829"/>
-          </a:xfrm>
-          <a:prstGeom prst="straightConnector1">
-            <a:avLst/>
-          </a:prstGeom>
-          <a:ln>
-            <a:tailEnd type="triangle"/>
-          </a:ln>
-        </p:spPr>
-        <p:style>
-          <a:lnRef idx="1">
-            <a:schemeClr val="accent1"/>
-          </a:lnRef>
-          <a:fillRef idx="0">
-            <a:schemeClr val="accent1"/>
-          </a:fillRef>
-          <a:effectRef idx="0">
-            <a:schemeClr val="accent1"/>
-          </a:effectRef>
-          <a:fontRef idx="minor">
-            <a:schemeClr val="tx1"/>
-          </a:fontRef>
-        </p:style>
-      </p:cxnSp>
-      <p:cxnSp>
-        <p:nvCxnSpPr>
-          <p:cNvPr id="131" name="직선 화살표 연결선 130">
-            <a:extLst>
-              <a:ext uri="{FF2B5EF4-FFF2-40B4-BE49-F238E27FC236}">
-                <a16:creationId xmlns:a16="http://schemas.microsoft.com/office/drawing/2014/main" id="{E7F62D31-0C43-4400-A1F8-5B591FED8149}"/>
-              </a:ext>
-            </a:extLst>
-          </p:cNvPr>
-          <p:cNvCxnSpPr>
-            <a:cxnSpLocks/>
-            <a:stCxn id="125" idx="2"/>
-            <a:endCxn id="127" idx="0"/>
-          </p:cNvCxnSpPr>
-          <p:nvPr/>
-        </p:nvCxnSpPr>
-        <p:spPr>
-          <a:xfrm flipH="1">
-            <a:off x="2702824" y="8690016"/>
-            <a:ext cx="1" cy="361452"/>
-          </a:xfrm>
-          <a:prstGeom prst="straightConnector1">
-            <a:avLst/>
-          </a:prstGeom>
-          <a:ln>
-            <a:tailEnd type="triangle"/>
-          </a:ln>
-        </p:spPr>
-        <p:style>
-          <a:lnRef idx="1">
-            <a:schemeClr val="accent1"/>
-          </a:lnRef>
-          <a:fillRef idx="0">
-            <a:schemeClr val="accent1"/>
-          </a:fillRef>
-          <a:effectRef idx="0">
-            <a:schemeClr val="accent1"/>
-          </a:effectRef>
-          <a:fontRef idx="minor">
-            <a:schemeClr val="tx1"/>
-          </a:fontRef>
-        </p:style>
-      </p:cxnSp>
-      <p:cxnSp>
-        <p:nvCxnSpPr>
-          <p:cNvPr id="136" name="연결선: 꺾임 135">
-            <a:extLst>
-              <a:ext uri="{FF2B5EF4-FFF2-40B4-BE49-F238E27FC236}">
-                <a16:creationId xmlns:a16="http://schemas.microsoft.com/office/drawing/2014/main" id="{64D3B640-4AE0-45CA-AA51-598918985A98}"/>
-              </a:ext>
-            </a:extLst>
-          </p:cNvPr>
-          <p:cNvCxnSpPr>
-            <a:stCxn id="125" idx="3"/>
-            <a:endCxn id="122" idx="3"/>
-          </p:cNvCxnSpPr>
-          <p:nvPr/>
-        </p:nvCxnSpPr>
-        <p:spPr>
-          <a:xfrm flipH="1" flipV="1">
-            <a:off x="3176571" y="7500155"/>
-            <a:ext cx="121817" cy="874032"/>
-          </a:xfrm>
-          <a:prstGeom prst="bentConnector3">
-            <a:avLst>
-              <a:gd name="adj1" fmla="val -187659"/>
-            </a:avLst>
-          </a:prstGeom>
-          <a:ln>
-            <a:tailEnd type="triangle"/>
-          </a:ln>
-        </p:spPr>
-        <p:style>
-          <a:lnRef idx="1">
-            <a:schemeClr val="accent1"/>
-          </a:lnRef>
-          <a:fillRef idx="0">
-            <a:schemeClr val="accent1"/>
-          </a:fillRef>
-          <a:effectRef idx="0">
-            <a:schemeClr val="accent1"/>
-          </a:effectRef>
-          <a:fontRef idx="minor">
-            <a:schemeClr val="tx1"/>
-          </a:fontRef>
-        </p:style>
-      </p:cxnSp>
-      <p:sp>
-        <p:nvSpPr>
-          <p:cNvPr id="137" name="TextBox 136">
-            <a:extLst>
-              <a:ext uri="{FF2B5EF4-FFF2-40B4-BE49-F238E27FC236}">
-                <a16:creationId xmlns:a16="http://schemas.microsoft.com/office/drawing/2014/main" id="{6BE1BEB0-1AD0-4FF4-A6AD-9F2D17DB8D70}"/>
-              </a:ext>
-            </a:extLst>
-          </p:cNvPr>
-          <p:cNvSpPr txBox="1"/>
-          <p:nvPr/>
-        </p:nvSpPr>
-        <p:spPr>
-          <a:xfrm>
-            <a:off x="2724556" y="8485408"/>
-            <a:ext cx="573829" cy="307777"/>
-          </a:xfrm>
-          <a:prstGeom prst="rect">
-            <a:avLst/>
-          </a:prstGeom>
-          <a:noFill/>
-        </p:spPr>
-        <p:txBody>
-          <a:bodyPr wrap="square" rtlCol="0">
-            <a:spAutoFit/>
-          </a:bodyPr>
-          <a:lstStyle/>
-          <a:p>
-            <a:pPr algn="ctr"/>
-            <a:r>
-              <a:rPr lang="ko-KR" altLang="en-US" sz="1400" dirty="0"/>
-              <a:t>있음</a:t>
-            </a:r>
-          </a:p>
-        </p:txBody>
-      </p:sp>
-      <p:sp>
-        <p:nvSpPr>
-          <p:cNvPr id="138" name="TextBox 137">
-            <a:extLst>
-              <a:ext uri="{FF2B5EF4-FFF2-40B4-BE49-F238E27FC236}">
-                <a16:creationId xmlns:a16="http://schemas.microsoft.com/office/drawing/2014/main" id="{73892091-D67B-4AAA-80BB-142D1A06D713}"/>
-              </a:ext>
-            </a:extLst>
-          </p:cNvPr>
-          <p:cNvSpPr txBox="1"/>
-          <p:nvPr/>
-        </p:nvSpPr>
-        <p:spPr>
-          <a:xfrm>
-            <a:off x="3550222" y="7511169"/>
-            <a:ext cx="573838" cy="307777"/>
-          </a:xfrm>
-          <a:prstGeom prst="rect">
-            <a:avLst/>
-          </a:prstGeom>
-          <a:noFill/>
-        </p:spPr>
-        <p:txBody>
-          <a:bodyPr wrap="square" rtlCol="0">
-            <a:spAutoFit/>
-          </a:bodyPr>
-          <a:lstStyle/>
-          <a:p>
-            <a:pPr algn="ctr"/>
-            <a:r>
-              <a:rPr lang="ko-KR" altLang="en-US" sz="1400" dirty="0"/>
-              <a:t>없음</a:t>
-            </a:r>
-          </a:p>
-        </p:txBody>
-      </p:sp>
-      <p:sp>
-        <p:nvSpPr>
-          <p:cNvPr id="140" name="TextBox 139">
-            <a:extLst>
-              <a:ext uri="{FF2B5EF4-FFF2-40B4-BE49-F238E27FC236}">
-                <a16:creationId xmlns:a16="http://schemas.microsoft.com/office/drawing/2014/main" id="{F984EC78-CE40-4DED-A18D-5152052AC30D}"/>
-              </a:ext>
-            </a:extLst>
-          </p:cNvPr>
-          <p:cNvSpPr txBox="1"/>
-          <p:nvPr/>
-        </p:nvSpPr>
-        <p:spPr>
-          <a:xfrm>
-            <a:off x="4597802" y="245766"/>
-            <a:ext cx="2094698" cy="958083"/>
-          </a:xfrm>
-          <a:prstGeom prst="rect">
-            <a:avLst/>
-          </a:prstGeom>
-          <a:noFill/>
-        </p:spPr>
-        <p:txBody>
-          <a:bodyPr wrap="square" rtlCol="0">
-            <a:spAutoFit/>
-          </a:bodyPr>
-          <a:lstStyle/>
-          <a:p>
-            <a:pPr algn="ctr"/>
-            <a:r>
-              <a:rPr lang="ko-KR" altLang="en-US" sz="2813" dirty="0"/>
-              <a:t>클라이언트</a:t>
-            </a:r>
-            <a:endParaRPr lang="en-US" altLang="ko-KR" sz="2813" dirty="0"/>
-          </a:p>
-          <a:p>
-            <a:pPr algn="ctr"/>
-            <a:r>
-              <a:rPr lang="ko-KR" altLang="en-US" sz="2813" dirty="0"/>
-              <a:t>조작 처리</a:t>
-            </a:r>
-            <a:endParaRPr lang="en-US" altLang="ko-KR" sz="2813" dirty="0"/>
-          </a:p>
-        </p:txBody>
-      </p:sp>
-      <p:sp>
-        <p:nvSpPr>
-          <p:cNvPr id="33" name="다이아몬드 32">
-            <a:extLst>
-              <a:ext uri="{FF2B5EF4-FFF2-40B4-BE49-F238E27FC236}">
-                <a16:creationId xmlns:a16="http://schemas.microsoft.com/office/drawing/2014/main" id="{75B10EAC-A01B-4C1A-8CD3-736BCC9D9DCB}"/>
-              </a:ext>
-            </a:extLst>
-          </p:cNvPr>
-          <p:cNvSpPr/>
-          <p:nvPr/>
-        </p:nvSpPr>
-        <p:spPr>
-          <a:xfrm>
-            <a:off x="2107258" y="4953000"/>
-            <a:ext cx="1191127" cy="631658"/>
-          </a:xfrm>
-          <a:prstGeom prst="diamond">
-            <a:avLst/>
-          </a:prstGeom>
-        </p:spPr>
-        <p:style>
-          <a:lnRef idx="2">
-            <a:schemeClr val="accent1">
-              <a:shade val="50000"/>
-            </a:schemeClr>
-          </a:lnRef>
-          <a:fillRef idx="1">
-            <a:schemeClr val="accent1"/>
-          </a:fillRef>
-          <a:effectRef idx="0">
-            <a:schemeClr val="accent1"/>
-          </a:effectRef>
-          <a:fontRef idx="minor">
-            <a:schemeClr val="lt1"/>
-          </a:fontRef>
-        </p:style>
-        <p:txBody>
-          <a:bodyPr rot="0" spcFirstLastPara="0" vertOverflow="overflow" horzOverflow="overflow" vert="horz" wrap="square" lIns="51435" tIns="25718" rIns="51435" bIns="25718" numCol="1" spcCol="0" rtlCol="0" fromWordArt="0" anchor="ctr" anchorCtr="0" forceAA="0" compatLnSpc="1">
-            <a:prstTxWarp prst="textNoShape">
-              <a:avLst/>
-            </a:prstTxWarp>
-            <a:noAutofit/>
-          </a:bodyPr>
-          <a:lstStyle/>
-          <a:p>
-            <a:pPr algn="ctr"/>
-            <a:r>
-              <a:rPr lang="en-US" altLang="ko-KR" sz="1013" dirty="0"/>
-              <a:t>Waiting</a:t>
-            </a:r>
-          </a:p>
-          <a:p>
-            <a:pPr algn="ctr"/>
-            <a:r>
-              <a:rPr lang="en-US" altLang="ko-KR" sz="1013" dirty="0" err="1"/>
-              <a:t>ForSingleObject</a:t>
-            </a:r>
-            <a:r>
-              <a:rPr lang="en-US" altLang="ko-KR" sz="1013" dirty="0"/>
-              <a:t>()</a:t>
-            </a:r>
-          </a:p>
-        </p:txBody>
-      </p:sp>
-      <p:sp>
-        <p:nvSpPr>
-          <p:cNvPr id="38" name="직사각형 37">
-            <a:extLst>
-              <a:ext uri="{FF2B5EF4-FFF2-40B4-BE49-F238E27FC236}">
-                <a16:creationId xmlns:a16="http://schemas.microsoft.com/office/drawing/2014/main" id="{2624EDD3-6B84-473B-9126-B91E8924C0FA}"/>
-              </a:ext>
-            </a:extLst>
-          </p:cNvPr>
-          <p:cNvSpPr/>
-          <p:nvPr/>
-        </p:nvSpPr>
-        <p:spPr>
-          <a:xfrm>
-            <a:off x="2229077" y="5757059"/>
-            <a:ext cx="947487" cy="484748"/>
-          </a:xfrm>
-          <a:prstGeom prst="rect">
-            <a:avLst/>
-          </a:prstGeom>
-        </p:spPr>
-        <p:style>
-          <a:lnRef idx="2">
-            <a:schemeClr val="accent1">
-              <a:shade val="50000"/>
-            </a:schemeClr>
-          </a:lnRef>
-          <a:fillRef idx="1">
-            <a:schemeClr val="accent1"/>
-          </a:fillRef>
-          <a:effectRef idx="0">
-            <a:schemeClr val="accent1"/>
-          </a:effectRef>
-          <a:fontRef idx="minor">
-            <a:schemeClr val="lt1"/>
-          </a:fontRef>
-        </p:style>
-        <p:txBody>
-          <a:bodyPr rot="0" spcFirstLastPara="0" vertOverflow="overflow" horzOverflow="overflow" vert="horz" wrap="square" lIns="51435" tIns="25718" rIns="51435" bIns="25718" numCol="1" spcCol="0" rtlCol="0" fromWordArt="0" anchor="ctr" anchorCtr="0" forceAA="0" compatLnSpc="1">
-            <a:prstTxWarp prst="textNoShape">
-              <a:avLst/>
-            </a:prstTxWarp>
-            <a:noAutofit/>
-          </a:bodyPr>
-          <a:lstStyle/>
-          <a:p>
-            <a:pPr algn="ctr"/>
-            <a:r>
-              <a:rPr lang="en-US" altLang="ko-KR" sz="1013" dirty="0" err="1"/>
-              <a:t>SetSendMsg</a:t>
-            </a:r>
-            <a:endParaRPr lang="en-US" altLang="ko-KR" sz="1013" dirty="0"/>
-          </a:p>
-          <a:p>
-            <a:pPr algn="ctr"/>
-            <a:r>
-              <a:rPr lang="en-US" altLang="ko-KR" sz="1013" dirty="0"/>
-              <a:t>Queue()</a:t>
-            </a:r>
-          </a:p>
-        </p:txBody>
-      </p:sp>
-      <p:cxnSp>
-        <p:nvCxnSpPr>
-          <p:cNvPr id="12" name="직선 화살표 연결선 11">
-            <a:extLst>
-              <a:ext uri="{FF2B5EF4-FFF2-40B4-BE49-F238E27FC236}">
-                <a16:creationId xmlns:a16="http://schemas.microsoft.com/office/drawing/2014/main" id="{F6152CEE-BBED-4669-8D6E-B9641F48C65D}"/>
-              </a:ext>
-            </a:extLst>
-          </p:cNvPr>
-          <p:cNvCxnSpPr>
-            <a:stCxn id="33" idx="2"/>
-            <a:endCxn id="38" idx="0"/>
-          </p:cNvCxnSpPr>
-          <p:nvPr/>
-        </p:nvCxnSpPr>
-        <p:spPr>
-          <a:xfrm flipH="1">
-            <a:off x="2702821" y="5584658"/>
-            <a:ext cx="1" cy="172401"/>
-          </a:xfrm>
-          <a:prstGeom prst="straightConnector1">
-            <a:avLst/>
-          </a:prstGeom>
-          <a:ln>
-            <a:tailEnd type="triangle"/>
-          </a:ln>
-        </p:spPr>
-        <p:style>
-          <a:lnRef idx="1">
-            <a:schemeClr val="accent1"/>
-          </a:lnRef>
-          <a:fillRef idx="0">
-            <a:schemeClr val="accent1"/>
-          </a:fillRef>
-          <a:effectRef idx="0">
-            <a:schemeClr val="accent1"/>
-          </a:effectRef>
-          <a:fontRef idx="minor">
-            <a:schemeClr val="tx1"/>
-          </a:fontRef>
-        </p:style>
-      </p:cxnSp>
-      <p:sp>
-        <p:nvSpPr>
-          <p:cNvPr id="51" name="다이아몬드 50">
-            <a:extLst>
-              <a:ext uri="{FF2B5EF4-FFF2-40B4-BE49-F238E27FC236}">
-                <a16:creationId xmlns:a16="http://schemas.microsoft.com/office/drawing/2014/main" id="{4A98700E-0D7C-4CC5-851D-2EA6867A9092}"/>
-              </a:ext>
-            </a:extLst>
-          </p:cNvPr>
-          <p:cNvSpPr/>
-          <p:nvPr/>
-        </p:nvSpPr>
-        <p:spPr>
-          <a:xfrm>
-            <a:off x="2107258" y="6437745"/>
-            <a:ext cx="1191127" cy="631658"/>
-          </a:xfrm>
-          <a:prstGeom prst="diamond">
-            <a:avLst/>
-          </a:prstGeom>
-        </p:spPr>
-        <p:style>
-          <a:lnRef idx="2">
-            <a:schemeClr val="accent1">
-              <a:shade val="50000"/>
-            </a:schemeClr>
-          </a:lnRef>
-          <a:fillRef idx="1">
-            <a:schemeClr val="accent1"/>
-          </a:fillRef>
-          <a:effectRef idx="0">
-            <a:schemeClr val="accent1"/>
-          </a:effectRef>
-          <a:fontRef idx="minor">
-            <a:schemeClr val="lt1"/>
-          </a:fontRef>
-        </p:style>
-        <p:txBody>
-          <a:bodyPr rot="0" spcFirstLastPara="0" vertOverflow="overflow" horzOverflow="overflow" vert="horz" wrap="square" lIns="51435" tIns="25718" rIns="51435" bIns="25718" numCol="1" spcCol="0" rtlCol="0" fromWordArt="0" anchor="ctr" anchorCtr="0" forceAA="0" compatLnSpc="1">
-            <a:prstTxWarp prst="textNoShape">
-              <a:avLst/>
-            </a:prstTxWarp>
-            <a:noAutofit/>
-          </a:bodyPr>
-          <a:lstStyle/>
-          <a:p>
-            <a:pPr algn="ctr"/>
-            <a:r>
-              <a:rPr lang="en-US" altLang="ko-KR" sz="1013" dirty="0"/>
-              <a:t>Waiting</a:t>
-            </a:r>
-          </a:p>
-          <a:p>
-            <a:pPr algn="ctr"/>
-            <a:r>
-              <a:rPr lang="en-US" altLang="ko-KR" sz="1013" dirty="0" err="1"/>
-              <a:t>ForSingleObject</a:t>
-            </a:r>
-            <a:r>
-              <a:rPr lang="en-US" altLang="ko-KR" sz="1013" dirty="0"/>
-              <a:t>()</a:t>
-            </a:r>
-          </a:p>
-        </p:txBody>
-      </p:sp>
-      <p:cxnSp>
-        <p:nvCxnSpPr>
-          <p:cNvPr id="27" name="직선 화살표 연결선 26">
-            <a:extLst>
-              <a:ext uri="{FF2B5EF4-FFF2-40B4-BE49-F238E27FC236}">
-                <a16:creationId xmlns:a16="http://schemas.microsoft.com/office/drawing/2014/main" id="{7698B11F-6B97-4711-AD1C-03633FC38B6F}"/>
-              </a:ext>
-            </a:extLst>
-          </p:cNvPr>
-          <p:cNvCxnSpPr>
-            <a:stCxn id="51" idx="2"/>
-            <a:endCxn id="122" idx="0"/>
-          </p:cNvCxnSpPr>
-          <p:nvPr/>
-        </p:nvCxnSpPr>
-        <p:spPr>
-          <a:xfrm>
-            <a:off x="2702822" y="7069403"/>
-            <a:ext cx="6" cy="188378"/>
+          <a:xfrm>
+            <a:off x="1930003" y="3734456"/>
+            <a:ext cx="0" cy="491958"/>
           </a:xfrm>
           <a:prstGeom prst="straightConnector1">
             <a:avLst/>
@@ -8327,1473 +6650,6 @@
     <p:extLst>
       <p:ext uri="{BB962C8B-B14F-4D97-AF65-F5344CB8AC3E}">
         <p14:creationId xmlns:p14="http://schemas.microsoft.com/office/powerpoint/2010/main" val="3871943176"/>
-      </p:ext>
-    </p:extLst>
-  </p:cSld>
-  <p:clrMapOvr>
-    <a:masterClrMapping/>
-  </p:clrMapOvr>
-</p:sld>
-</file>
-
-<file path=ppt/slides/slide4.xml><?xml version="1.0" encoding="utf-8"?>
-<p:sld xmlns:a="http://schemas.openxmlformats.org/drawingml/2006/main" xmlns:r="http://schemas.openxmlformats.org/officeDocument/2006/relationships" xmlns:p="http://schemas.openxmlformats.org/presentationml/2006/main">
-  <p:cSld>
-    <p:spTree>
-      <p:nvGrpSpPr>
-        <p:cNvPr id="1" name=""/>
-        <p:cNvGrpSpPr/>
-        <p:nvPr/>
-      </p:nvGrpSpPr>
-      <p:grpSpPr>
-        <a:xfrm>
-          <a:off x="0" y="0"/>
-          <a:ext cx="0" cy="0"/>
-          <a:chOff x="0" y="0"/>
-          <a:chExt cx="0" cy="0"/>
-        </a:xfrm>
-      </p:grpSpPr>
-      <p:sp>
-        <p:nvSpPr>
-          <p:cNvPr id="4" name="TextBox 3">
-            <a:extLst>
-              <a:ext uri="{FF2B5EF4-FFF2-40B4-BE49-F238E27FC236}">
-                <a16:creationId xmlns:a16="http://schemas.microsoft.com/office/drawing/2014/main" id="{F15FC195-1ABE-46C6-BF2F-9D0145ABF94F}"/>
-              </a:ext>
-            </a:extLst>
-          </p:cNvPr>
-          <p:cNvSpPr txBox="1"/>
-          <p:nvPr/>
-        </p:nvSpPr>
-        <p:spPr>
-          <a:xfrm>
-            <a:off x="4597802" y="245766"/>
-            <a:ext cx="2094698" cy="958083"/>
-          </a:xfrm>
-          <a:prstGeom prst="rect">
-            <a:avLst/>
-          </a:prstGeom>
-          <a:noFill/>
-        </p:spPr>
-        <p:txBody>
-          <a:bodyPr wrap="square" rtlCol="0">
-            <a:spAutoFit/>
-          </a:bodyPr>
-          <a:lstStyle/>
-          <a:p>
-            <a:pPr algn="ctr"/>
-            <a:r>
-              <a:rPr lang="ko-KR" altLang="en-US" sz="2813" dirty="0"/>
-              <a:t>클라이언트</a:t>
-            </a:r>
-            <a:endParaRPr lang="en-US" altLang="ko-KR" sz="2813" dirty="0"/>
-          </a:p>
-          <a:p>
-            <a:pPr algn="ctr"/>
-            <a:r>
-              <a:rPr lang="ko-KR" altLang="en-US" sz="2813" dirty="0"/>
-              <a:t>메시지 처리</a:t>
-            </a:r>
-            <a:endParaRPr lang="en-US" altLang="ko-KR" sz="2813" dirty="0"/>
-          </a:p>
-        </p:txBody>
-      </p:sp>
-      <p:sp>
-        <p:nvSpPr>
-          <p:cNvPr id="5" name="타원 4">
-            <a:extLst>
-              <a:ext uri="{FF2B5EF4-FFF2-40B4-BE49-F238E27FC236}">
-                <a16:creationId xmlns:a16="http://schemas.microsoft.com/office/drawing/2014/main" id="{FD1B62DF-626C-4F47-9744-8241DE2FA3B5}"/>
-              </a:ext>
-            </a:extLst>
-          </p:cNvPr>
-          <p:cNvSpPr/>
-          <p:nvPr/>
-        </p:nvSpPr>
-        <p:spPr>
-          <a:xfrm>
-            <a:off x="3133955" y="431893"/>
-            <a:ext cx="1118936" cy="631658"/>
-          </a:xfrm>
-          <a:prstGeom prst="ellipse">
-            <a:avLst/>
-          </a:prstGeom>
-        </p:spPr>
-        <p:style>
-          <a:lnRef idx="2">
-            <a:schemeClr val="accent1">
-              <a:shade val="50000"/>
-            </a:schemeClr>
-          </a:lnRef>
-          <a:fillRef idx="1">
-            <a:schemeClr val="accent1"/>
-          </a:fillRef>
-          <a:effectRef idx="0">
-            <a:schemeClr val="accent1"/>
-          </a:effectRef>
-          <a:fontRef idx="minor">
-            <a:schemeClr val="lt1"/>
-          </a:fontRef>
-        </p:style>
-        <p:txBody>
-          <a:bodyPr rot="0" spcFirstLastPara="0" vertOverflow="overflow" horzOverflow="overflow" vert="horz" wrap="square" lIns="51435" tIns="25718" rIns="51435" bIns="25718" numCol="1" spcCol="0" rtlCol="0" fromWordArt="0" anchor="ctr" anchorCtr="0" forceAA="0" compatLnSpc="1">
-            <a:prstTxWarp prst="textNoShape">
-              <a:avLst/>
-            </a:prstTxWarp>
-            <a:noAutofit/>
-          </a:bodyPr>
-          <a:lstStyle/>
-          <a:p>
-            <a:pPr algn="ctr"/>
-            <a:r>
-              <a:rPr lang="en-US" altLang="ko-KR" sz="1013" dirty="0"/>
-              <a:t>Message</a:t>
-            </a:r>
-          </a:p>
-          <a:p>
-            <a:pPr algn="ctr"/>
-            <a:r>
-              <a:rPr lang="en-US" altLang="ko-KR" sz="1013" dirty="0" err="1"/>
-              <a:t>Reciver</a:t>
-            </a:r>
-            <a:endParaRPr lang="en-US" altLang="ko-KR" sz="1013" dirty="0"/>
-          </a:p>
-        </p:txBody>
-      </p:sp>
-      <p:sp>
-        <p:nvSpPr>
-          <p:cNvPr id="6" name="직사각형 5">
-            <a:extLst>
-              <a:ext uri="{FF2B5EF4-FFF2-40B4-BE49-F238E27FC236}">
-                <a16:creationId xmlns:a16="http://schemas.microsoft.com/office/drawing/2014/main" id="{4E32EBED-4689-4E36-8F54-8D4EE244B048}"/>
-              </a:ext>
-            </a:extLst>
-          </p:cNvPr>
-          <p:cNvSpPr/>
-          <p:nvPr/>
-        </p:nvSpPr>
-        <p:spPr>
-          <a:xfrm>
-            <a:off x="3219678" y="1254900"/>
-            <a:ext cx="947487" cy="484748"/>
-          </a:xfrm>
-          <a:prstGeom prst="rect">
-            <a:avLst/>
-          </a:prstGeom>
-        </p:spPr>
-        <p:style>
-          <a:lnRef idx="2">
-            <a:schemeClr val="accent1">
-              <a:shade val="50000"/>
-            </a:schemeClr>
-          </a:lnRef>
-          <a:fillRef idx="1">
-            <a:schemeClr val="accent1"/>
-          </a:fillRef>
-          <a:effectRef idx="0">
-            <a:schemeClr val="accent1"/>
-          </a:effectRef>
-          <a:fontRef idx="minor">
-            <a:schemeClr val="lt1"/>
-          </a:fontRef>
-        </p:style>
-        <p:txBody>
-          <a:bodyPr rot="0" spcFirstLastPara="0" vertOverflow="overflow" horzOverflow="overflow" vert="horz" wrap="square" lIns="51435" tIns="25718" rIns="51435" bIns="25718" numCol="1" spcCol="0" rtlCol="0" fromWordArt="0" anchor="ctr" anchorCtr="0" forceAA="0" compatLnSpc="1">
-            <a:prstTxWarp prst="textNoShape">
-              <a:avLst/>
-            </a:prstTxWarp>
-            <a:noAutofit/>
-          </a:bodyPr>
-          <a:lstStyle/>
-          <a:p>
-            <a:pPr algn="ctr"/>
-            <a:r>
-              <a:rPr lang="ko-KR" altLang="en-US" sz="1013" dirty="0"/>
-              <a:t>메시지 수신</a:t>
-            </a:r>
-            <a:endParaRPr lang="en-US" altLang="ko-KR" sz="1013" dirty="0"/>
-          </a:p>
-        </p:txBody>
-      </p:sp>
-      <p:sp>
-        <p:nvSpPr>
-          <p:cNvPr id="7" name="직사각형 6">
-            <a:extLst>
-              <a:ext uri="{FF2B5EF4-FFF2-40B4-BE49-F238E27FC236}">
-                <a16:creationId xmlns:a16="http://schemas.microsoft.com/office/drawing/2014/main" id="{D366DFA9-C2BF-4D8D-92C6-8530C1B53F04}"/>
-              </a:ext>
-            </a:extLst>
-          </p:cNvPr>
-          <p:cNvSpPr/>
-          <p:nvPr/>
-        </p:nvSpPr>
-        <p:spPr>
-          <a:xfrm>
-            <a:off x="3217574" y="2937675"/>
-            <a:ext cx="947487" cy="484748"/>
-          </a:xfrm>
-          <a:prstGeom prst="rect">
-            <a:avLst/>
-          </a:prstGeom>
-        </p:spPr>
-        <p:style>
-          <a:lnRef idx="2">
-            <a:schemeClr val="accent1">
-              <a:shade val="50000"/>
-            </a:schemeClr>
-          </a:lnRef>
-          <a:fillRef idx="1">
-            <a:schemeClr val="accent1"/>
-          </a:fillRef>
-          <a:effectRef idx="0">
-            <a:schemeClr val="accent1"/>
-          </a:effectRef>
-          <a:fontRef idx="minor">
-            <a:schemeClr val="lt1"/>
-          </a:fontRef>
-        </p:style>
-        <p:txBody>
-          <a:bodyPr rot="0" spcFirstLastPara="0" vertOverflow="overflow" horzOverflow="overflow" vert="horz" wrap="square" lIns="51435" tIns="25718" rIns="51435" bIns="25718" numCol="1" spcCol="0" rtlCol="0" fromWordArt="0" anchor="ctr" anchorCtr="0" forceAA="0" compatLnSpc="1">
-            <a:prstTxWarp prst="textNoShape">
-              <a:avLst/>
-            </a:prstTxWarp>
-            <a:noAutofit/>
-          </a:bodyPr>
-          <a:lstStyle/>
-          <a:p>
-            <a:pPr algn="ctr"/>
-            <a:r>
-              <a:rPr lang="en-US" altLang="ko-KR" sz="1013" dirty="0" err="1"/>
-              <a:t>SetRecv</a:t>
-            </a:r>
-            <a:endParaRPr lang="en-US" altLang="ko-KR" sz="1013" dirty="0"/>
-          </a:p>
-          <a:p>
-            <a:pPr algn="ctr"/>
-            <a:r>
-              <a:rPr lang="en-US" altLang="ko-KR" sz="1013" dirty="0" err="1"/>
-              <a:t>Msg</a:t>
-            </a:r>
-            <a:endParaRPr lang="en-US" altLang="ko-KR" sz="1013" dirty="0"/>
-          </a:p>
-          <a:p>
-            <a:pPr algn="ctr"/>
-            <a:r>
-              <a:rPr lang="en-US" altLang="ko-KR" sz="1013" dirty="0"/>
-              <a:t>Queue()</a:t>
-            </a:r>
-          </a:p>
-        </p:txBody>
-      </p:sp>
-      <p:cxnSp>
-        <p:nvCxnSpPr>
-          <p:cNvPr id="8" name="직선 화살표 연결선 7">
-            <a:extLst>
-              <a:ext uri="{FF2B5EF4-FFF2-40B4-BE49-F238E27FC236}">
-                <a16:creationId xmlns:a16="http://schemas.microsoft.com/office/drawing/2014/main" id="{6740447E-48D0-4116-A138-B927029A1488}"/>
-              </a:ext>
-            </a:extLst>
-          </p:cNvPr>
-          <p:cNvCxnSpPr>
-            <a:cxnSpLocks/>
-            <a:stCxn id="5" idx="4"/>
-            <a:endCxn id="6" idx="0"/>
-          </p:cNvCxnSpPr>
-          <p:nvPr/>
-        </p:nvCxnSpPr>
-        <p:spPr>
-          <a:xfrm flipH="1">
-            <a:off x="3693422" y="1063551"/>
-            <a:ext cx="1" cy="191349"/>
-          </a:xfrm>
-          <a:prstGeom prst="straightConnector1">
-            <a:avLst/>
-          </a:prstGeom>
-          <a:ln>
-            <a:tailEnd type="triangle"/>
-          </a:ln>
-        </p:spPr>
-        <p:style>
-          <a:lnRef idx="1">
-            <a:schemeClr val="accent1"/>
-          </a:lnRef>
-          <a:fillRef idx="0">
-            <a:schemeClr val="accent1"/>
-          </a:fillRef>
-          <a:effectRef idx="0">
-            <a:schemeClr val="accent1"/>
-          </a:effectRef>
-          <a:fontRef idx="minor">
-            <a:schemeClr val="tx1"/>
-          </a:fontRef>
-        </p:style>
-      </p:cxnSp>
-      <p:cxnSp>
-        <p:nvCxnSpPr>
-          <p:cNvPr id="9" name="직선 화살표 연결선 8">
-            <a:extLst>
-              <a:ext uri="{FF2B5EF4-FFF2-40B4-BE49-F238E27FC236}">
-                <a16:creationId xmlns:a16="http://schemas.microsoft.com/office/drawing/2014/main" id="{9534CA18-8619-447E-A4DF-904BF4642FF5}"/>
-              </a:ext>
-            </a:extLst>
-          </p:cNvPr>
-          <p:cNvCxnSpPr>
-            <a:cxnSpLocks/>
-            <a:stCxn id="6" idx="2"/>
-            <a:endCxn id="28" idx="0"/>
-          </p:cNvCxnSpPr>
-          <p:nvPr/>
-        </p:nvCxnSpPr>
-        <p:spPr>
-          <a:xfrm flipH="1">
-            <a:off x="3693421" y="1739648"/>
-            <a:ext cx="1" cy="250540"/>
-          </a:xfrm>
-          <a:prstGeom prst="straightConnector1">
-            <a:avLst/>
-          </a:prstGeom>
-          <a:ln>
-            <a:tailEnd type="triangle"/>
-          </a:ln>
-        </p:spPr>
-        <p:style>
-          <a:lnRef idx="1">
-            <a:schemeClr val="accent1"/>
-          </a:lnRef>
-          <a:fillRef idx="0">
-            <a:schemeClr val="accent1"/>
-          </a:fillRef>
-          <a:effectRef idx="0">
-            <a:schemeClr val="accent1"/>
-          </a:effectRef>
-          <a:fontRef idx="minor">
-            <a:schemeClr val="tx1"/>
-          </a:fontRef>
-        </p:style>
-      </p:cxnSp>
-      <p:sp>
-        <p:nvSpPr>
-          <p:cNvPr id="10" name="다이아몬드 9">
-            <a:extLst>
-              <a:ext uri="{FF2B5EF4-FFF2-40B4-BE49-F238E27FC236}">
-                <a16:creationId xmlns:a16="http://schemas.microsoft.com/office/drawing/2014/main" id="{414458D0-282D-46A4-AE02-FF4ADB1C0CF7}"/>
-              </a:ext>
-            </a:extLst>
-          </p:cNvPr>
-          <p:cNvSpPr/>
-          <p:nvPr/>
-        </p:nvSpPr>
-        <p:spPr>
-          <a:xfrm>
-            <a:off x="3097864" y="5602989"/>
-            <a:ext cx="1191127" cy="631658"/>
-          </a:xfrm>
-          <a:prstGeom prst="diamond">
-            <a:avLst/>
-          </a:prstGeom>
-        </p:spPr>
-        <p:style>
-          <a:lnRef idx="2">
-            <a:schemeClr val="accent1">
-              <a:shade val="50000"/>
-            </a:schemeClr>
-          </a:lnRef>
-          <a:fillRef idx="1">
-            <a:schemeClr val="accent1"/>
-          </a:fillRef>
-          <a:effectRef idx="0">
-            <a:schemeClr val="accent1"/>
-          </a:effectRef>
-          <a:fontRef idx="minor">
-            <a:schemeClr val="lt1"/>
-          </a:fontRef>
-        </p:style>
-        <p:txBody>
-          <a:bodyPr rot="0" spcFirstLastPara="0" vertOverflow="overflow" horzOverflow="overflow" vert="horz" wrap="square" lIns="51435" tIns="25718" rIns="51435" bIns="25718" numCol="1" spcCol="0" rtlCol="0" fromWordArt="0" anchor="ctr" anchorCtr="0" forceAA="0" compatLnSpc="1">
-            <a:prstTxWarp prst="textNoShape">
-              <a:avLst/>
-            </a:prstTxWarp>
-            <a:noAutofit/>
-          </a:bodyPr>
-          <a:lstStyle/>
-          <a:p>
-            <a:pPr algn="ctr"/>
-            <a:r>
-              <a:rPr lang="ko-KR" altLang="en-US" sz="1013" dirty="0"/>
-              <a:t>처리 해야 할 메시지</a:t>
-            </a:r>
-            <a:endParaRPr lang="en-US" altLang="ko-KR" sz="1013" dirty="0"/>
-          </a:p>
-        </p:txBody>
-      </p:sp>
-      <p:cxnSp>
-        <p:nvCxnSpPr>
-          <p:cNvPr id="34" name="직선 화살표 연결선 33">
-            <a:extLst>
-              <a:ext uri="{FF2B5EF4-FFF2-40B4-BE49-F238E27FC236}">
-                <a16:creationId xmlns:a16="http://schemas.microsoft.com/office/drawing/2014/main" id="{A1C45DF5-71BF-4ADD-9899-41070421865D}"/>
-              </a:ext>
-            </a:extLst>
-          </p:cNvPr>
-          <p:cNvCxnSpPr>
-            <a:cxnSpLocks/>
-            <a:stCxn id="35" idx="2"/>
-            <a:endCxn id="41" idx="0"/>
-          </p:cNvCxnSpPr>
-          <p:nvPr/>
-        </p:nvCxnSpPr>
-        <p:spPr>
-          <a:xfrm>
-            <a:off x="3693422" y="4416598"/>
-            <a:ext cx="7" cy="385814"/>
-          </a:xfrm>
-          <a:prstGeom prst="straightConnector1">
-            <a:avLst/>
-          </a:prstGeom>
-          <a:ln>
-            <a:tailEnd type="triangle"/>
-          </a:ln>
-        </p:spPr>
-        <p:style>
-          <a:lnRef idx="1">
-            <a:schemeClr val="accent1"/>
-          </a:lnRef>
-          <a:fillRef idx="0">
-            <a:schemeClr val="accent1"/>
-          </a:fillRef>
-          <a:effectRef idx="0">
-            <a:schemeClr val="accent1"/>
-          </a:effectRef>
-          <a:fontRef idx="minor">
-            <a:schemeClr val="tx1"/>
-          </a:fontRef>
-        </p:style>
-      </p:cxnSp>
-      <p:sp>
-        <p:nvSpPr>
-          <p:cNvPr id="41" name="직사각형 40">
-            <a:extLst>
-              <a:ext uri="{FF2B5EF4-FFF2-40B4-BE49-F238E27FC236}">
-                <a16:creationId xmlns:a16="http://schemas.microsoft.com/office/drawing/2014/main" id="{99D564D9-2645-4905-B19C-AA6FED343C7B}"/>
-              </a:ext>
-            </a:extLst>
-          </p:cNvPr>
-          <p:cNvSpPr/>
-          <p:nvPr/>
-        </p:nvSpPr>
-        <p:spPr>
-          <a:xfrm>
-            <a:off x="3219685" y="4802412"/>
-            <a:ext cx="947487" cy="484748"/>
-          </a:xfrm>
-          <a:prstGeom prst="rect">
-            <a:avLst/>
-          </a:prstGeom>
-        </p:spPr>
-        <p:style>
-          <a:lnRef idx="2">
-            <a:schemeClr val="accent1">
-              <a:shade val="50000"/>
-            </a:schemeClr>
-          </a:lnRef>
-          <a:fillRef idx="1">
-            <a:schemeClr val="accent1"/>
-          </a:fillRef>
-          <a:effectRef idx="0">
-            <a:schemeClr val="accent1"/>
-          </a:effectRef>
-          <a:fontRef idx="minor">
-            <a:schemeClr val="lt1"/>
-          </a:fontRef>
-        </p:style>
-        <p:txBody>
-          <a:bodyPr rot="0" spcFirstLastPara="0" vertOverflow="overflow" horzOverflow="overflow" vert="horz" wrap="square" lIns="51435" tIns="25718" rIns="51435" bIns="25718" numCol="1" spcCol="0" rtlCol="0" fromWordArt="0" anchor="ctr" anchorCtr="0" forceAA="0" compatLnSpc="1">
-            <a:prstTxWarp prst="textNoShape">
-              <a:avLst/>
-            </a:prstTxWarp>
-            <a:noAutofit/>
-          </a:bodyPr>
-          <a:lstStyle/>
-          <a:p>
-            <a:pPr algn="ctr"/>
-            <a:r>
-              <a:rPr lang="en-US" altLang="ko-KR" sz="1013" dirty="0" err="1"/>
-              <a:t>CheckRecv</a:t>
-            </a:r>
-            <a:endParaRPr lang="en-US" altLang="ko-KR" sz="1013" dirty="0"/>
-          </a:p>
-          <a:p>
-            <a:pPr algn="ctr"/>
-            <a:r>
-              <a:rPr lang="en-US" altLang="ko-KR" sz="1013" dirty="0" err="1"/>
-              <a:t>Msg</a:t>
-            </a:r>
-            <a:endParaRPr lang="en-US" altLang="ko-KR" sz="1013" dirty="0"/>
-          </a:p>
-          <a:p>
-            <a:pPr algn="ctr"/>
-            <a:r>
-              <a:rPr lang="en-US" altLang="ko-KR" sz="1013" dirty="0"/>
-              <a:t>Queue()</a:t>
-            </a:r>
-          </a:p>
-        </p:txBody>
-      </p:sp>
-      <p:cxnSp>
-        <p:nvCxnSpPr>
-          <p:cNvPr id="44" name="직선 화살표 연결선 43">
-            <a:extLst>
-              <a:ext uri="{FF2B5EF4-FFF2-40B4-BE49-F238E27FC236}">
-                <a16:creationId xmlns:a16="http://schemas.microsoft.com/office/drawing/2014/main" id="{5C176A64-0510-4E64-B45D-53C7C550BFD2}"/>
-              </a:ext>
-            </a:extLst>
-          </p:cNvPr>
-          <p:cNvCxnSpPr>
-            <a:cxnSpLocks/>
-            <a:stCxn id="41" idx="2"/>
-            <a:endCxn id="10" idx="0"/>
-          </p:cNvCxnSpPr>
-          <p:nvPr/>
-        </p:nvCxnSpPr>
-        <p:spPr>
-          <a:xfrm flipH="1">
-            <a:off x="3693428" y="5287160"/>
-            <a:ext cx="1" cy="315829"/>
-          </a:xfrm>
-          <a:prstGeom prst="straightConnector1">
-            <a:avLst/>
-          </a:prstGeom>
-          <a:ln>
-            <a:tailEnd type="triangle"/>
-          </a:ln>
-        </p:spPr>
-        <p:style>
-          <a:lnRef idx="1">
-            <a:schemeClr val="accent1"/>
-          </a:lnRef>
-          <a:fillRef idx="0">
-            <a:schemeClr val="accent1"/>
-          </a:fillRef>
-          <a:effectRef idx="0">
-            <a:schemeClr val="accent1"/>
-          </a:effectRef>
-          <a:fontRef idx="minor">
-            <a:schemeClr val="tx1"/>
-          </a:fontRef>
-        </p:style>
-      </p:cxnSp>
-      <p:sp>
-        <p:nvSpPr>
-          <p:cNvPr id="47" name="다이아몬드 46">
-            <a:extLst>
-              <a:ext uri="{FF2B5EF4-FFF2-40B4-BE49-F238E27FC236}">
-                <a16:creationId xmlns:a16="http://schemas.microsoft.com/office/drawing/2014/main" id="{8300231C-9970-45EA-9369-B9946B3D9931}"/>
-              </a:ext>
-            </a:extLst>
-          </p:cNvPr>
-          <p:cNvSpPr/>
-          <p:nvPr/>
-        </p:nvSpPr>
-        <p:spPr>
-          <a:xfrm>
-            <a:off x="3097864" y="6690446"/>
-            <a:ext cx="1191127" cy="631658"/>
-          </a:xfrm>
-          <a:prstGeom prst="diamond">
-            <a:avLst/>
-          </a:prstGeom>
-        </p:spPr>
-        <p:style>
-          <a:lnRef idx="2">
-            <a:schemeClr val="accent1">
-              <a:shade val="50000"/>
-            </a:schemeClr>
-          </a:lnRef>
-          <a:fillRef idx="1">
-            <a:schemeClr val="accent1"/>
-          </a:fillRef>
-          <a:effectRef idx="0">
-            <a:schemeClr val="accent1"/>
-          </a:effectRef>
-          <a:fontRef idx="minor">
-            <a:schemeClr val="lt1"/>
-          </a:fontRef>
-        </p:style>
-        <p:txBody>
-          <a:bodyPr rot="0" spcFirstLastPara="0" vertOverflow="overflow" horzOverflow="overflow" vert="horz" wrap="square" lIns="51435" tIns="25718" rIns="51435" bIns="25718" numCol="1" spcCol="0" rtlCol="0" fromWordArt="0" anchor="ctr" anchorCtr="0" forceAA="0" compatLnSpc="1">
-            <a:prstTxWarp prst="textNoShape">
-              <a:avLst/>
-            </a:prstTxWarp>
-            <a:noAutofit/>
-          </a:bodyPr>
-          <a:lstStyle/>
-          <a:p>
-            <a:pPr algn="ctr"/>
-            <a:r>
-              <a:rPr lang="en-US" altLang="ko-KR" sz="1013" dirty="0"/>
-              <a:t>Info Check</a:t>
-            </a:r>
-          </a:p>
-        </p:txBody>
-      </p:sp>
-      <p:cxnSp>
-        <p:nvCxnSpPr>
-          <p:cNvPr id="48" name="직선 화살표 연결선 47">
-            <a:extLst>
-              <a:ext uri="{FF2B5EF4-FFF2-40B4-BE49-F238E27FC236}">
-                <a16:creationId xmlns:a16="http://schemas.microsoft.com/office/drawing/2014/main" id="{FA75D77A-4FB6-47BA-857D-EF6368BEBD98}"/>
-              </a:ext>
-            </a:extLst>
-          </p:cNvPr>
-          <p:cNvCxnSpPr>
-            <a:cxnSpLocks/>
-            <a:stCxn id="10" idx="2"/>
-            <a:endCxn id="47" idx="0"/>
-          </p:cNvCxnSpPr>
-          <p:nvPr/>
-        </p:nvCxnSpPr>
-        <p:spPr>
-          <a:xfrm>
-            <a:off x="3693428" y="6234647"/>
-            <a:ext cx="0" cy="455799"/>
-          </a:xfrm>
-          <a:prstGeom prst="straightConnector1">
-            <a:avLst/>
-          </a:prstGeom>
-          <a:ln>
-            <a:tailEnd type="triangle"/>
-          </a:ln>
-        </p:spPr>
-        <p:style>
-          <a:lnRef idx="1">
-            <a:schemeClr val="accent1"/>
-          </a:lnRef>
-          <a:fillRef idx="0">
-            <a:schemeClr val="accent1"/>
-          </a:fillRef>
-          <a:effectRef idx="0">
-            <a:schemeClr val="accent1"/>
-          </a:effectRef>
-          <a:fontRef idx="minor">
-            <a:schemeClr val="tx1"/>
-          </a:fontRef>
-        </p:style>
-      </p:cxnSp>
-      <p:sp>
-        <p:nvSpPr>
-          <p:cNvPr id="52" name="직사각형 51">
-            <a:extLst>
-              <a:ext uri="{FF2B5EF4-FFF2-40B4-BE49-F238E27FC236}">
-                <a16:creationId xmlns:a16="http://schemas.microsoft.com/office/drawing/2014/main" id="{7F9F3EEC-DDE5-4B72-882A-F9AFDB508E40}"/>
-              </a:ext>
-            </a:extLst>
-          </p:cNvPr>
-          <p:cNvSpPr/>
-          <p:nvPr/>
-        </p:nvSpPr>
-        <p:spPr>
-          <a:xfrm>
-            <a:off x="1776725" y="7700133"/>
-            <a:ext cx="947487" cy="484748"/>
-          </a:xfrm>
-          <a:prstGeom prst="rect">
-            <a:avLst/>
-          </a:prstGeom>
-        </p:spPr>
-        <p:style>
-          <a:lnRef idx="2">
-            <a:schemeClr val="accent1">
-              <a:shade val="50000"/>
-            </a:schemeClr>
-          </a:lnRef>
-          <a:fillRef idx="1">
-            <a:schemeClr val="accent1"/>
-          </a:fillRef>
-          <a:effectRef idx="0">
-            <a:schemeClr val="accent1"/>
-          </a:effectRef>
-          <a:fontRef idx="minor">
-            <a:schemeClr val="lt1"/>
-          </a:fontRef>
-        </p:style>
-        <p:txBody>
-          <a:bodyPr rot="0" spcFirstLastPara="0" vertOverflow="overflow" horzOverflow="overflow" vert="horz" wrap="square" lIns="51435" tIns="25718" rIns="51435" bIns="25718" numCol="1" spcCol="0" rtlCol="0" fromWordArt="0" anchor="ctr" anchorCtr="0" forceAA="0" compatLnSpc="1">
-            <a:prstTxWarp prst="textNoShape">
-              <a:avLst/>
-            </a:prstTxWarp>
-            <a:noAutofit/>
-          </a:bodyPr>
-          <a:lstStyle/>
-          <a:p>
-            <a:pPr algn="ctr"/>
-            <a:r>
-              <a:rPr lang="en-US" altLang="ko-KR" sz="1013" dirty="0" err="1"/>
-              <a:t>GetBombInfo</a:t>
-            </a:r>
-            <a:r>
-              <a:rPr lang="en-US" altLang="ko-KR" sz="1013" dirty="0"/>
-              <a:t>()</a:t>
-            </a:r>
-          </a:p>
-        </p:txBody>
-      </p:sp>
-      <p:sp>
-        <p:nvSpPr>
-          <p:cNvPr id="53" name="직사각형 52">
-            <a:extLst>
-              <a:ext uri="{FF2B5EF4-FFF2-40B4-BE49-F238E27FC236}">
-                <a16:creationId xmlns:a16="http://schemas.microsoft.com/office/drawing/2014/main" id="{9C6889B4-2FF2-481C-891B-3D10B1F10D2D}"/>
-              </a:ext>
-            </a:extLst>
-          </p:cNvPr>
-          <p:cNvSpPr/>
-          <p:nvPr/>
-        </p:nvSpPr>
-        <p:spPr>
-          <a:xfrm>
-            <a:off x="3219684" y="7700133"/>
-            <a:ext cx="947487" cy="484748"/>
-          </a:xfrm>
-          <a:prstGeom prst="rect">
-            <a:avLst/>
-          </a:prstGeom>
-        </p:spPr>
-        <p:style>
-          <a:lnRef idx="2">
-            <a:schemeClr val="accent1">
-              <a:shade val="50000"/>
-            </a:schemeClr>
-          </a:lnRef>
-          <a:fillRef idx="1">
-            <a:schemeClr val="accent1"/>
-          </a:fillRef>
-          <a:effectRef idx="0">
-            <a:schemeClr val="accent1"/>
-          </a:effectRef>
-          <a:fontRef idx="minor">
-            <a:schemeClr val="lt1"/>
-          </a:fontRef>
-        </p:style>
-        <p:txBody>
-          <a:bodyPr rot="0" spcFirstLastPara="0" vertOverflow="overflow" horzOverflow="overflow" vert="horz" wrap="square" lIns="51435" tIns="25718" rIns="51435" bIns="25718" numCol="1" spcCol="0" rtlCol="0" fromWordArt="0" anchor="ctr" anchorCtr="0" forceAA="0" compatLnSpc="1">
-            <a:prstTxWarp prst="textNoShape">
-              <a:avLst/>
-            </a:prstTxWarp>
-            <a:noAutofit/>
-          </a:bodyPr>
-          <a:lstStyle/>
-          <a:p>
-            <a:pPr algn="ctr"/>
-            <a:r>
-              <a:rPr lang="en-US" altLang="ko-KR" sz="1013" dirty="0" err="1"/>
-              <a:t>GetClientInfo</a:t>
-            </a:r>
-            <a:r>
-              <a:rPr lang="en-US" altLang="ko-KR" sz="1013" dirty="0"/>
-              <a:t>()</a:t>
-            </a:r>
-          </a:p>
-        </p:txBody>
-      </p:sp>
-      <p:sp>
-        <p:nvSpPr>
-          <p:cNvPr id="54" name="직사각형 53">
-            <a:extLst>
-              <a:ext uri="{FF2B5EF4-FFF2-40B4-BE49-F238E27FC236}">
-                <a16:creationId xmlns:a16="http://schemas.microsoft.com/office/drawing/2014/main" id="{71B7CB5F-2F33-47C1-A0D1-4AEEEA86622B}"/>
-              </a:ext>
-            </a:extLst>
-          </p:cNvPr>
-          <p:cNvSpPr/>
-          <p:nvPr/>
-        </p:nvSpPr>
-        <p:spPr>
-          <a:xfrm>
-            <a:off x="4619187" y="7700133"/>
-            <a:ext cx="947487" cy="484748"/>
-          </a:xfrm>
-          <a:prstGeom prst="rect">
-            <a:avLst/>
-          </a:prstGeom>
-        </p:spPr>
-        <p:style>
-          <a:lnRef idx="2">
-            <a:schemeClr val="accent1">
-              <a:shade val="50000"/>
-            </a:schemeClr>
-          </a:lnRef>
-          <a:fillRef idx="1">
-            <a:schemeClr val="accent1"/>
-          </a:fillRef>
-          <a:effectRef idx="0">
-            <a:schemeClr val="accent1"/>
-          </a:effectRef>
-          <a:fontRef idx="minor">
-            <a:schemeClr val="lt1"/>
-          </a:fontRef>
-        </p:style>
-        <p:txBody>
-          <a:bodyPr rot="0" spcFirstLastPara="0" vertOverflow="overflow" horzOverflow="overflow" vert="horz" wrap="square" lIns="51435" tIns="25718" rIns="51435" bIns="25718" numCol="1" spcCol="0" rtlCol="0" fromWordArt="0" anchor="ctr" anchorCtr="0" forceAA="0" compatLnSpc="1">
-            <a:prstTxWarp prst="textNoShape">
-              <a:avLst/>
-            </a:prstTxWarp>
-            <a:noAutofit/>
-          </a:bodyPr>
-          <a:lstStyle/>
-          <a:p>
-            <a:pPr algn="ctr"/>
-            <a:r>
-              <a:rPr lang="en-US" altLang="ko-KR" sz="1013" dirty="0" err="1"/>
-              <a:t>GetMapInfo</a:t>
-            </a:r>
-            <a:r>
-              <a:rPr lang="en-US" altLang="ko-KR" sz="1013" dirty="0"/>
-              <a:t>()</a:t>
-            </a:r>
-          </a:p>
-        </p:txBody>
-      </p:sp>
-      <p:cxnSp>
-        <p:nvCxnSpPr>
-          <p:cNvPr id="55" name="연결선: 꺾임 54">
-            <a:extLst>
-              <a:ext uri="{FF2B5EF4-FFF2-40B4-BE49-F238E27FC236}">
-                <a16:creationId xmlns:a16="http://schemas.microsoft.com/office/drawing/2014/main" id="{2E659A0F-0461-4B23-9535-81796D3BB9E6}"/>
-              </a:ext>
-            </a:extLst>
-          </p:cNvPr>
-          <p:cNvCxnSpPr>
-            <a:cxnSpLocks/>
-            <a:stCxn id="47" idx="3"/>
-            <a:endCxn id="54" idx="0"/>
-          </p:cNvCxnSpPr>
-          <p:nvPr/>
-        </p:nvCxnSpPr>
-        <p:spPr>
-          <a:xfrm>
-            <a:off x="4288991" y="7006275"/>
-            <a:ext cx="803940" cy="693858"/>
-          </a:xfrm>
-          <a:prstGeom prst="bentConnector2">
-            <a:avLst/>
-          </a:prstGeom>
-          <a:ln>
-            <a:tailEnd type="triangle"/>
-          </a:ln>
-        </p:spPr>
-        <p:style>
-          <a:lnRef idx="1">
-            <a:schemeClr val="accent1"/>
-          </a:lnRef>
-          <a:fillRef idx="0">
-            <a:schemeClr val="accent1"/>
-          </a:fillRef>
-          <a:effectRef idx="0">
-            <a:schemeClr val="accent1"/>
-          </a:effectRef>
-          <a:fontRef idx="minor">
-            <a:schemeClr val="tx1"/>
-          </a:fontRef>
-        </p:style>
-      </p:cxnSp>
-      <p:cxnSp>
-        <p:nvCxnSpPr>
-          <p:cNvPr id="56" name="연결선: 꺾임 55">
-            <a:extLst>
-              <a:ext uri="{FF2B5EF4-FFF2-40B4-BE49-F238E27FC236}">
-                <a16:creationId xmlns:a16="http://schemas.microsoft.com/office/drawing/2014/main" id="{0F9DD894-82DE-45F0-8754-59D872AB9C1E}"/>
-              </a:ext>
-            </a:extLst>
-          </p:cNvPr>
-          <p:cNvCxnSpPr>
-            <a:cxnSpLocks/>
-            <a:stCxn id="47" idx="1"/>
-            <a:endCxn id="52" idx="0"/>
-          </p:cNvCxnSpPr>
-          <p:nvPr/>
-        </p:nvCxnSpPr>
-        <p:spPr>
-          <a:xfrm rot="10800000" flipV="1">
-            <a:off x="2250470" y="7006275"/>
-            <a:ext cx="847395" cy="693858"/>
-          </a:xfrm>
-          <a:prstGeom prst="bentConnector2">
-            <a:avLst/>
-          </a:prstGeom>
-          <a:ln>
-            <a:tailEnd type="triangle"/>
-          </a:ln>
-        </p:spPr>
-        <p:style>
-          <a:lnRef idx="1">
-            <a:schemeClr val="accent1"/>
-          </a:lnRef>
-          <a:fillRef idx="0">
-            <a:schemeClr val="accent1"/>
-          </a:fillRef>
-          <a:effectRef idx="0">
-            <a:schemeClr val="accent1"/>
-          </a:effectRef>
-          <a:fontRef idx="minor">
-            <a:schemeClr val="tx1"/>
-          </a:fontRef>
-        </p:style>
-      </p:cxnSp>
-      <p:sp>
-        <p:nvSpPr>
-          <p:cNvPr id="57" name="TextBox 56">
-            <a:extLst>
-              <a:ext uri="{FF2B5EF4-FFF2-40B4-BE49-F238E27FC236}">
-                <a16:creationId xmlns:a16="http://schemas.microsoft.com/office/drawing/2014/main" id="{94A7DC38-A599-412A-9721-D2180CA24537}"/>
-              </a:ext>
-            </a:extLst>
-          </p:cNvPr>
-          <p:cNvSpPr txBox="1"/>
-          <p:nvPr/>
-        </p:nvSpPr>
-        <p:spPr>
-          <a:xfrm>
-            <a:off x="2128648" y="6759074"/>
-            <a:ext cx="947485" cy="307777"/>
-          </a:xfrm>
-          <a:prstGeom prst="rect">
-            <a:avLst/>
-          </a:prstGeom>
-          <a:noFill/>
-        </p:spPr>
-        <p:txBody>
-          <a:bodyPr wrap="square" rtlCol="0">
-            <a:spAutoFit/>
-          </a:bodyPr>
-          <a:lstStyle/>
-          <a:p>
-            <a:pPr algn="ctr"/>
-            <a:r>
-              <a:rPr lang="en-US" altLang="ko-KR" sz="1400" dirty="0" err="1"/>
-              <a:t>bombInfo</a:t>
-            </a:r>
-            <a:endParaRPr lang="ko-KR" altLang="en-US" sz="1400" dirty="0"/>
-          </a:p>
-        </p:txBody>
-      </p:sp>
-      <p:sp>
-        <p:nvSpPr>
-          <p:cNvPr id="58" name="TextBox 57">
-            <a:extLst>
-              <a:ext uri="{FF2B5EF4-FFF2-40B4-BE49-F238E27FC236}">
-                <a16:creationId xmlns:a16="http://schemas.microsoft.com/office/drawing/2014/main" id="{37D586F2-145D-4F35-AA08-1ECD0327B123}"/>
-              </a:ext>
-            </a:extLst>
-          </p:cNvPr>
-          <p:cNvSpPr txBox="1"/>
-          <p:nvPr/>
-        </p:nvSpPr>
-        <p:spPr>
-          <a:xfrm>
-            <a:off x="2745943" y="7357230"/>
-            <a:ext cx="947485" cy="307777"/>
-          </a:xfrm>
-          <a:prstGeom prst="rect">
-            <a:avLst/>
-          </a:prstGeom>
-          <a:noFill/>
-        </p:spPr>
-        <p:txBody>
-          <a:bodyPr wrap="square" rtlCol="0">
-            <a:spAutoFit/>
-          </a:bodyPr>
-          <a:lstStyle/>
-          <a:p>
-            <a:pPr algn="ctr"/>
-            <a:r>
-              <a:rPr lang="en-US" altLang="ko-KR" sz="1400" dirty="0" err="1"/>
-              <a:t>ClientInfo</a:t>
-            </a:r>
-            <a:endParaRPr lang="ko-KR" altLang="en-US" sz="1400" dirty="0"/>
-          </a:p>
-        </p:txBody>
-      </p:sp>
-      <p:sp>
-        <p:nvSpPr>
-          <p:cNvPr id="59" name="TextBox 58">
-            <a:extLst>
-              <a:ext uri="{FF2B5EF4-FFF2-40B4-BE49-F238E27FC236}">
-                <a16:creationId xmlns:a16="http://schemas.microsoft.com/office/drawing/2014/main" id="{95CFA6B7-7D6F-4A34-8C94-D2D472DDE3CD}"/>
-              </a:ext>
-            </a:extLst>
-          </p:cNvPr>
-          <p:cNvSpPr txBox="1"/>
-          <p:nvPr/>
-        </p:nvSpPr>
-        <p:spPr>
-          <a:xfrm>
-            <a:off x="4267260" y="6712904"/>
-            <a:ext cx="947485" cy="307777"/>
-          </a:xfrm>
-          <a:prstGeom prst="rect">
-            <a:avLst/>
-          </a:prstGeom>
-          <a:noFill/>
-        </p:spPr>
-        <p:txBody>
-          <a:bodyPr wrap="square" rtlCol="0">
-            <a:spAutoFit/>
-          </a:bodyPr>
-          <a:lstStyle/>
-          <a:p>
-            <a:pPr algn="ctr"/>
-            <a:r>
-              <a:rPr lang="en-US" altLang="ko-KR" sz="1400" dirty="0"/>
-              <a:t>MapInfo</a:t>
-            </a:r>
-            <a:endParaRPr lang="ko-KR" altLang="en-US" sz="1400" dirty="0"/>
-          </a:p>
-        </p:txBody>
-      </p:sp>
-      <p:cxnSp>
-        <p:nvCxnSpPr>
-          <p:cNvPr id="71" name="직선 화살표 연결선 70">
-            <a:extLst>
-              <a:ext uri="{FF2B5EF4-FFF2-40B4-BE49-F238E27FC236}">
-                <a16:creationId xmlns:a16="http://schemas.microsoft.com/office/drawing/2014/main" id="{AE0BA596-FC1A-425D-B946-1F332817D112}"/>
-              </a:ext>
-            </a:extLst>
-          </p:cNvPr>
-          <p:cNvCxnSpPr>
-            <a:cxnSpLocks/>
-            <a:stCxn id="47" idx="2"/>
-            <a:endCxn id="53" idx="0"/>
-          </p:cNvCxnSpPr>
-          <p:nvPr/>
-        </p:nvCxnSpPr>
-        <p:spPr>
-          <a:xfrm>
-            <a:off x="3693428" y="7322104"/>
-            <a:ext cx="0" cy="378029"/>
-          </a:xfrm>
-          <a:prstGeom prst="straightConnector1">
-            <a:avLst/>
-          </a:prstGeom>
-          <a:ln>
-            <a:tailEnd type="triangle"/>
-          </a:ln>
-        </p:spPr>
-        <p:style>
-          <a:lnRef idx="1">
-            <a:schemeClr val="accent1"/>
-          </a:lnRef>
-          <a:fillRef idx="0">
-            <a:schemeClr val="accent1"/>
-          </a:fillRef>
-          <a:effectRef idx="0">
-            <a:schemeClr val="accent1"/>
-          </a:effectRef>
-          <a:fontRef idx="minor">
-            <a:schemeClr val="tx1"/>
-          </a:fontRef>
-        </p:style>
-      </p:cxnSp>
-      <p:cxnSp>
-        <p:nvCxnSpPr>
-          <p:cNvPr id="78" name="연결선: 꺾임 77">
-            <a:extLst>
-              <a:ext uri="{FF2B5EF4-FFF2-40B4-BE49-F238E27FC236}">
-                <a16:creationId xmlns:a16="http://schemas.microsoft.com/office/drawing/2014/main" id="{424C86AA-5FD5-4C21-ADA4-44A3E4B29982}"/>
-              </a:ext>
-            </a:extLst>
-          </p:cNvPr>
-          <p:cNvCxnSpPr>
-            <a:cxnSpLocks/>
-            <a:stCxn id="52" idx="2"/>
-            <a:endCxn id="85" idx="2"/>
-          </p:cNvCxnSpPr>
-          <p:nvPr/>
-        </p:nvCxnSpPr>
-        <p:spPr>
-          <a:xfrm rot="16200000" flipH="1">
-            <a:off x="2413589" y="8021760"/>
-            <a:ext cx="557248" cy="883489"/>
-          </a:xfrm>
-          <a:prstGeom prst="bentConnector2">
-            <a:avLst/>
-          </a:prstGeom>
-          <a:ln>
-            <a:tailEnd type="triangle"/>
-          </a:ln>
-        </p:spPr>
-        <p:style>
-          <a:lnRef idx="1">
-            <a:schemeClr val="accent1"/>
-          </a:lnRef>
-          <a:fillRef idx="0">
-            <a:schemeClr val="accent1"/>
-          </a:fillRef>
-          <a:effectRef idx="0">
-            <a:schemeClr val="accent1"/>
-          </a:effectRef>
-          <a:fontRef idx="minor">
-            <a:schemeClr val="tx1"/>
-          </a:fontRef>
-        </p:style>
-      </p:cxnSp>
-      <p:cxnSp>
-        <p:nvCxnSpPr>
-          <p:cNvPr id="79" name="연결선: 꺾임 78">
-            <a:extLst>
-              <a:ext uri="{FF2B5EF4-FFF2-40B4-BE49-F238E27FC236}">
-                <a16:creationId xmlns:a16="http://schemas.microsoft.com/office/drawing/2014/main" id="{75ABA317-4B01-493D-B301-5F3100FBD9CA}"/>
-              </a:ext>
-            </a:extLst>
-          </p:cNvPr>
-          <p:cNvCxnSpPr>
-            <a:cxnSpLocks/>
-            <a:stCxn id="54" idx="2"/>
-            <a:endCxn id="85" idx="6"/>
-          </p:cNvCxnSpPr>
-          <p:nvPr/>
-        </p:nvCxnSpPr>
-        <p:spPr>
-          <a:xfrm rot="5400000">
-            <a:off x="4394289" y="8043487"/>
-            <a:ext cx="557248" cy="840037"/>
-          </a:xfrm>
-          <a:prstGeom prst="bentConnector2">
-            <a:avLst/>
-          </a:prstGeom>
-          <a:ln>
-            <a:tailEnd type="triangle"/>
-          </a:ln>
-        </p:spPr>
-        <p:style>
-          <a:lnRef idx="1">
-            <a:schemeClr val="accent1"/>
-          </a:lnRef>
-          <a:fillRef idx="0">
-            <a:schemeClr val="accent1"/>
-          </a:fillRef>
-          <a:effectRef idx="0">
-            <a:schemeClr val="accent1"/>
-          </a:effectRef>
-          <a:fontRef idx="minor">
-            <a:schemeClr val="tx1"/>
-          </a:fontRef>
-        </p:style>
-      </p:cxnSp>
-      <p:cxnSp>
-        <p:nvCxnSpPr>
-          <p:cNvPr id="82" name="직선 화살표 연결선 81">
-            <a:extLst>
-              <a:ext uri="{FF2B5EF4-FFF2-40B4-BE49-F238E27FC236}">
-                <a16:creationId xmlns:a16="http://schemas.microsoft.com/office/drawing/2014/main" id="{DBE32474-59D8-4C1A-8DC9-44B1A5FE882A}"/>
-              </a:ext>
-            </a:extLst>
-          </p:cNvPr>
-          <p:cNvCxnSpPr>
-            <a:cxnSpLocks/>
-            <a:stCxn id="53" idx="2"/>
-            <a:endCxn id="85" idx="0"/>
-          </p:cNvCxnSpPr>
-          <p:nvPr/>
-        </p:nvCxnSpPr>
-        <p:spPr>
-          <a:xfrm flipH="1">
-            <a:off x="3693426" y="8184881"/>
-            <a:ext cx="2" cy="241419"/>
-          </a:xfrm>
-          <a:prstGeom prst="straightConnector1">
-            <a:avLst/>
-          </a:prstGeom>
-          <a:ln>
-            <a:tailEnd type="triangle"/>
-          </a:ln>
-        </p:spPr>
-        <p:style>
-          <a:lnRef idx="1">
-            <a:schemeClr val="accent1"/>
-          </a:lnRef>
-          <a:fillRef idx="0">
-            <a:schemeClr val="accent1"/>
-          </a:fillRef>
-          <a:effectRef idx="0">
-            <a:schemeClr val="accent1"/>
-          </a:effectRef>
-          <a:fontRef idx="minor">
-            <a:schemeClr val="tx1"/>
-          </a:fontRef>
-        </p:style>
-      </p:cxnSp>
-      <p:sp>
-        <p:nvSpPr>
-          <p:cNvPr id="85" name="타원 84">
-            <a:extLst>
-              <a:ext uri="{FF2B5EF4-FFF2-40B4-BE49-F238E27FC236}">
-                <a16:creationId xmlns:a16="http://schemas.microsoft.com/office/drawing/2014/main" id="{95235E3C-67CA-46A7-9616-DBACBA7771D3}"/>
-              </a:ext>
-            </a:extLst>
-          </p:cNvPr>
-          <p:cNvSpPr/>
-          <p:nvPr/>
-        </p:nvSpPr>
-        <p:spPr>
-          <a:xfrm>
-            <a:off x="3133958" y="8426300"/>
-            <a:ext cx="1118936" cy="631658"/>
-          </a:xfrm>
-          <a:prstGeom prst="ellipse">
-            <a:avLst/>
-          </a:prstGeom>
-        </p:spPr>
-        <p:style>
-          <a:lnRef idx="2">
-            <a:schemeClr val="accent1">
-              <a:shade val="50000"/>
-            </a:schemeClr>
-          </a:lnRef>
-          <a:fillRef idx="1">
-            <a:schemeClr val="accent1"/>
-          </a:fillRef>
-          <a:effectRef idx="0">
-            <a:schemeClr val="accent1"/>
-          </a:effectRef>
-          <a:fontRef idx="minor">
-            <a:schemeClr val="lt1"/>
-          </a:fontRef>
-        </p:style>
-        <p:txBody>
-          <a:bodyPr rot="0" spcFirstLastPara="0" vertOverflow="overflow" horzOverflow="overflow" vert="horz" wrap="square" lIns="51435" tIns="25718" rIns="51435" bIns="25718" numCol="1" spcCol="0" rtlCol="0" fromWordArt="0" anchor="ctr" anchorCtr="0" forceAA="0" compatLnSpc="1">
-            <a:prstTxWarp prst="textNoShape">
-              <a:avLst/>
-            </a:prstTxWarp>
-            <a:noAutofit/>
-          </a:bodyPr>
-          <a:lstStyle/>
-          <a:p>
-            <a:pPr algn="ctr"/>
-            <a:r>
-              <a:rPr lang="en-US" altLang="ko-KR" sz="1013" dirty="0"/>
-              <a:t>Update()</a:t>
-            </a:r>
-          </a:p>
-        </p:txBody>
-      </p:sp>
-      <p:sp>
-        <p:nvSpPr>
-          <p:cNvPr id="28" name="다이아몬드 27">
-            <a:extLst>
-              <a:ext uri="{FF2B5EF4-FFF2-40B4-BE49-F238E27FC236}">
-                <a16:creationId xmlns:a16="http://schemas.microsoft.com/office/drawing/2014/main" id="{63AC561F-24A5-48A2-B2AD-1771D78A5890}"/>
-              </a:ext>
-            </a:extLst>
-          </p:cNvPr>
-          <p:cNvSpPr/>
-          <p:nvPr/>
-        </p:nvSpPr>
-        <p:spPr>
-          <a:xfrm>
-            <a:off x="3097857" y="1990188"/>
-            <a:ext cx="1191127" cy="631658"/>
-          </a:xfrm>
-          <a:prstGeom prst="diamond">
-            <a:avLst/>
-          </a:prstGeom>
-        </p:spPr>
-        <p:style>
-          <a:lnRef idx="2">
-            <a:schemeClr val="accent1">
-              <a:shade val="50000"/>
-            </a:schemeClr>
-          </a:lnRef>
-          <a:fillRef idx="1">
-            <a:schemeClr val="accent1"/>
-          </a:fillRef>
-          <a:effectRef idx="0">
-            <a:schemeClr val="accent1"/>
-          </a:effectRef>
-          <a:fontRef idx="minor">
-            <a:schemeClr val="lt1"/>
-          </a:fontRef>
-        </p:style>
-        <p:txBody>
-          <a:bodyPr rot="0" spcFirstLastPara="0" vertOverflow="overflow" horzOverflow="overflow" vert="horz" wrap="square" lIns="51435" tIns="25718" rIns="51435" bIns="25718" numCol="1" spcCol="0" rtlCol="0" fromWordArt="0" anchor="ctr" anchorCtr="0" forceAA="0" compatLnSpc="1">
-            <a:prstTxWarp prst="textNoShape">
-              <a:avLst/>
-            </a:prstTxWarp>
-            <a:noAutofit/>
-          </a:bodyPr>
-          <a:lstStyle/>
-          <a:p>
-            <a:pPr algn="ctr"/>
-            <a:r>
-              <a:rPr lang="en-US" altLang="ko-KR" sz="1013" dirty="0"/>
-              <a:t>Waiting</a:t>
-            </a:r>
-          </a:p>
-          <a:p>
-            <a:pPr algn="ctr"/>
-            <a:r>
-              <a:rPr lang="en-US" altLang="ko-KR" sz="1013" dirty="0" err="1"/>
-              <a:t>ForSingleObject</a:t>
-            </a:r>
-            <a:r>
-              <a:rPr lang="en-US" altLang="ko-KR" sz="1013" dirty="0"/>
-              <a:t>()</a:t>
-            </a:r>
-          </a:p>
-        </p:txBody>
-      </p:sp>
-      <p:sp>
-        <p:nvSpPr>
-          <p:cNvPr id="35" name="다이아몬드 34">
-            <a:extLst>
-              <a:ext uri="{FF2B5EF4-FFF2-40B4-BE49-F238E27FC236}">
-                <a16:creationId xmlns:a16="http://schemas.microsoft.com/office/drawing/2014/main" id="{D1A26768-8328-4955-AE58-15E075564D56}"/>
-              </a:ext>
-            </a:extLst>
-          </p:cNvPr>
-          <p:cNvSpPr/>
-          <p:nvPr/>
-        </p:nvSpPr>
-        <p:spPr>
-          <a:xfrm>
-            <a:off x="3097858" y="3784940"/>
-            <a:ext cx="1191127" cy="631658"/>
-          </a:xfrm>
-          <a:prstGeom prst="diamond">
-            <a:avLst/>
-          </a:prstGeom>
-        </p:spPr>
-        <p:style>
-          <a:lnRef idx="2">
-            <a:schemeClr val="accent1">
-              <a:shade val="50000"/>
-            </a:schemeClr>
-          </a:lnRef>
-          <a:fillRef idx="1">
-            <a:schemeClr val="accent1"/>
-          </a:fillRef>
-          <a:effectRef idx="0">
-            <a:schemeClr val="accent1"/>
-          </a:effectRef>
-          <a:fontRef idx="minor">
-            <a:schemeClr val="lt1"/>
-          </a:fontRef>
-        </p:style>
-        <p:txBody>
-          <a:bodyPr rot="0" spcFirstLastPara="0" vertOverflow="overflow" horzOverflow="overflow" vert="horz" wrap="square" lIns="51435" tIns="25718" rIns="51435" bIns="25718" numCol="1" spcCol="0" rtlCol="0" fromWordArt="0" anchor="ctr" anchorCtr="0" forceAA="0" compatLnSpc="1">
-            <a:prstTxWarp prst="textNoShape">
-              <a:avLst/>
-            </a:prstTxWarp>
-            <a:noAutofit/>
-          </a:bodyPr>
-          <a:lstStyle/>
-          <a:p>
-            <a:pPr algn="ctr"/>
-            <a:r>
-              <a:rPr lang="en-US" altLang="ko-KR" sz="1013" dirty="0"/>
-              <a:t>Waiting</a:t>
-            </a:r>
-          </a:p>
-          <a:p>
-            <a:pPr algn="ctr"/>
-            <a:r>
-              <a:rPr lang="en-US" altLang="ko-KR" sz="1013" dirty="0" err="1"/>
-              <a:t>ForSingleObject</a:t>
-            </a:r>
-            <a:r>
-              <a:rPr lang="en-US" altLang="ko-KR" sz="1013" dirty="0"/>
-              <a:t>()</a:t>
-            </a:r>
-          </a:p>
-        </p:txBody>
-      </p:sp>
-      <p:cxnSp>
-        <p:nvCxnSpPr>
-          <p:cNvPr id="21" name="직선 화살표 연결선 20">
-            <a:extLst>
-              <a:ext uri="{FF2B5EF4-FFF2-40B4-BE49-F238E27FC236}">
-                <a16:creationId xmlns:a16="http://schemas.microsoft.com/office/drawing/2014/main" id="{AC09D743-EC90-4894-A6EE-FE90D6EE5A4E}"/>
-              </a:ext>
-            </a:extLst>
-          </p:cNvPr>
-          <p:cNvCxnSpPr>
-            <a:stCxn id="28" idx="2"/>
-            <a:endCxn id="7" idx="0"/>
-          </p:cNvCxnSpPr>
-          <p:nvPr/>
-        </p:nvCxnSpPr>
-        <p:spPr>
-          <a:xfrm flipH="1">
-            <a:off x="3691318" y="2621846"/>
-            <a:ext cx="2103" cy="315829"/>
-          </a:xfrm>
-          <a:prstGeom prst="straightConnector1">
-            <a:avLst/>
-          </a:prstGeom>
-          <a:ln>
-            <a:tailEnd type="triangle"/>
-          </a:ln>
-        </p:spPr>
-        <p:style>
-          <a:lnRef idx="1">
-            <a:schemeClr val="accent1"/>
-          </a:lnRef>
-          <a:fillRef idx="0">
-            <a:schemeClr val="accent1"/>
-          </a:fillRef>
-          <a:effectRef idx="0">
-            <a:schemeClr val="accent1"/>
-          </a:effectRef>
-          <a:fontRef idx="minor">
-            <a:schemeClr val="tx1"/>
-          </a:fontRef>
-        </p:style>
-      </p:cxnSp>
-      <p:cxnSp>
-        <p:nvCxnSpPr>
-          <p:cNvPr id="24" name="직선 화살표 연결선 23">
-            <a:extLst>
-              <a:ext uri="{FF2B5EF4-FFF2-40B4-BE49-F238E27FC236}">
-                <a16:creationId xmlns:a16="http://schemas.microsoft.com/office/drawing/2014/main" id="{BEF5A090-2AFD-4941-A67B-3527713A6EBA}"/>
-              </a:ext>
-            </a:extLst>
-          </p:cNvPr>
-          <p:cNvCxnSpPr>
-            <a:stCxn id="7" idx="2"/>
-            <a:endCxn id="35" idx="0"/>
-          </p:cNvCxnSpPr>
-          <p:nvPr/>
-        </p:nvCxnSpPr>
-        <p:spPr>
-          <a:xfrm>
-            <a:off x="3691318" y="3422423"/>
-            <a:ext cx="2104" cy="362517"/>
-          </a:xfrm>
-          <a:prstGeom prst="straightConnector1">
-            <a:avLst/>
-          </a:prstGeom>
-          <a:ln>
-            <a:tailEnd type="triangle"/>
-          </a:ln>
-        </p:spPr>
-        <p:style>
-          <a:lnRef idx="1">
-            <a:schemeClr val="accent1"/>
-          </a:lnRef>
-          <a:fillRef idx="0">
-            <a:schemeClr val="accent1"/>
-          </a:fillRef>
-          <a:effectRef idx="0">
-            <a:schemeClr val="accent1"/>
-          </a:effectRef>
-          <a:fontRef idx="minor">
-            <a:schemeClr val="tx1"/>
-          </a:fontRef>
-        </p:style>
-      </p:cxnSp>
-    </p:spTree>
-    <p:extLst>
-      <p:ext uri="{BB962C8B-B14F-4D97-AF65-F5344CB8AC3E}">
-        <p14:creationId xmlns:p14="http://schemas.microsoft.com/office/powerpoint/2010/main" val="571786713"/>
       </p:ext>
     </p:extLst>
   </p:cSld>
